--- a/static/downloads/dem.pptx
+++ b/static/downloads/dem.pptx
@@ -7,32 +7,33 @@
   <p:sldIdLst>
     <p:sldId id="256" r:id="rId5"/>
     <p:sldId id="257" r:id="rId6"/>
-    <p:sldId id="310" r:id="rId7"/>
-    <p:sldId id="281" r:id="rId8"/>
-    <p:sldId id="282" r:id="rId9"/>
-    <p:sldId id="313" r:id="rId10"/>
-    <p:sldId id="283" r:id="rId11"/>
-    <p:sldId id="302" r:id="rId12"/>
-    <p:sldId id="303" r:id="rId13"/>
-    <p:sldId id="304" r:id="rId14"/>
-    <p:sldId id="305" r:id="rId15"/>
-    <p:sldId id="306" r:id="rId16"/>
-    <p:sldId id="308" r:id="rId17"/>
-    <p:sldId id="309" r:id="rId18"/>
-    <p:sldId id="312" r:id="rId19"/>
-    <p:sldId id="298" r:id="rId20"/>
+    <p:sldId id="316" r:id="rId7"/>
+    <p:sldId id="310" r:id="rId8"/>
+    <p:sldId id="281" r:id="rId9"/>
+    <p:sldId id="282" r:id="rId10"/>
+    <p:sldId id="313" r:id="rId11"/>
+    <p:sldId id="283" r:id="rId12"/>
+    <p:sldId id="302" r:id="rId13"/>
+    <p:sldId id="303" r:id="rId14"/>
+    <p:sldId id="304" r:id="rId15"/>
+    <p:sldId id="305" r:id="rId16"/>
+    <p:sldId id="306" r:id="rId17"/>
+    <p:sldId id="308" r:id="rId18"/>
+    <p:sldId id="309" r:id="rId19"/>
+    <p:sldId id="312" r:id="rId20"/>
     <p:sldId id="284" r:id="rId21"/>
-    <p:sldId id="288" r:id="rId22"/>
-    <p:sldId id="299" r:id="rId23"/>
-    <p:sldId id="285" r:id="rId24"/>
-    <p:sldId id="300" r:id="rId25"/>
-    <p:sldId id="314" r:id="rId26"/>
-    <p:sldId id="286" r:id="rId27"/>
+    <p:sldId id="315" r:id="rId22"/>
+    <p:sldId id="288" r:id="rId23"/>
+    <p:sldId id="299" r:id="rId24"/>
+    <p:sldId id="285" r:id="rId25"/>
+    <p:sldId id="300" r:id="rId26"/>
+    <p:sldId id="314" r:id="rId27"/>
+    <p:sldId id="286" r:id="rId28"/>
   </p:sldIdLst>
   <p:sldSz cx="9144000" cy="6858000" type="screen4x3"/>
   <p:notesSz cx="6797675" cy="9926638"/>
   <p:custDataLst>
-    <p:tags r:id="rId28"/>
+    <p:tags r:id="rId29"/>
   </p:custDataLst>
   <p:defaultTextStyle>
     <a:defPPr>
@@ -329,7 +330,7 @@
           <a:p>
             <a:fld id="{E6E61A80-AD3E-5043-BBBB-DD0D35B177C1}" type="datetimeFigureOut">
               <a:rPr lang="en-US" smtClean="0"/>
-              <a:t>10/12/2022</a:t>
+              <a:t>10/3/2023</a:t>
             </a:fld>
             <a:endParaRPr lang="en-US"/>
           </a:p>
@@ -494,7 +495,7 @@
           <a:p>
             <a:fld id="{E6E61A80-AD3E-5043-BBBB-DD0D35B177C1}" type="datetimeFigureOut">
               <a:rPr lang="en-US" smtClean="0"/>
-              <a:t>10/12/2022</a:t>
+              <a:t>10/3/2023</a:t>
             </a:fld>
             <a:endParaRPr lang="en-US"/>
           </a:p>
@@ -669,7 +670,7 @@
           <a:p>
             <a:fld id="{E6E61A80-AD3E-5043-BBBB-DD0D35B177C1}" type="datetimeFigureOut">
               <a:rPr lang="en-US" smtClean="0"/>
-              <a:t>10/12/2022</a:t>
+              <a:t>10/3/2023</a:t>
             </a:fld>
             <a:endParaRPr lang="en-US"/>
           </a:p>
@@ -834,7 +835,7 @@
           <a:p>
             <a:fld id="{E6E61A80-AD3E-5043-BBBB-DD0D35B177C1}" type="datetimeFigureOut">
               <a:rPr lang="en-US" smtClean="0"/>
-              <a:t>10/12/2022</a:t>
+              <a:t>10/3/2023</a:t>
             </a:fld>
             <a:endParaRPr lang="en-US"/>
           </a:p>
@@ -1075,7 +1076,7 @@
           <a:p>
             <a:fld id="{E6E61A80-AD3E-5043-BBBB-DD0D35B177C1}" type="datetimeFigureOut">
               <a:rPr lang="en-US" smtClean="0"/>
-              <a:t>10/12/2022</a:t>
+              <a:t>10/3/2023</a:t>
             </a:fld>
             <a:endParaRPr lang="en-US"/>
           </a:p>
@@ -1358,7 +1359,7 @@
           <a:p>
             <a:fld id="{E6E61A80-AD3E-5043-BBBB-DD0D35B177C1}" type="datetimeFigureOut">
               <a:rPr lang="en-US" smtClean="0"/>
-              <a:t>10/12/2022</a:t>
+              <a:t>10/3/2023</a:t>
             </a:fld>
             <a:endParaRPr lang="en-US"/>
           </a:p>
@@ -1775,7 +1776,7 @@
           <a:p>
             <a:fld id="{E6E61A80-AD3E-5043-BBBB-DD0D35B177C1}" type="datetimeFigureOut">
               <a:rPr lang="en-US" smtClean="0"/>
-              <a:t>10/12/2022</a:t>
+              <a:t>10/3/2023</a:t>
             </a:fld>
             <a:endParaRPr lang="en-US"/>
           </a:p>
@@ -1888,7 +1889,7 @@
           <a:p>
             <a:fld id="{E6E61A80-AD3E-5043-BBBB-DD0D35B177C1}" type="datetimeFigureOut">
               <a:rPr lang="en-US" smtClean="0"/>
-              <a:t>10/12/2022</a:t>
+              <a:t>10/3/2023</a:t>
             </a:fld>
             <a:endParaRPr lang="en-US"/>
           </a:p>
@@ -1978,7 +1979,7 @@
           <a:p>
             <a:fld id="{E6E61A80-AD3E-5043-BBBB-DD0D35B177C1}" type="datetimeFigureOut">
               <a:rPr lang="en-US" smtClean="0"/>
-              <a:t>10/12/2022</a:t>
+              <a:t>10/3/2023</a:t>
             </a:fld>
             <a:endParaRPr lang="en-US"/>
           </a:p>
@@ -2250,7 +2251,7 @@
           <a:p>
             <a:fld id="{E6E61A80-AD3E-5043-BBBB-DD0D35B177C1}" type="datetimeFigureOut">
               <a:rPr lang="en-US" smtClean="0"/>
-              <a:t>10/12/2022</a:t>
+              <a:t>10/3/2023</a:t>
             </a:fld>
             <a:endParaRPr lang="en-US"/>
           </a:p>
@@ -2498,7 +2499,7 @@
           <a:p>
             <a:fld id="{E6E61A80-AD3E-5043-BBBB-DD0D35B177C1}" type="datetimeFigureOut">
               <a:rPr lang="en-US" smtClean="0"/>
-              <a:t>10/12/2022</a:t>
+              <a:t>10/3/2023</a:t>
             </a:fld>
             <a:endParaRPr lang="en-US"/>
           </a:p>
@@ -2706,7 +2707,7 @@
           <a:p>
             <a:fld id="{E6E61A80-AD3E-5043-BBBB-DD0D35B177C1}" type="datetimeFigureOut">
               <a:rPr lang="en-US" smtClean="0"/>
-              <a:t>10/12/2022</a:t>
+              <a:t>10/3/2023</a:t>
             </a:fld>
             <a:endParaRPr lang="en-US"/>
           </a:p>
@@ -3129,7 +3130,7 @@
             <a:pPr algn="ctr"/>
             <a:r>
               <a:rPr lang="en-GB" sz="3600" b="1" dirty="0"/>
-              <a:t>October 2022</a:t>
+              <a:t>October 2023</a:t>
             </a:r>
           </a:p>
           <a:p>
@@ -3235,10 +3236,10 @@
       </p:sp>
       <p:pic>
         <p:nvPicPr>
-          <p:cNvPr id="6" name="Content Placeholder 5">
+          <p:cNvPr id="4" name="Content Placeholder 3">
             <a:extLst>
               <a:ext uri="{FF2B5EF4-FFF2-40B4-BE49-F238E27FC236}">
-                <a16:creationId xmlns:a16="http://schemas.microsoft.com/office/drawing/2014/main" id="{FAFE6A30-7CBE-44E0-BB9F-EFCC1D52EB2E}"/>
+                <a16:creationId xmlns:a16="http://schemas.microsoft.com/office/drawing/2014/main" id="{134F007C-F9BF-4103-9AAE-57E804EFECFA}"/>
               </a:ext>
             </a:extLst>
           </p:cNvPr>
@@ -3257,8 +3258,8 @@
         </p:blipFill>
         <p:spPr>
           <a:xfrm>
-            <a:off x="488424" y="1600200"/>
-            <a:ext cx="8167151" cy="4525963"/>
+            <a:off x="457200" y="1634331"/>
+            <a:ext cx="8229600" cy="4457700"/>
           </a:xfrm>
           <a:prstGeom prst="rect">
             <a:avLst/>
@@ -3268,7 +3269,7 @@
     </p:spTree>
     <p:extLst>
       <p:ext uri="{BB962C8B-B14F-4D97-AF65-F5344CB8AC3E}">
-        <p14:creationId xmlns:p14="http://schemas.microsoft.com/office/powerpoint/2010/main" val="1259174857"/>
+        <p14:creationId xmlns:p14="http://schemas.microsoft.com/office/powerpoint/2010/main" val="3892910494"/>
       </p:ext>
     </p:extLst>
   </p:cSld>
@@ -3343,10 +3344,10 @@
       </p:sp>
       <p:pic>
         <p:nvPicPr>
-          <p:cNvPr id="7" name="Content Placeholder 6">
+          <p:cNvPr id="6" name="Content Placeholder 5">
             <a:extLst>
               <a:ext uri="{FF2B5EF4-FFF2-40B4-BE49-F238E27FC236}">
-                <a16:creationId xmlns:a16="http://schemas.microsoft.com/office/drawing/2014/main" id="{62E94EB5-BFD8-4D7C-8D56-B1C997FCD95C}"/>
+                <a16:creationId xmlns:a16="http://schemas.microsoft.com/office/drawing/2014/main" id="{FAFE6A30-7CBE-44E0-BB9F-EFCC1D52EB2E}"/>
               </a:ext>
             </a:extLst>
           </p:cNvPr>
@@ -3365,8 +3366,8 @@
         </p:blipFill>
         <p:spPr>
           <a:xfrm>
-            <a:off x="457200" y="1634331"/>
-            <a:ext cx="8229600" cy="4457700"/>
+            <a:off x="488424" y="1600200"/>
+            <a:ext cx="8167151" cy="4525963"/>
           </a:xfrm>
           <a:prstGeom prst="rect">
             <a:avLst/>
@@ -3376,7 +3377,7 @@
     </p:spTree>
     <p:extLst>
       <p:ext uri="{BB962C8B-B14F-4D97-AF65-F5344CB8AC3E}">
-        <p14:creationId xmlns:p14="http://schemas.microsoft.com/office/powerpoint/2010/main" val="2681206956"/>
+        <p14:creationId xmlns:p14="http://schemas.microsoft.com/office/powerpoint/2010/main" val="1259174857"/>
       </p:ext>
     </p:extLst>
   </p:cSld>
@@ -3451,10 +3452,10 @@
       </p:sp>
       <p:pic>
         <p:nvPicPr>
-          <p:cNvPr id="8" name="Content Placeholder 7">
+          <p:cNvPr id="7" name="Content Placeholder 6">
             <a:extLst>
               <a:ext uri="{FF2B5EF4-FFF2-40B4-BE49-F238E27FC236}">
-                <a16:creationId xmlns:a16="http://schemas.microsoft.com/office/drawing/2014/main" id="{A652DB6C-0494-4DB4-8612-57AEA162DD6D}"/>
+                <a16:creationId xmlns:a16="http://schemas.microsoft.com/office/drawing/2014/main" id="{62E94EB5-BFD8-4D7C-8D56-B1C997FCD95C}"/>
               </a:ext>
             </a:extLst>
           </p:cNvPr>
@@ -3484,7 +3485,7 @@
     </p:spTree>
     <p:extLst>
       <p:ext uri="{BB962C8B-B14F-4D97-AF65-F5344CB8AC3E}">
-        <p14:creationId xmlns:p14="http://schemas.microsoft.com/office/powerpoint/2010/main" val="3772685921"/>
+        <p14:creationId xmlns:p14="http://schemas.microsoft.com/office/powerpoint/2010/main" val="2681206956"/>
       </p:ext>
     </p:extLst>
   </p:cSld>
@@ -3559,10 +3560,10 @@
       </p:sp>
       <p:pic>
         <p:nvPicPr>
-          <p:cNvPr id="5" name="Content Placeholder 4">
+          <p:cNvPr id="8" name="Content Placeholder 7">
             <a:extLst>
               <a:ext uri="{FF2B5EF4-FFF2-40B4-BE49-F238E27FC236}">
-                <a16:creationId xmlns:a16="http://schemas.microsoft.com/office/drawing/2014/main" id="{8E68A008-70C3-4B82-AEE4-9595A15B118D}"/>
+                <a16:creationId xmlns:a16="http://schemas.microsoft.com/office/drawing/2014/main" id="{A652DB6C-0494-4DB4-8612-57AEA162DD6D}"/>
               </a:ext>
             </a:extLst>
           </p:cNvPr>
@@ -3592,7 +3593,7 @@
     </p:spTree>
     <p:extLst>
       <p:ext uri="{BB962C8B-B14F-4D97-AF65-F5344CB8AC3E}">
-        <p14:creationId xmlns:p14="http://schemas.microsoft.com/office/powerpoint/2010/main" val="2985795587"/>
+        <p14:creationId xmlns:p14="http://schemas.microsoft.com/office/powerpoint/2010/main" val="3772685921"/>
       </p:ext>
     </p:extLst>
   </p:cSld>
@@ -3667,10 +3668,10 @@
       </p:sp>
       <p:pic>
         <p:nvPicPr>
-          <p:cNvPr id="6" name="Content Placeholder 5">
+          <p:cNvPr id="5" name="Content Placeholder 4">
             <a:extLst>
               <a:ext uri="{FF2B5EF4-FFF2-40B4-BE49-F238E27FC236}">
-                <a16:creationId xmlns:a16="http://schemas.microsoft.com/office/drawing/2014/main" id="{CB08D1CC-B734-422D-BC06-781827436997}"/>
+                <a16:creationId xmlns:a16="http://schemas.microsoft.com/office/drawing/2014/main" id="{8E68A008-70C3-4B82-AEE4-9595A15B118D}"/>
               </a:ext>
             </a:extLst>
           </p:cNvPr>
@@ -3700,7 +3701,7 @@
     </p:spTree>
     <p:extLst>
       <p:ext uri="{BB962C8B-B14F-4D97-AF65-F5344CB8AC3E}">
-        <p14:creationId xmlns:p14="http://schemas.microsoft.com/office/powerpoint/2010/main" val="1927742201"/>
+        <p14:creationId xmlns:p14="http://schemas.microsoft.com/office/powerpoint/2010/main" val="2985795587"/>
       </p:ext>
     </p:extLst>
   </p:cSld>
@@ -3768,17 +3769,17 @@
             </a:br>
             <a:r>
               <a:rPr lang="en-GB" b="1" dirty="0"/>
-              <a:t>Queuing system</a:t>
+              <a:t>Worksheet signoff system</a:t>
             </a:r>
           </a:p>
         </p:txBody>
       </p:sp>
       <p:pic>
         <p:nvPicPr>
-          <p:cNvPr id="7" name="Content Placeholder 6">
+          <p:cNvPr id="6" name="Content Placeholder 5">
             <a:extLst>
               <a:ext uri="{FF2B5EF4-FFF2-40B4-BE49-F238E27FC236}">
-                <a16:creationId xmlns:a16="http://schemas.microsoft.com/office/drawing/2014/main" id="{671706E8-1841-463E-B61D-6AC24B5D6624}"/>
+                <a16:creationId xmlns:a16="http://schemas.microsoft.com/office/drawing/2014/main" id="{CB08D1CC-B734-422D-BC06-781827436997}"/>
               </a:ext>
             </a:extLst>
           </p:cNvPr>
@@ -3805,45 +3806,10 @@
           </a:prstGeom>
         </p:spPr>
       </p:pic>
-      <p:sp>
-        <p:nvSpPr>
-          <p:cNvPr id="8" name="TextBox 7">
-            <a:extLst>
-              <a:ext uri="{FF2B5EF4-FFF2-40B4-BE49-F238E27FC236}">
-                <a16:creationId xmlns:a16="http://schemas.microsoft.com/office/drawing/2014/main" id="{8B67FBC2-E58A-4B82-803A-9ABE947E2180}"/>
-              </a:ext>
-            </a:extLst>
-          </p:cNvPr>
-          <p:cNvSpPr txBox="1"/>
-          <p:nvPr/>
-        </p:nvSpPr>
-        <p:spPr>
-          <a:xfrm>
-            <a:off x="3779912" y="4626637"/>
-            <a:ext cx="3384376" cy="1477328"/>
-          </a:xfrm>
-          <a:prstGeom prst="rect">
-            <a:avLst/>
-          </a:prstGeom>
-          <a:noFill/>
-        </p:spPr>
-        <p:txBody>
-          <a:bodyPr wrap="square" rtlCol="0">
-            <a:spAutoFit/>
-          </a:bodyPr>
-          <a:lstStyle/>
-          <a:p>
-            <a:r>
-              <a:rPr lang="en-GB" dirty="0"/>
-              <a:t>This will only show a queue when you have a session running. Click on “New Student” to start helping a student. Computer numbers are stuck onto the computers.</a:t>
-            </a:r>
-          </a:p>
-        </p:txBody>
-      </p:sp>
     </p:spTree>
     <p:extLst>
       <p:ext uri="{BB962C8B-B14F-4D97-AF65-F5344CB8AC3E}">
-        <p14:creationId xmlns:p14="http://schemas.microsoft.com/office/powerpoint/2010/main" val="1105454625"/>
+        <p14:creationId xmlns:p14="http://schemas.microsoft.com/office/powerpoint/2010/main" val="1927742201"/>
       </p:ext>
     </p:extLst>
   </p:cSld>
@@ -3911,74 +3877,82 @@
             </a:br>
             <a:r>
               <a:rPr lang="en-GB" b="1" dirty="0"/>
-              <a:t>COVID-19 (Face to Face)</a:t>
-            </a:r>
-          </a:p>
-        </p:txBody>
-      </p:sp>
-      <p:sp>
-        <p:nvSpPr>
-          <p:cNvPr id="3" name="Content Placeholder 2"/>
-          <p:cNvSpPr>
-            <a:spLocks noGrp="1"/>
-          </p:cNvSpPr>
+              <a:t>Queuing system</a:t>
+            </a:r>
+          </a:p>
+        </p:txBody>
+      </p:sp>
+      <p:pic>
+        <p:nvPicPr>
+          <p:cNvPr id="7" name="Content Placeholder 6">
+            <a:extLst>
+              <a:ext uri="{FF2B5EF4-FFF2-40B4-BE49-F238E27FC236}">
+                <a16:creationId xmlns:a16="http://schemas.microsoft.com/office/drawing/2014/main" id="{671706E8-1841-463E-B61D-6AC24B5D6624}"/>
+              </a:ext>
+            </a:extLst>
+          </p:cNvPr>
+          <p:cNvPicPr>
+            <a:picLocks noGrp="1" noChangeAspect="1"/>
+          </p:cNvPicPr>
           <p:nvPr>
             <p:ph idx="1"/>
           </p:nvPr>
-        </p:nvSpPr>
-        <p:spPr/>
-        <p:txBody>
-          <a:bodyPr>
-            <a:normAutofit/>
+        </p:nvPicPr>
+        <p:blipFill>
+          <a:blip r:embed="rId3"/>
+          <a:stretch>
+            <a:fillRect/>
+          </a:stretch>
+        </p:blipFill>
+        <p:spPr>
+          <a:xfrm>
+            <a:off x="457200" y="1634331"/>
+            <a:ext cx="8229600" cy="4457700"/>
+          </a:xfrm>
+          <a:prstGeom prst="rect">
+            <a:avLst/>
+          </a:prstGeom>
+        </p:spPr>
+      </p:pic>
+      <p:sp>
+        <p:nvSpPr>
+          <p:cNvPr id="8" name="TextBox 7">
+            <a:extLst>
+              <a:ext uri="{FF2B5EF4-FFF2-40B4-BE49-F238E27FC236}">
+                <a16:creationId xmlns:a16="http://schemas.microsoft.com/office/drawing/2014/main" id="{8B67FBC2-E58A-4B82-803A-9ABE947E2180}"/>
+              </a:ext>
+            </a:extLst>
+          </p:cNvPr>
+          <p:cNvSpPr txBox="1"/>
+          <p:nvPr/>
+        </p:nvSpPr>
+        <p:spPr>
+          <a:xfrm>
+            <a:off x="3779912" y="4626637"/>
+            <a:ext cx="3384376" cy="1477328"/>
+          </a:xfrm>
+          <a:prstGeom prst="rect">
+            <a:avLst/>
+          </a:prstGeom>
+          <a:noFill/>
+        </p:spPr>
+        <p:txBody>
+          <a:bodyPr wrap="square" rtlCol="0">
+            <a:spAutoFit/>
           </a:bodyPr>
           <a:lstStyle/>
           <a:p>
             <a:r>
               <a:rPr lang="en-GB" dirty="0"/>
-              <a:t>If you are unwell, please </a:t>
-            </a:r>
-            <a:r>
-              <a:rPr lang="en-GB" b="1" dirty="0"/>
-              <a:t>let us know </a:t>
-            </a:r>
-            <a:r>
-              <a:rPr lang="en-GB" dirty="0"/>
-              <a:t>and </a:t>
-            </a:r>
-            <a:r>
-              <a:rPr lang="en-GB" b="1" dirty="0"/>
-              <a:t>don’t come in.</a:t>
-            </a:r>
-            <a:endParaRPr lang="en-GB" dirty="0"/>
-          </a:p>
-          <a:p>
-            <a:r>
-              <a:rPr lang="en-GB" dirty="0"/>
-              <a:t>You can approach students, but don’t touch their keyboards (good practice anyway!)</a:t>
-            </a:r>
-          </a:p>
-          <a:p>
-            <a:r>
-              <a:rPr lang="en-GB" dirty="0"/>
-              <a:t>And don’t get closer than 2m.</a:t>
-            </a:r>
-          </a:p>
-          <a:p>
-            <a:pPr lvl="0"/>
-            <a:endParaRPr lang="en-GB" dirty="0"/>
-          </a:p>
-          <a:p>
-            <a:pPr marL="0" indent="0">
-              <a:buNone/>
-            </a:pPr>
-            <a:endParaRPr lang="en-GB" dirty="0"/>
+              <a:t>This will only show a queue when you have a session running. Click on “New Student” to start helping a student. Computer numbers are stuck onto the computers.</a:t>
+            </a:r>
           </a:p>
         </p:txBody>
       </p:sp>
     </p:spTree>
     <p:extLst>
       <p:ext uri="{BB962C8B-B14F-4D97-AF65-F5344CB8AC3E}">
-        <p14:creationId xmlns:p14="http://schemas.microsoft.com/office/powerpoint/2010/main" val="2282558156"/>
+        <p14:creationId xmlns:p14="http://schemas.microsoft.com/office/powerpoint/2010/main" val="1105454625"/>
       </p:ext>
     </p:extLst>
   </p:cSld>
@@ -4046,7 +4020,7 @@
             </a:br>
             <a:r>
               <a:rPr lang="en-GB" b="1" dirty="0"/>
-              <a:t>Demonstrating</a:t>
+              <a:t>Name badges</a:t>
             </a:r>
           </a:p>
         </p:txBody>
@@ -4064,61 +4038,19 @@
         <p:spPr/>
         <p:txBody>
           <a:bodyPr>
-            <a:normAutofit fontScale="62500" lnSpcReduction="20000"/>
+            <a:normAutofit/>
           </a:bodyPr>
           <a:lstStyle/>
           <a:p>
             <a:r>
               <a:rPr lang="en-GB" sz="4000" dirty="0"/>
-              <a:t>Read the worksheet in advance!</a:t>
-            </a:r>
-          </a:p>
-          <a:p>
-            <a:r>
-              <a:rPr lang="en-GB" sz="4000" dirty="0"/>
-              <a:t>You don’t have to know everything, you can get help from the lecturer</a:t>
-            </a:r>
-          </a:p>
-          <a:p>
-            <a:r>
-              <a:rPr lang="en-GB" sz="4000" dirty="0"/>
-              <a:t>Help students to work out the solution a step at a time</a:t>
-            </a:r>
-          </a:p>
-          <a:p>
-            <a:r>
-              <a:rPr lang="en-GB" sz="4000" dirty="0"/>
-              <a:t>Ask them to describe the problem as precisely as they can</a:t>
-            </a:r>
-          </a:p>
-          <a:p>
-            <a:r>
-              <a:rPr lang="en-GB" sz="4000" dirty="0"/>
-              <a:t>Don’t do the work for them – easy to do that incrementally</a:t>
-            </a:r>
-          </a:p>
-          <a:p>
-            <a:r>
-              <a:rPr lang="en-GB" sz="4000" dirty="0"/>
-              <a:t>Needs to be their work, their way</a:t>
-            </a:r>
-          </a:p>
-          <a:p>
-            <a:r>
-              <a:rPr lang="en-GB" sz="4000" dirty="0"/>
-              <a:t>Be aware of plagiarism</a:t>
-            </a:r>
-          </a:p>
-          <a:p>
-            <a:r>
-              <a:rPr lang="en-GB" sz="4000" dirty="0"/>
-              <a:t>Try to be available to all students</a:t>
-            </a:r>
-          </a:p>
-          <a:p>
-            <a:r>
-              <a:rPr lang="en-GB" sz="4000" dirty="0"/>
-              <a:t>Be relaxed</a:t>
+              <a:t>You will get a name badge.</a:t>
+            </a:r>
+          </a:p>
+          <a:p>
+            <a:r>
+              <a:rPr lang="en-GB" sz="4000" u="sng" dirty="0"/>
+              <a:t>Wear your name badge.</a:t>
             </a:r>
           </a:p>
           <a:p>
@@ -4208,7 +4140,7 @@
             </a:br>
             <a:r>
               <a:rPr lang="en-GB" b="1" dirty="0"/>
-              <a:t>Kent (adj.)</a:t>
+              <a:t>Demonstrating</a:t>
             </a:r>
           </a:p>
         </p:txBody>
@@ -4226,63 +4158,83 @@
         <p:spPr/>
         <p:txBody>
           <a:bodyPr>
-            <a:normAutofit/>
+            <a:normAutofit fontScale="62500" lnSpcReduction="20000"/>
           </a:bodyPr>
           <a:lstStyle/>
           <a:p>
-            <a:pPr marL="0" lvl="0" indent="0">
-              <a:buNone/>
-            </a:pPr>
-            <a:r>
-              <a:rPr lang="en-GB" dirty="0"/>
-              <a:t>Politely determined not to help despite a violent urge to the contrary. </a:t>
-            </a:r>
-            <a:r>
-              <a:rPr lang="en-GB" i="1" dirty="0"/>
-              <a:t>Kent</a:t>
-            </a:r>
-            <a:r>
-              <a:rPr lang="en-GB" dirty="0"/>
-              <a:t> expressions are seen on the faces of people who are good at something watching someone else who can't do it at all.</a:t>
-            </a:r>
-          </a:p>
-          <a:p>
-            <a:pPr marL="0" lvl="0" indent="0">
+            <a:r>
+              <a:rPr lang="en-GB" sz="4000" dirty="0"/>
+              <a:t>Read the worksheet in advance!</a:t>
+            </a:r>
+          </a:p>
+          <a:p>
+            <a:r>
+              <a:rPr lang="en-GB" sz="4000" dirty="0"/>
+              <a:t>You don’t have to know everything, you can get help from the lecturer</a:t>
+            </a:r>
+          </a:p>
+          <a:p>
+            <a:r>
+              <a:rPr lang="en-GB" sz="4000" dirty="0"/>
+              <a:t>Help students to work out the solution a step at a time</a:t>
+            </a:r>
+          </a:p>
+          <a:p>
+            <a:r>
+              <a:rPr lang="en-GB" sz="4000" dirty="0"/>
+              <a:t>Ask them to describe the problem as precisely as they can</a:t>
+            </a:r>
+          </a:p>
+          <a:p>
+            <a:r>
+              <a:rPr lang="en-GB" sz="4000" dirty="0"/>
+              <a:t>Don’t do the work for them – easy to do that incrementally</a:t>
+            </a:r>
+          </a:p>
+          <a:p>
+            <a:r>
+              <a:rPr lang="en-GB" sz="4000" dirty="0"/>
+              <a:t>Needs to be their work, their way</a:t>
+            </a:r>
+          </a:p>
+          <a:p>
+            <a:r>
+              <a:rPr lang="en-GB" sz="4000" dirty="0"/>
+              <a:t>Be aware of plagiarism</a:t>
+            </a:r>
+          </a:p>
+          <a:p>
+            <a:r>
+              <a:rPr lang="en-GB" sz="4000" dirty="0"/>
+              <a:t>Try to be available to all students</a:t>
+            </a:r>
+          </a:p>
+          <a:p>
+            <a:r>
+              <a:rPr lang="en-GB" sz="4000" dirty="0"/>
+              <a:t>Be relaxed</a:t>
+            </a:r>
+          </a:p>
+          <a:p>
+            <a:pPr lvl="0"/>
+            <a:endParaRPr lang="en-GB" dirty="0"/>
+          </a:p>
+          <a:p>
+            <a:pPr lvl="0"/>
+            <a:endParaRPr lang="en-GB" dirty="0"/>
+          </a:p>
+          <a:p>
+            <a:pPr marL="0" indent="0">
               <a:buNone/>
             </a:pPr>
             <a:endParaRPr lang="en-GB" dirty="0"/>
-          </a:p>
-          <a:p>
-            <a:pPr marL="0" lvl="0" indent="0" algn="r">
-              <a:buNone/>
-            </a:pPr>
-            <a:r>
-              <a:rPr lang="en-GB" dirty="0"/>
-              <a:t>   </a:t>
-            </a:r>
-            <a:r>
-              <a:rPr lang="en-GB" sz="2400" dirty="0"/>
-              <a:t>- </a:t>
-            </a:r>
-            <a:r>
-              <a:rPr lang="en-GB" sz="2400" i="1" dirty="0"/>
-              <a:t>The Meaning of </a:t>
-            </a:r>
-            <a:r>
-              <a:rPr lang="en-GB" sz="2400" i="1" dirty="0" err="1"/>
-              <a:t>Liff</a:t>
-            </a:r>
-            <a:r>
-              <a:rPr lang="en-GB" sz="2400" dirty="0"/>
-              <a:t> (Douglas Adams &amp; John Lloyd)</a:t>
-            </a:r>
           </a:p>
         </p:txBody>
       </p:sp>
     </p:spTree>
     <p:extLst>
       <p:ext uri="{BB962C8B-B14F-4D97-AF65-F5344CB8AC3E}">
-        <p14:creationId xmlns:p14="http://schemas.microsoft.com/office/powerpoint/2010/main" val="3932977631"/>
+        <p14:creationId xmlns:p14="http://schemas.microsoft.com/office/powerpoint/2010/main" val="3220413897"/>
       </p:ext>
     </p:extLst>
   </p:cSld>
@@ -4350,7 +4302,7 @@
             </a:br>
             <a:r>
               <a:rPr lang="en-GB" b="1" dirty="0"/>
-              <a:t>Demonstrating</a:t>
+              <a:t>Kent (adj.)</a:t>
             </a:r>
           </a:p>
         </p:txBody>
@@ -4372,35 +4324,59 @@
           </a:bodyPr>
           <a:lstStyle/>
           <a:p>
-            <a:r>
-              <a:rPr lang="en-GB" dirty="0"/>
-              <a:t>If you think a student can’t do it, and you show it, they will believe you. Don’t even think it.</a:t>
-            </a:r>
-          </a:p>
-          <a:p>
-            <a:r>
-              <a:rPr lang="en-GB" dirty="0"/>
-              <a:t>It is very easy to lose patience and become dismissive. This makes students “disengage.”</a:t>
-            </a:r>
-          </a:p>
-          <a:p>
-            <a:r>
-              <a:rPr lang="en-GB" dirty="0"/>
-              <a:t>This can sometimes be a real challenge.</a:t>
-            </a:r>
-          </a:p>
-          <a:p>
-            <a:pPr marL="0" indent="0">
+            <a:pPr marL="0" lvl="0" indent="0">
+              <a:buNone/>
+            </a:pPr>
+            <a:r>
+              <a:rPr lang="en-GB" dirty="0"/>
+              <a:t>Politely determined not to help despite a violent urge to the contrary. </a:t>
+            </a:r>
+            <a:r>
+              <a:rPr lang="en-GB" i="1" dirty="0"/>
+              <a:t>Kent</a:t>
+            </a:r>
+            <a:r>
+              <a:rPr lang="en-GB" dirty="0"/>
+              <a:t> expressions are seen on the faces of people who are good at something watching someone else who can't do it at all.</a:t>
+            </a:r>
+          </a:p>
+          <a:p>
+            <a:pPr marL="0" lvl="0" indent="0">
               <a:buNone/>
             </a:pPr>
             <a:endParaRPr lang="en-GB" dirty="0"/>
+          </a:p>
+          <a:p>
+            <a:pPr marL="0" lvl="0" indent="0" algn="r">
+              <a:buNone/>
+            </a:pPr>
+            <a:r>
+              <a:rPr lang="en-GB" dirty="0"/>
+              <a:t>   </a:t>
+            </a:r>
+            <a:r>
+              <a:rPr lang="en-GB" sz="2400" dirty="0"/>
+              <a:t>- </a:t>
+            </a:r>
+            <a:r>
+              <a:rPr lang="en-GB" sz="2400" i="1" dirty="0"/>
+              <a:t>The Meaning of </a:t>
+            </a:r>
+            <a:r>
+              <a:rPr lang="en-GB" sz="2400" i="1" dirty="0" err="1"/>
+              <a:t>Liff</a:t>
+            </a:r>
+            <a:r>
+              <a:rPr lang="en-GB" sz="2400" dirty="0"/>
+              <a:t> (Douglas Adams &amp; John Lloyd)</a:t>
+            </a:r>
           </a:p>
         </p:txBody>
       </p:sp>
     </p:spTree>
     <p:extLst>
       <p:ext uri="{BB962C8B-B14F-4D97-AF65-F5344CB8AC3E}">
-        <p14:creationId xmlns:p14="http://schemas.microsoft.com/office/powerpoint/2010/main" val="2959751476"/>
+        <p14:creationId xmlns:p14="http://schemas.microsoft.com/office/powerpoint/2010/main" val="3932977631"/>
       </p:ext>
     </p:extLst>
   </p:cSld>
@@ -4462,7 +4438,7 @@
           <a:p>
             <a:r>
               <a:rPr lang="en-GB" b="1" dirty="0"/>
-              <a:t>Dignity and Respect</a:t>
+              <a:t>Web site</a:t>
             </a:r>
           </a:p>
         </p:txBody>
@@ -4485,69 +4461,33 @@
         </p:spPr>
         <p:txBody>
           <a:bodyPr>
-            <a:normAutofit fontScale="85000" lnSpcReduction="20000"/>
+            <a:normAutofit/>
           </a:bodyPr>
           <a:lstStyle/>
           <a:p>
+            <a:pPr marL="0" lvl="0" indent="0">
+              <a:buNone/>
+            </a:pPr>
+            <a:r>
+              <a:rPr lang="en-GB" dirty="0"/>
+              <a:t>My Aber website has this information on it, and more (including a timesheet template)</a:t>
+            </a:r>
+          </a:p>
+          <a:p>
             <a:pPr lvl="0"/>
-            <a:r>
-              <a:rPr lang="en-GB" dirty="0"/>
-              <a:t>Equality and Diversity – equal respect for all:</a:t>
-            </a:r>
+            <a:endParaRPr lang="en-GB" dirty="0"/>
           </a:p>
           <a:p>
             <a:pPr marL="0" lvl="0" indent="0">
               <a:buNone/>
             </a:pPr>
             <a:r>
-              <a:rPr lang="en-GB" dirty="0">
+              <a:rPr lang="en-GB" sz="2400" dirty="0">
                 <a:hlinkClick r:id="rId3"/>
               </a:rPr>
-              <a:t>https://www.aber.ac.uk/en/cs/equality-and-diversity/</a:t>
-            </a:r>
-            <a:endParaRPr lang="en-GB" dirty="0"/>
-          </a:p>
-          <a:p>
-            <a:pPr lvl="0"/>
-            <a:r>
-              <a:rPr lang="en-GB" dirty="0"/>
-              <a:t>Dignity and respect policy </a:t>
-            </a:r>
-          </a:p>
-          <a:p>
-            <a:pPr lvl="0"/>
-            <a:r>
-              <a:rPr lang="en-GB" dirty="0"/>
-              <a:t>Disabilities, learning differences and anxieties are not always visible</a:t>
-            </a:r>
-          </a:p>
-          <a:p>
-            <a:pPr lvl="0"/>
-            <a:r>
-              <a:rPr lang="en-GB" dirty="0"/>
-              <a:t>Be kind and patient</a:t>
-            </a:r>
-          </a:p>
-          <a:p>
-            <a:pPr lvl="0"/>
-            <a:r>
-              <a:rPr lang="en-GB" dirty="0"/>
-              <a:t>Help people towards understanding rather than show what you know</a:t>
-            </a:r>
-          </a:p>
-          <a:p>
-            <a:pPr lvl="0"/>
-            <a:r>
-              <a:rPr lang="en-GB" dirty="0"/>
-              <a:t>Respect personal space (!)</a:t>
-            </a:r>
-          </a:p>
-          <a:p>
-            <a:pPr lvl="0"/>
-            <a:r>
-              <a:rPr lang="en-GB" dirty="0"/>
-              <a:t>You are representing the University</a:t>
-            </a:r>
+              <a:t>https://users.aber.ac.uk/jcf12/teaching/demonstrating/landing/</a:t>
+            </a:r>
+            <a:endParaRPr lang="en-GB" sz="2400" dirty="0"/>
           </a:p>
           <a:p>
             <a:endParaRPr lang="en-GB" dirty="0"/>
@@ -4600,7 +4540,12 @@
             <p:ph type="title"/>
           </p:nvPr>
         </p:nvSpPr>
-        <p:spPr/>
+        <p:spPr>
+          <a:xfrm>
+            <a:off x="457200" y="274638"/>
+            <a:ext cx="8229600" cy="634082"/>
+          </a:xfrm>
+        </p:spPr>
         <p:txBody>
           <a:bodyPr>
             <a:normAutofit fontScale="90000"/>
@@ -4615,7 +4560,7 @@
             </a:br>
             <a:r>
               <a:rPr lang="en-GB" b="1" dirty="0"/>
-              <a:t>End of session</a:t>
+              <a:t>Demonstrating</a:t>
             </a:r>
           </a:p>
         </p:txBody>
@@ -4637,31 +4582,27 @@
           </a:bodyPr>
           <a:lstStyle/>
           <a:p>
-            <a:pPr marL="0" lvl="0" indent="0">
+            <a:r>
+              <a:rPr lang="en-GB" dirty="0"/>
+              <a:t>If you think a student can’t do it, and you show it, they will believe you. Don’t even think it.</a:t>
+            </a:r>
+          </a:p>
+          <a:p>
+            <a:r>
+              <a:rPr lang="en-GB" dirty="0"/>
+              <a:t>It is very easy to lose patience and become dismissive. This makes students “disengage.”</a:t>
+            </a:r>
+          </a:p>
+          <a:p>
+            <a:r>
+              <a:rPr lang="en-GB" dirty="0"/>
+              <a:t>This can sometimes be a real challenge.</a:t>
+            </a:r>
+          </a:p>
+          <a:p>
+            <a:pPr marL="0" indent="0">
               <a:buNone/>
             </a:pPr>
-            <a:endParaRPr lang="en-GB" dirty="0"/>
-          </a:p>
-          <a:p>
-            <a:pPr lvl="0"/>
-            <a:r>
-              <a:rPr lang="en-GB" dirty="0"/>
-              <a:t>Try to make sure student work is reasonable before sign-off</a:t>
-            </a:r>
-          </a:p>
-          <a:p>
-            <a:r>
-              <a:rPr lang="en-GB" dirty="0"/>
-              <a:t>You need to know what the requirements are</a:t>
-            </a:r>
-          </a:p>
-          <a:p>
-            <a:r>
-              <a:rPr lang="en-GB" dirty="0"/>
-              <a:t>Feedback any issues to module coordinator</a:t>
-            </a:r>
-          </a:p>
-          <a:p>
             <a:endParaRPr lang="en-GB" dirty="0"/>
           </a:p>
         </p:txBody>
@@ -4669,7 +4610,7 @@
     </p:spTree>
     <p:extLst>
       <p:ext uri="{BB962C8B-B14F-4D97-AF65-F5344CB8AC3E}">
-        <p14:creationId xmlns:p14="http://schemas.microsoft.com/office/powerpoint/2010/main" val="4244559619"/>
+        <p14:creationId xmlns:p14="http://schemas.microsoft.com/office/powerpoint/2010/main" val="2959751476"/>
       </p:ext>
     </p:extLst>
   </p:cSld>
@@ -4725,14 +4666,14 @@
           <a:lstStyle/>
           <a:p>
             <a:br>
-              <a:rPr lang="en-GB" u="sng" dirty="0"/>
+              <a:rPr lang="en-GB" dirty="0"/>
             </a:br>
             <a:br>
-              <a:rPr lang="en-GB" u="sng" dirty="0"/>
+              <a:rPr lang="en-GB" dirty="0"/>
             </a:br>
             <a:r>
-              <a:rPr lang="en-GB" b="1" u="sng" dirty="0"/>
-              <a:t>Please turn up.</a:t>
+              <a:rPr lang="en-GB" b="1" dirty="0"/>
+              <a:t>End of session</a:t>
             </a:r>
           </a:p>
         </p:txBody>
@@ -4747,54 +4688,46 @@
             <p:ph idx="1"/>
           </p:nvPr>
         </p:nvSpPr>
-        <p:spPr>
-          <a:xfrm>
-            <a:off x="457200" y="1772816"/>
-            <a:ext cx="8229600" cy="4353347"/>
-          </a:xfrm>
-        </p:spPr>
+        <p:spPr/>
         <p:txBody>
           <a:bodyPr>
             <a:normAutofit/>
           </a:bodyPr>
           <a:lstStyle/>
           <a:p>
-            <a:r>
-              <a:rPr lang="en-GB" dirty="0"/>
-              <a:t>If you don’t come to a session you’re supposed to attend, it puts an unfair load on the other demonstrators and the lecturer.</a:t>
-            </a:r>
-          </a:p>
-          <a:p>
-            <a:r>
-              <a:rPr lang="en-GB" dirty="0"/>
-              <a:t>Students might not get seen. They might start to fall behind.</a:t>
-            </a:r>
-          </a:p>
-          <a:p>
-            <a:r>
-              <a:rPr lang="en-GB" dirty="0"/>
-              <a:t>If you can’t come, </a:t>
-            </a:r>
-            <a:r>
-              <a:rPr lang="en-GB" b="1" u="sng" dirty="0">
-                <a:solidFill>
-                  <a:srgbClr val="CC0000"/>
-                </a:solidFill>
-              </a:rPr>
-              <a:t>tell us in good time.</a:t>
-            </a:r>
-            <a:endParaRPr lang="en-GB" u="sng" dirty="0">
-              <a:solidFill>
-                <a:srgbClr val="CC0000"/>
-              </a:solidFill>
-            </a:endParaRPr>
+            <a:pPr marL="0" lvl="0" indent="0">
+              <a:buNone/>
+            </a:pPr>
+            <a:endParaRPr lang="en-GB" dirty="0"/>
+          </a:p>
+          <a:p>
+            <a:pPr lvl="0"/>
+            <a:r>
+              <a:rPr lang="en-GB" dirty="0"/>
+              <a:t>Try to make sure student work is reasonable before sign-off</a:t>
+            </a:r>
+          </a:p>
+          <a:p>
+            <a:r>
+              <a:rPr lang="en-GB" dirty="0"/>
+              <a:t>You need to know what the requirements are</a:t>
+            </a:r>
+          </a:p>
+          <a:p>
+            <a:r>
+              <a:rPr lang="en-GB" dirty="0"/>
+              <a:t>Feedback any issues to module coordinator</a:t>
+            </a:r>
+          </a:p>
+          <a:p>
+            <a:endParaRPr lang="en-GB" dirty="0"/>
           </a:p>
         </p:txBody>
       </p:sp>
     </p:spTree>
     <p:extLst>
       <p:ext uri="{BB962C8B-B14F-4D97-AF65-F5344CB8AC3E}">
-        <p14:creationId xmlns:p14="http://schemas.microsoft.com/office/powerpoint/2010/main" val="550045699"/>
+        <p14:creationId xmlns:p14="http://schemas.microsoft.com/office/powerpoint/2010/main" val="4244559619"/>
       </p:ext>
     </p:extLst>
   </p:cSld>
@@ -4850,6 +4783,131 @@
           <a:lstStyle/>
           <a:p>
             <a:br>
+              <a:rPr lang="en-GB" u="sng" dirty="0"/>
+            </a:br>
+            <a:br>
+              <a:rPr lang="en-GB" u="sng" dirty="0"/>
+            </a:br>
+            <a:r>
+              <a:rPr lang="en-GB" b="1" u="sng" dirty="0"/>
+              <a:t>Please turn up.</a:t>
+            </a:r>
+          </a:p>
+        </p:txBody>
+      </p:sp>
+      <p:sp>
+        <p:nvSpPr>
+          <p:cNvPr id="3" name="Content Placeholder 2"/>
+          <p:cNvSpPr>
+            <a:spLocks noGrp="1"/>
+          </p:cNvSpPr>
+          <p:nvPr>
+            <p:ph idx="1"/>
+          </p:nvPr>
+        </p:nvSpPr>
+        <p:spPr>
+          <a:xfrm>
+            <a:off x="457200" y="1772816"/>
+            <a:ext cx="8229600" cy="4353347"/>
+          </a:xfrm>
+        </p:spPr>
+        <p:txBody>
+          <a:bodyPr>
+            <a:normAutofit/>
+          </a:bodyPr>
+          <a:lstStyle/>
+          <a:p>
+            <a:r>
+              <a:rPr lang="en-GB" dirty="0"/>
+              <a:t>If you don’t come to a session you’re supposed to attend, it puts an unfair load on the other demonstrators and the lecturer.</a:t>
+            </a:r>
+          </a:p>
+          <a:p>
+            <a:r>
+              <a:rPr lang="en-GB" dirty="0"/>
+              <a:t>Students might not get seen. They might start to fall behind.</a:t>
+            </a:r>
+          </a:p>
+          <a:p>
+            <a:r>
+              <a:rPr lang="en-GB" dirty="0"/>
+              <a:t>If you can’t come, </a:t>
+            </a:r>
+            <a:r>
+              <a:rPr lang="en-GB" b="1" u="sng" dirty="0">
+                <a:solidFill>
+                  <a:srgbClr val="CC0000"/>
+                </a:solidFill>
+              </a:rPr>
+              <a:t>tell us in good time.</a:t>
+            </a:r>
+            <a:endParaRPr lang="en-GB" u="sng" dirty="0">
+              <a:solidFill>
+                <a:srgbClr val="CC0000"/>
+              </a:solidFill>
+            </a:endParaRPr>
+          </a:p>
+        </p:txBody>
+      </p:sp>
+    </p:spTree>
+    <p:extLst>
+      <p:ext uri="{BB962C8B-B14F-4D97-AF65-F5344CB8AC3E}">
+        <p14:creationId xmlns:p14="http://schemas.microsoft.com/office/powerpoint/2010/main" val="550045699"/>
+      </p:ext>
+    </p:extLst>
+  </p:cSld>
+  <p:clrMapOvr>
+    <a:masterClrMapping/>
+  </p:clrMapOvr>
+</p:sld>
+</file>
+
+<file path=ppt/slides/slide23.xml><?xml version="1.0" encoding="utf-8"?>
+<p:sld xmlns:a="http://schemas.openxmlformats.org/drawingml/2006/main" xmlns:r="http://schemas.openxmlformats.org/officeDocument/2006/relationships" xmlns:p="http://schemas.openxmlformats.org/presentationml/2006/main">
+  <p:cSld>
+    <p:bg>
+      <p:bgPr>
+        <a:blipFill rotWithShape="1">
+          <a:blip r:embed="rId2"/>
+          <a:stretch>
+            <a:fillRect/>
+          </a:stretch>
+        </a:blipFill>
+        <a:effectLst/>
+      </p:bgPr>
+    </p:bg>
+    <p:spTree>
+      <p:nvGrpSpPr>
+        <p:cNvPr id="1" name=""/>
+        <p:cNvGrpSpPr/>
+        <p:nvPr/>
+      </p:nvGrpSpPr>
+      <p:grpSpPr>
+        <a:xfrm>
+          <a:off x="0" y="0"/>
+          <a:ext cx="0" cy="0"/>
+          <a:chOff x="0" y="0"/>
+          <a:chExt cx="0" cy="0"/>
+        </a:xfrm>
+      </p:grpSpPr>
+      <p:sp>
+        <p:nvSpPr>
+          <p:cNvPr id="2" name="Title 1"/>
+          <p:cNvSpPr>
+            <a:spLocks noGrp="1"/>
+          </p:cNvSpPr>
+          <p:nvPr>
+            <p:ph type="title"/>
+          </p:nvPr>
+        </p:nvSpPr>
+        <p:spPr/>
+        <p:txBody>
+          <a:bodyPr>
+            <a:normAutofit fontScale="90000"/>
+          </a:bodyPr>
+          <a:lstStyle/>
+          <a:p>
+            <a:br>
               <a:rPr lang="en-GB" dirty="0"/>
             </a:br>
             <a:br>
@@ -4917,7 +4975,7 @@
 </p:sld>
 </file>
 
-<file path=ppt/slides/slide23.xml><?xml version="1.0" encoding="utf-8"?>
+<file path=ppt/slides/slide24.xml><?xml version="1.0" encoding="utf-8"?>
 <p:sld xmlns:a="http://schemas.openxmlformats.org/drawingml/2006/main" xmlns:r="http://schemas.openxmlformats.org/officeDocument/2006/relationships" xmlns:p="http://schemas.openxmlformats.org/presentationml/2006/main">
   <p:cSld>
     <p:bg>
@@ -5065,8 +5123,8 @@
         </p:nvSpPr>
         <p:spPr>
           <a:xfrm>
-            <a:off x="457200" y="274638"/>
-            <a:ext cx="8229600" cy="1325562"/>
+            <a:off x="457200" y="764704"/>
+            <a:ext cx="8229600" cy="652934"/>
           </a:xfrm>
         </p:spPr>
         <p:txBody>
@@ -5075,12 +5133,9 @@
           </a:bodyPr>
           <a:lstStyle/>
           <a:p>
-            <a:br>
-              <a:rPr lang="en-GB" dirty="0"/>
-            </a:br>
             <a:r>
               <a:rPr lang="en-GB" b="1" dirty="0"/>
-              <a:t>All modules are different</a:t>
+              <a:t>Dignity and Respect</a:t>
             </a:r>
           </a:p>
         </p:txBody>
@@ -5097,31 +5152,77 @@
         </p:nvSpPr>
         <p:spPr>
           <a:xfrm>
-            <a:off x="457200" y="1772816"/>
-            <a:ext cx="8229600" cy="4353347"/>
+            <a:off x="457200" y="1988840"/>
+            <a:ext cx="8229600" cy="4137323"/>
           </a:xfrm>
         </p:spPr>
         <p:txBody>
           <a:bodyPr>
-            <a:normAutofit/>
+            <a:normAutofit fontScale="85000" lnSpcReduction="20000"/>
           </a:bodyPr>
           <a:lstStyle/>
           <a:p>
             <a:pPr lvl="0"/>
             <a:r>
               <a:rPr lang="en-GB" dirty="0"/>
-              <a:t>I’ve tried to cover everything but will have missed things</a:t>
-            </a:r>
+              <a:t>Equality and Diversity – equal respect for all:</a:t>
+            </a:r>
+          </a:p>
+          <a:p>
+            <a:pPr marL="0" lvl="0" indent="0">
+              <a:buNone/>
+            </a:pPr>
+            <a:r>
+              <a:rPr lang="en-GB" dirty="0">
+                <a:hlinkClick r:id="rId3"/>
+              </a:rPr>
+              <a:t>https://www.aber.ac.uk/en/cs/equality-and-diversity/</a:t>
+            </a:r>
+            <a:endParaRPr lang="en-GB" dirty="0"/>
           </a:p>
           <a:p>
             <a:pPr lvl="0"/>
             <a:r>
               <a:rPr lang="en-GB" dirty="0"/>
-              <a:t>If in doubt, talk to the module coordinator</a:t>
+              <a:t>Dignity and respect policy </a:t>
             </a:r>
           </a:p>
           <a:p>
             <a:pPr lvl="0"/>
+            <a:r>
+              <a:rPr lang="en-GB" dirty="0"/>
+              <a:t>Disabilities, learning differences and anxieties are not always visible</a:t>
+            </a:r>
+          </a:p>
+          <a:p>
+            <a:pPr lvl="0"/>
+            <a:r>
+              <a:rPr lang="en-GB" dirty="0"/>
+              <a:t>Be kind and patient</a:t>
+            </a:r>
+          </a:p>
+          <a:p>
+            <a:pPr lvl="0"/>
+            <a:r>
+              <a:rPr lang="en-GB" dirty="0"/>
+              <a:t>Help people towards understanding rather than show what you know</a:t>
+            </a:r>
+          </a:p>
+          <a:p>
+            <a:pPr lvl="0"/>
+            <a:r>
+              <a:rPr lang="en-GB" dirty="0"/>
+              <a:t>Respect personal space (!)</a:t>
+            </a:r>
+          </a:p>
+          <a:p>
+            <a:pPr lvl="0"/>
+            <a:r>
+              <a:rPr lang="en-GB" dirty="0"/>
+              <a:t>You are representing the University</a:t>
+            </a:r>
+          </a:p>
+          <a:p>
             <a:endParaRPr lang="en-GB" dirty="0"/>
           </a:p>
         </p:txBody>
@@ -5129,7 +5230,7 @@
     </p:spTree>
     <p:extLst>
       <p:ext uri="{BB962C8B-B14F-4D97-AF65-F5344CB8AC3E}">
-        <p14:creationId xmlns:p14="http://schemas.microsoft.com/office/powerpoint/2010/main" val="1864224064"/>
+        <p14:creationId xmlns:p14="http://schemas.microsoft.com/office/powerpoint/2010/main" val="3681226925"/>
       </p:ext>
     </p:extLst>
   </p:cSld>
@@ -5177,7 +5278,12 @@
             <p:ph type="title"/>
           </p:nvPr>
         </p:nvSpPr>
-        <p:spPr/>
+        <p:spPr>
+          <a:xfrm>
+            <a:off x="457200" y="274638"/>
+            <a:ext cx="8229600" cy="1325562"/>
+          </a:xfrm>
+        </p:spPr>
         <p:txBody>
           <a:bodyPr>
             <a:normAutofit fontScale="90000"/>
@@ -5189,7 +5295,7 @@
             </a:br>
             <a:r>
               <a:rPr lang="en-GB" b="1" dirty="0"/>
-              <a:t>Responsibilities</a:t>
+              <a:t>All modules are different</a:t>
             </a:r>
           </a:p>
         </p:txBody>
@@ -5204,87 +5310,33 @@
             <p:ph idx="1"/>
           </p:nvPr>
         </p:nvSpPr>
-        <p:spPr/>
+        <p:spPr>
+          <a:xfrm>
+            <a:off x="457200" y="1772816"/>
+            <a:ext cx="8229600" cy="4353347"/>
+          </a:xfrm>
+        </p:spPr>
         <p:txBody>
           <a:bodyPr>
-            <a:normAutofit fontScale="92500" lnSpcReduction="20000"/>
+            <a:normAutofit/>
           </a:bodyPr>
           <a:lstStyle/>
           <a:p>
             <a:pPr lvl="0"/>
-            <a:endParaRPr lang="en-GB" dirty="0"/>
+            <a:r>
+              <a:rPr lang="en-GB" dirty="0"/>
+              <a:t>I’ve tried to cover everything but will have missed things</a:t>
+            </a:r>
           </a:p>
           <a:p>
             <a:pPr lvl="0"/>
             <a:r>
               <a:rPr lang="en-GB" dirty="0"/>
-              <a:t>Best ability is availability – </a:t>
-            </a:r>
-            <a:r>
-              <a:rPr lang="en-GB" b="1" dirty="0"/>
-              <a:t>be on time</a:t>
+              <a:t>If in doubt, talk to the module coordinator</a:t>
             </a:r>
           </a:p>
           <a:p>
             <a:pPr lvl="0"/>
-            <a:r>
-              <a:rPr lang="en-GB" b="1" dirty="0"/>
-              <a:t>Be prepared </a:t>
-            </a:r>
-            <a:r>
-              <a:rPr lang="en-GB" dirty="0"/>
-              <a:t>for the class content</a:t>
-            </a:r>
-          </a:p>
-          <a:p>
-            <a:r>
-              <a:rPr lang="en-GB" b="1" dirty="0"/>
-              <a:t>Be proactive</a:t>
-            </a:r>
-            <a:r>
-              <a:rPr lang="en-GB" dirty="0"/>
-              <a:t> – don’t wait to be asked</a:t>
-            </a:r>
-          </a:p>
-          <a:p>
-            <a:r>
-              <a:rPr lang="en-GB" dirty="0"/>
-              <a:t>Be ready to interact with people</a:t>
-            </a:r>
-          </a:p>
-          <a:p>
-            <a:r>
-              <a:rPr lang="en-GB" dirty="0"/>
-              <a:t>Focus for the length of the class</a:t>
-            </a:r>
-          </a:p>
-          <a:p>
-            <a:r>
-              <a:rPr lang="en-GB" dirty="0"/>
-              <a:t>Don’t come if you are unwell – but </a:t>
-            </a:r>
-            <a:r>
-              <a:rPr lang="en-GB" b="1" dirty="0"/>
-              <a:t>let us know</a:t>
-            </a:r>
-          </a:p>
-          <a:p>
-            <a:pPr lvl="0"/>
-            <a:r>
-              <a:rPr lang="en-GB" dirty="0"/>
-              <a:t>Respect confidentiality</a:t>
-            </a:r>
-          </a:p>
-          <a:p>
-            <a:r>
-              <a:rPr lang="en-GB" dirty="0"/>
-              <a:t>Declare conflicts of interest</a:t>
-            </a:r>
-          </a:p>
-          <a:p>
-            <a:pPr marL="0" indent="0">
-              <a:buNone/>
-            </a:pPr>
             <a:endParaRPr lang="en-GB" dirty="0"/>
           </a:p>
         </p:txBody>
@@ -5292,7 +5344,7 @@
     </p:spTree>
     <p:extLst>
       <p:ext uri="{BB962C8B-B14F-4D97-AF65-F5344CB8AC3E}">
-        <p14:creationId xmlns:p14="http://schemas.microsoft.com/office/powerpoint/2010/main" val="2958414851"/>
+        <p14:creationId xmlns:p14="http://schemas.microsoft.com/office/powerpoint/2010/main" val="1864224064"/>
       </p:ext>
     </p:extLst>
   </p:cSld>
@@ -5352,7 +5404,7 @@
             </a:br>
             <a:r>
               <a:rPr lang="en-GB" b="1" dirty="0"/>
-              <a:t>Emergencies</a:t>
+              <a:t>Responsibilities</a:t>
             </a:r>
           </a:p>
         </p:txBody>
@@ -5370,45 +5422,84 @@
         <p:spPr/>
         <p:txBody>
           <a:bodyPr>
-            <a:normAutofit/>
+            <a:normAutofit fontScale="92500" lnSpcReduction="20000"/>
           </a:bodyPr>
           <a:lstStyle/>
           <a:p>
             <a:pPr lvl="0"/>
-            <a:r>
-              <a:rPr lang="en-GB" dirty="0"/>
-              <a:t>You are not alone and responsible for everything – ask for help</a:t>
-            </a:r>
+            <a:endParaRPr lang="en-GB" dirty="0"/>
           </a:p>
           <a:p>
             <a:pPr lvl="0"/>
             <a:r>
               <a:rPr lang="en-GB" dirty="0"/>
-              <a:t>We try to have more experienced demonstrators available, and the lecturer will always be available</a:t>
+              <a:t>Best ability is availability – </a:t>
+            </a:r>
+            <a:r>
+              <a:rPr lang="en-GB" b="1" dirty="0"/>
+              <a:t>be on time</a:t>
             </a:r>
           </a:p>
           <a:p>
             <a:pPr lvl="0"/>
             <a:r>
-              <a:rPr lang="en-GB" dirty="0"/>
-              <a:t>Fire </a:t>
+              <a:rPr lang="en-GB" b="1" dirty="0"/>
+              <a:t>Be prepared </a:t>
+            </a:r>
+            <a:r>
+              <a:rPr lang="en-GB" dirty="0"/>
+              <a:t>for the class content</a:t>
+            </a:r>
+          </a:p>
+          <a:p>
+            <a:r>
+              <a:rPr lang="en-GB" b="1" dirty="0"/>
+              <a:t>Be proactive</a:t>
+            </a:r>
+            <a:r>
+              <a:rPr lang="en-GB" dirty="0"/>
+              <a:t> – don’t wait to be asked</a:t>
+            </a:r>
+          </a:p>
+          <a:p>
+            <a:r>
+              <a:rPr lang="en-GB" dirty="0"/>
+              <a:t>Be ready to interact with people</a:t>
+            </a:r>
+          </a:p>
+          <a:p>
+            <a:r>
+              <a:rPr lang="en-GB" dirty="0"/>
+              <a:t>Focus for the length of the class</a:t>
+            </a:r>
+          </a:p>
+          <a:p>
+            <a:r>
+              <a:rPr lang="en-GB" dirty="0"/>
+              <a:t>Don’t come if you are unwell – but </a:t>
+            </a:r>
+            <a:r>
+              <a:rPr lang="en-GB" b="1" dirty="0"/>
+              <a:t>let us know</a:t>
             </a:r>
           </a:p>
           <a:p>
             <a:pPr lvl="0"/>
             <a:r>
               <a:rPr lang="en-GB" dirty="0"/>
-              <a:t>Illness – look for first aiders</a:t>
-            </a:r>
-          </a:p>
-          <a:p>
-            <a:pPr lvl="0"/>
-            <a:r>
-              <a:rPr lang="en-GB" dirty="0"/>
-              <a:t>Disruptiveness – seek help from lecturing staff </a:t>
-            </a:r>
-          </a:p>
-          <a:p>
+              <a:t>Respect confidentiality</a:t>
+            </a:r>
+          </a:p>
+          <a:p>
+            <a:r>
+              <a:rPr lang="en-GB" dirty="0"/>
+              <a:t>Declare conflicts of interest</a:t>
+            </a:r>
+          </a:p>
+          <a:p>
+            <a:pPr marL="0" indent="0">
+              <a:buNone/>
+            </a:pPr>
             <a:endParaRPr lang="en-GB" dirty="0"/>
           </a:p>
         </p:txBody>
@@ -5416,7 +5507,7 @@
     </p:spTree>
     <p:extLst>
       <p:ext uri="{BB962C8B-B14F-4D97-AF65-F5344CB8AC3E}">
-        <p14:creationId xmlns:p14="http://schemas.microsoft.com/office/powerpoint/2010/main" val="2439188838"/>
+        <p14:creationId xmlns:p14="http://schemas.microsoft.com/office/powerpoint/2010/main" val="2958414851"/>
       </p:ext>
     </p:extLst>
   </p:cSld>
@@ -5476,7 +5567,7 @@
             </a:br>
             <a:r>
               <a:rPr lang="en-GB" b="1" dirty="0"/>
-              <a:t>Emergency contacts</a:t>
+              <a:t>Emergencies</a:t>
             </a:r>
           </a:p>
         </p:txBody>
@@ -5498,47 +5589,41 @@
           </a:bodyPr>
           <a:lstStyle/>
           <a:p>
-            <a:pPr marL="457200" lvl="1" indent="0">
-              <a:buNone/>
-            </a:pPr>
-            <a:r>
-              <a:rPr lang="en-GB" dirty="0"/>
-              <a:t>It is very unlikely you’ll need these numbers, but:</a:t>
-            </a:r>
-          </a:p>
-          <a:p>
-            <a:pPr lvl="1">
-              <a:buFont typeface="Arial" panose="020B0604020202020204" pitchFamily="34" charset="0"/>
-              <a:buChar char="•"/>
-            </a:pPr>
-            <a:r>
-              <a:rPr lang="en-GB" dirty="0"/>
-              <a:t>In emergencies, call 2424 on an internal phone (01970 622424 on a mobile) for </a:t>
-            </a:r>
-            <a:r>
-              <a:rPr lang="en-GB" dirty="0" err="1"/>
-              <a:t>CompSci</a:t>
-            </a:r>
-            <a:r>
-              <a:rPr lang="en-GB" dirty="0"/>
-              <a:t> reception.</a:t>
-            </a:r>
-          </a:p>
-          <a:p>
-            <a:pPr lvl="1">
-              <a:buFont typeface="Arial" panose="020B0604020202020204" pitchFamily="34" charset="0"/>
-              <a:buChar char="•"/>
-            </a:pPr>
-            <a:r>
-              <a:rPr lang="en-GB" dirty="0"/>
-              <a:t>In extreme cases, call 2649 for Security at the porter’s lodge.</a:t>
-            </a:r>
-          </a:p>
-          <a:p>
-            <a:pPr>
-              <a:buFont typeface="Arial" panose="020B0604020202020204" pitchFamily="34" charset="0"/>
-              <a:buChar char="•"/>
-            </a:pPr>
+            <a:pPr lvl="0"/>
+            <a:r>
+              <a:rPr lang="en-GB" dirty="0"/>
+              <a:t>You are not alone and responsible for everything – ask for help</a:t>
+            </a:r>
+          </a:p>
+          <a:p>
+            <a:pPr lvl="0"/>
+            <a:r>
+              <a:rPr lang="en-GB" dirty="0"/>
+              <a:t>We try to have more experienced demonstrators available, and the lecturer will always be available</a:t>
+            </a:r>
+          </a:p>
+          <a:p>
+            <a:pPr lvl="0"/>
+            <a:r>
+              <a:rPr lang="en-GB" dirty="0"/>
+              <a:t>Fire </a:t>
+            </a:r>
+          </a:p>
+          <a:p>
+            <a:pPr lvl="0"/>
+            <a:r>
+              <a:rPr lang="en-GB" dirty="0"/>
+              <a:t>Illness – look for first aiders</a:t>
+            </a:r>
+          </a:p>
+          <a:p>
+            <a:pPr lvl="0"/>
+            <a:r>
+              <a:rPr lang="en-GB" dirty="0"/>
+              <a:t>Disruptiveness – seek help from lecturing staff </a:t>
+            </a:r>
+          </a:p>
+          <a:p>
             <a:endParaRPr lang="en-GB" dirty="0"/>
           </a:p>
         </p:txBody>
@@ -5546,7 +5631,7 @@
     </p:spTree>
     <p:extLst>
       <p:ext uri="{BB962C8B-B14F-4D97-AF65-F5344CB8AC3E}">
-        <p14:creationId xmlns:p14="http://schemas.microsoft.com/office/powerpoint/2010/main" val="735746091"/>
+        <p14:creationId xmlns:p14="http://schemas.microsoft.com/office/powerpoint/2010/main" val="2439188838"/>
       </p:ext>
     </p:extLst>
   </p:cSld>
@@ -5604,12 +5689,9 @@
             <a:br>
               <a:rPr lang="en-GB" dirty="0"/>
             </a:br>
-            <a:br>
+            <a:r>
               <a:rPr lang="en-GB" b="1" dirty="0"/>
-            </a:br>
-            <a:r>
-              <a:rPr lang="en-GB" b="1" dirty="0"/>
-              <a:t>Practicalities</a:t>
+              <a:t>Emergency contacts</a:t>
             </a:r>
           </a:p>
         </p:txBody>
@@ -5627,76 +5709,51 @@
         <p:spPr/>
         <p:txBody>
           <a:bodyPr>
-            <a:normAutofit fontScale="85000" lnSpcReduction="20000"/>
+            <a:normAutofit/>
           </a:bodyPr>
           <a:lstStyle/>
           <a:p>
-            <a:pPr lvl="0"/>
-            <a:endParaRPr lang="en-GB" dirty="0"/>
-          </a:p>
-          <a:p>
-            <a:r>
-              <a:rPr lang="en-GB" dirty="0"/>
-              <a:t>Register on </a:t>
+            <a:pPr marL="457200" lvl="1" indent="0">
+              <a:buNone/>
+            </a:pPr>
+            <a:r>
+              <a:rPr lang="en-GB" dirty="0"/>
+              <a:t>It is very unlikely you’ll need these numbers, but:</a:t>
+            </a:r>
+          </a:p>
+          <a:p>
+            <a:pPr lvl="1">
+              <a:buFont typeface="Arial" panose="020B0604020202020204" pitchFamily="34" charset="0"/>
+              <a:buChar char="•"/>
+            </a:pPr>
+            <a:r>
+              <a:rPr lang="en-GB" dirty="0"/>
+              <a:t>In emergencies, call 2424 on an internal phone (01970 622424 on a mobile) for </a:t>
             </a:r>
             <a:r>
               <a:rPr lang="en-GB" dirty="0" err="1"/>
-              <a:t>Aberworks</a:t>
-            </a:r>
-            <a:endParaRPr lang="en-GB" dirty="0"/>
-          </a:p>
-          <a:p>
-            <a:r>
-              <a:rPr lang="en-GB" dirty="0"/>
-              <a:t>Right to work checks</a:t>
-            </a:r>
-          </a:p>
-          <a:p>
-            <a:r>
-              <a:rPr lang="en-GB" dirty="0"/>
-              <a:t>Apply for role</a:t>
-            </a:r>
-          </a:p>
-          <a:p>
-            <a:r>
-              <a:rPr lang="en-GB" dirty="0"/>
-              <a:t>Check email regularly!</a:t>
-            </a:r>
-          </a:p>
-          <a:p>
-            <a:r>
-              <a:rPr lang="en-GB" dirty="0"/>
-              <a:t>Payment by monthly timesheet:</a:t>
-            </a:r>
-          </a:p>
-          <a:p>
-            <a:pPr marL="0" indent="0">
-              <a:buNone/>
+              <a:t>CompSci</a:t>
+            </a:r>
+            <a:r>
+              <a:rPr lang="en-GB" dirty="0"/>
+              <a:t> reception.</a:t>
+            </a:r>
+          </a:p>
+          <a:p>
+            <a:pPr lvl="1">
+              <a:buFont typeface="Arial" panose="020B0604020202020204" pitchFamily="34" charset="0"/>
+              <a:buChar char="•"/>
             </a:pPr>
             <a:r>
               <a:rPr lang="en-GB" dirty="0"/>
-              <a:t>	Only slots for each month</a:t>
-            </a:r>
-          </a:p>
-          <a:p>
-            <a:pPr marL="0" indent="0">
-              <a:buNone/>
+              <a:t>In extreme cases, call 2649 for Security at the porter’s lodge.</a:t>
+            </a:r>
+          </a:p>
+          <a:p>
+            <a:pPr>
+              <a:buFont typeface="Arial" panose="020B0604020202020204" pitchFamily="34" charset="0"/>
+              <a:buChar char="•"/>
             </a:pPr>
-            <a:r>
-              <a:rPr lang="en-GB" dirty="0"/>
-              <a:t>	Submit as soon as you can to ensure 				payment</a:t>
-            </a:r>
-          </a:p>
-          <a:p>
-            <a:pPr marL="0" indent="0">
-              <a:buNone/>
-            </a:pPr>
-            <a:r>
-              <a:rPr lang="en-GB" dirty="0"/>
-              <a:t>	Enter all the details of modules, times, 	employee 			number</a:t>
-            </a:r>
-          </a:p>
-          <a:p>
             <a:endParaRPr lang="en-GB" dirty="0"/>
           </a:p>
         </p:txBody>
@@ -5704,7 +5761,7 @@
     </p:spTree>
     <p:extLst>
       <p:ext uri="{BB962C8B-B14F-4D97-AF65-F5344CB8AC3E}">
-        <p14:creationId xmlns:p14="http://schemas.microsoft.com/office/powerpoint/2010/main" val="3170940212"/>
+        <p14:creationId xmlns:p14="http://schemas.microsoft.com/office/powerpoint/2010/main" val="735746091"/>
       </p:ext>
     </p:extLst>
   </p:cSld>
@@ -5752,12 +5809,7 @@
             <p:ph type="title"/>
           </p:nvPr>
         </p:nvSpPr>
-        <p:spPr>
-          <a:xfrm>
-            <a:off x="457200" y="274638"/>
-            <a:ext cx="8229600" cy="634082"/>
-          </a:xfrm>
-        </p:spPr>
+        <p:spPr/>
         <p:txBody>
           <a:bodyPr>
             <a:normAutofit fontScale="90000"/>
@@ -5768,11 +5820,11 @@
               <a:rPr lang="en-GB" dirty="0"/>
             </a:br>
             <a:br>
-              <a:rPr lang="en-GB" dirty="0"/>
+              <a:rPr lang="en-GB" b="1" dirty="0"/>
             </a:br>
             <a:r>
               <a:rPr lang="en-GB" b="1" dirty="0"/>
-              <a:t>Worksheet signoff system</a:t>
+              <a:t>Practicalities</a:t>
             </a:r>
           </a:p>
         </p:txBody>
@@ -5790,58 +5842,76 @@
         <p:spPr/>
         <p:txBody>
           <a:bodyPr>
-            <a:normAutofit/>
+            <a:normAutofit fontScale="85000" lnSpcReduction="20000"/>
           </a:bodyPr>
           <a:lstStyle/>
           <a:p>
             <a:pPr lvl="0"/>
-            <a:r>
-              <a:rPr lang="en-GB" u="sng" dirty="0">
-                <a:hlinkClick r:id="rId3"/>
-              </a:rPr>
-              <a:t>https://signoff.dcs.aber.ac.uk</a:t>
-            </a:r>
-            <a:endParaRPr lang="en-GB" u="sng" dirty="0"/>
-          </a:p>
-          <a:p>
-            <a:pPr lvl="0"/>
-            <a:r>
-              <a:rPr lang="en-GB" dirty="0"/>
-              <a:t>You should be able to log in and you should see your module.</a:t>
-            </a:r>
-          </a:p>
-          <a:p>
-            <a:pPr lvl="0"/>
-            <a:r>
-              <a:rPr lang="en-GB" dirty="0"/>
-              <a:t>Three options (for demonstrators!)</a:t>
-            </a:r>
-          </a:p>
-          <a:p>
-            <a:pPr lvl="1"/>
-            <a:r>
-              <a:rPr lang="en-GB" dirty="0"/>
-              <a:t>Signoff</a:t>
-            </a:r>
-          </a:p>
-          <a:p>
-            <a:pPr lvl="1"/>
-            <a:r>
-              <a:rPr lang="en-GB" dirty="0"/>
-              <a:t>Queueing (students can add themselves to a queue for signoff).</a:t>
-            </a:r>
-          </a:p>
-          <a:p>
-            <a:pPr lvl="1"/>
-            <a:r>
-              <a:rPr lang="en-GB" dirty="0"/>
-              <a:t>Instructions</a:t>
+            <a:endParaRPr lang="en-GB" dirty="0"/>
+          </a:p>
+          <a:p>
+            <a:r>
+              <a:rPr lang="en-GB" dirty="0"/>
+              <a:t>Register on </a:t>
+            </a:r>
+            <a:r>
+              <a:rPr lang="en-GB" dirty="0" err="1"/>
+              <a:t>Aberworks</a:t>
+            </a:r>
+            <a:endParaRPr lang="en-GB" dirty="0"/>
+          </a:p>
+          <a:p>
+            <a:r>
+              <a:rPr lang="en-GB" dirty="0"/>
+              <a:t>Right to work checks</a:t>
+            </a:r>
+          </a:p>
+          <a:p>
+            <a:r>
+              <a:rPr lang="en-GB" dirty="0"/>
+              <a:t>Apply for role</a:t>
+            </a:r>
+          </a:p>
+          <a:p>
+            <a:r>
+              <a:rPr lang="en-GB" dirty="0"/>
+              <a:t>Check email regularly!</a:t>
+            </a:r>
+          </a:p>
+          <a:p>
+            <a:r>
+              <a:rPr lang="en-GB" dirty="0"/>
+              <a:t>Payment by monthly timesheet:</a:t>
             </a:r>
           </a:p>
           <a:p>
             <a:pPr marL="0" indent="0">
               <a:buNone/>
             </a:pPr>
+            <a:r>
+              <a:rPr lang="en-GB" dirty="0"/>
+              <a:t>	Only slots for each month</a:t>
+            </a:r>
+          </a:p>
+          <a:p>
+            <a:pPr marL="0" indent="0">
+              <a:buNone/>
+            </a:pPr>
+            <a:r>
+              <a:rPr lang="en-GB" dirty="0"/>
+              <a:t>	Submit as soon as you can to ensure 				payment</a:t>
+            </a:r>
+          </a:p>
+          <a:p>
+            <a:pPr marL="0" indent="0">
+              <a:buNone/>
+            </a:pPr>
+            <a:r>
+              <a:rPr lang="en-GB" dirty="0"/>
+              <a:t>	Enter all the details of modules, times, 	employee 			number</a:t>
+            </a:r>
+          </a:p>
+          <a:p>
             <a:endParaRPr lang="en-GB" dirty="0"/>
           </a:p>
         </p:txBody>
@@ -5849,7 +5919,7 @@
     </p:spTree>
     <p:extLst>
       <p:ext uri="{BB962C8B-B14F-4D97-AF65-F5344CB8AC3E}">
-        <p14:creationId xmlns:p14="http://schemas.microsoft.com/office/powerpoint/2010/main" val="3148399099"/>
+        <p14:creationId xmlns:p14="http://schemas.microsoft.com/office/powerpoint/2010/main" val="3170940212"/>
       </p:ext>
     </p:extLst>
   </p:cSld>
@@ -5922,42 +5992,79 @@
           </a:p>
         </p:txBody>
       </p:sp>
-      <p:pic>
-        <p:nvPicPr>
-          <p:cNvPr id="4" name="Content Placeholder 3">
-            <a:extLst>
-              <a:ext uri="{FF2B5EF4-FFF2-40B4-BE49-F238E27FC236}">
-                <a16:creationId xmlns:a16="http://schemas.microsoft.com/office/drawing/2014/main" id="{134F007C-F9BF-4103-9AAE-57E804EFECFA}"/>
-              </a:ext>
-            </a:extLst>
-          </p:cNvPr>
-          <p:cNvPicPr>
-            <a:picLocks noGrp="1" noChangeAspect="1"/>
-          </p:cNvPicPr>
+      <p:sp>
+        <p:nvSpPr>
+          <p:cNvPr id="3" name="Content Placeholder 2"/>
+          <p:cNvSpPr>
+            <a:spLocks noGrp="1"/>
+          </p:cNvSpPr>
           <p:nvPr>
             <p:ph idx="1"/>
           </p:nvPr>
-        </p:nvPicPr>
-        <p:blipFill>
-          <a:blip r:embed="rId3"/>
-          <a:stretch>
-            <a:fillRect/>
-          </a:stretch>
-        </p:blipFill>
-        <p:spPr>
-          <a:xfrm>
-            <a:off x="457200" y="1634331"/>
-            <a:ext cx="8229600" cy="4457700"/>
-          </a:xfrm>
-          <a:prstGeom prst="rect">
-            <a:avLst/>
-          </a:prstGeom>
-        </p:spPr>
-      </p:pic>
+        </p:nvSpPr>
+        <p:spPr/>
+        <p:txBody>
+          <a:bodyPr>
+            <a:normAutofit/>
+          </a:bodyPr>
+          <a:lstStyle/>
+          <a:p>
+            <a:pPr lvl="0"/>
+            <a:r>
+              <a:rPr lang="en-GB" u="sng" dirty="0">
+                <a:hlinkClick r:id="rId3"/>
+              </a:rPr>
+              <a:t>https://signoff.dcs.aber.ac.uk</a:t>
+            </a:r>
+            <a:endParaRPr lang="en-GB" u="sng" dirty="0"/>
+          </a:p>
+          <a:p>
+            <a:pPr lvl="0"/>
+            <a:r>
+              <a:rPr lang="en-GB" dirty="0"/>
+              <a:t>You should be able to log in and you should see your module.</a:t>
+            </a:r>
+          </a:p>
+          <a:p>
+            <a:pPr lvl="0"/>
+            <a:r>
+              <a:rPr lang="en-GB" dirty="0"/>
+              <a:t>Three options (for demonstrators!)</a:t>
+            </a:r>
+          </a:p>
+          <a:p>
+            <a:pPr lvl="1"/>
+            <a:r>
+              <a:rPr lang="en-GB" dirty="0"/>
+              <a:t>Signoff</a:t>
+            </a:r>
+          </a:p>
+          <a:p>
+            <a:pPr lvl="1"/>
+            <a:r>
+              <a:rPr lang="en-GB" dirty="0"/>
+              <a:t>Queueing (students can add themselves to a queue for signoff).</a:t>
+            </a:r>
+          </a:p>
+          <a:p>
+            <a:pPr lvl="1"/>
+            <a:r>
+              <a:rPr lang="en-GB" dirty="0"/>
+              <a:t>Instructions</a:t>
+            </a:r>
+          </a:p>
+          <a:p>
+            <a:pPr marL="0" indent="0">
+              <a:buNone/>
+            </a:pPr>
+            <a:endParaRPr lang="en-GB" dirty="0"/>
+          </a:p>
+        </p:txBody>
+      </p:sp>
     </p:spTree>
     <p:extLst>
       <p:ext uri="{BB962C8B-B14F-4D97-AF65-F5344CB8AC3E}">
-        <p14:creationId xmlns:p14="http://schemas.microsoft.com/office/powerpoint/2010/main" val="3892910494"/>
+        <p14:creationId xmlns:p14="http://schemas.microsoft.com/office/powerpoint/2010/main" val="3148399099"/>
       </p:ext>
     </p:extLst>
   </p:cSld>
@@ -5969,7 +6076,7 @@
 
 <file path=ppt/tags/tag1.xml><?xml version="1.0" encoding="utf-8"?>
 <p:tagLst xmlns:a="http://schemas.openxmlformats.org/drawingml/2006/main" xmlns:r="http://schemas.openxmlformats.org/officeDocument/2006/relationships" xmlns:p="http://schemas.openxmlformats.org/presentationml/2006/main">
-  <p:tag name="PRESGUID" val="003e92f7-6c68-4aa4-95ab-46bebddf22b0"/>
+  <p:tag name="PRESGUID" val="1a906974-1c05-46e8-9961-a17534c31c6b"/>
 </p:tagLst>
 </file>
 
@@ -6457,13 +6564,13 @@
 <file path=customXml/itemProps1.xml><?xml version="1.0" encoding="utf-8"?>
 <ds:datastoreItem xmlns:ds="http://schemas.openxmlformats.org/officeDocument/2006/customXml" ds:itemID="{B182822E-3179-497E-8964-1C0779B53339}">
   <ds:schemaRefs>
+    <ds:schemaRef ds:uri="c4c4e6c1-1580-457f-8034-c126c8dee3c7"/>
+    <ds:schemaRef ds:uri="http://schemas.openxmlformats.org/package/2006/metadata/core-properties"/>
     <ds:schemaRef ds:uri="http://schemas.microsoft.com/office/2006/documentManagement/types"/>
+    <ds:schemaRef ds:uri="http://schemas.microsoft.com/office/2006/metadata/properties"/>
+    <ds:schemaRef ds:uri="http://purl.org/dc/elements/1.1/"/>
     <ds:schemaRef ds:uri="http://purl.org/dc/terms/"/>
     <ds:schemaRef ds:uri="http://schemas.microsoft.com/office/infopath/2007/PartnerControls"/>
-    <ds:schemaRef ds:uri="http://schemas.microsoft.com/office/2006/metadata/properties"/>
-    <ds:schemaRef ds:uri="http://purl.org/dc/elements/1.1/"/>
-    <ds:schemaRef ds:uri="http://schemas.openxmlformats.org/package/2006/metadata/core-properties"/>
-    <ds:schemaRef ds:uri="c4c4e6c1-1580-457f-8034-c126c8dee3c7"/>
     <ds:schemaRef ds:uri="http://www.w3.org/XML/1998/namespace"/>
     <ds:schemaRef ds:uri="http://purl.org/dc/dcmitype/"/>
   </ds:schemaRefs>

--- a/static/downloads/dem.pptx
+++ b/static/downloads/dem.pptx
@@ -4,36 +4,51 @@
   <p:sldMasterIdLst>
     <p:sldMasterId id="2147483648" r:id="rId4"/>
   </p:sldMasterIdLst>
+  <p:notesMasterIdLst>
+    <p:notesMasterId r:id="rId41"/>
+  </p:notesMasterIdLst>
   <p:sldIdLst>
     <p:sldId id="256" r:id="rId5"/>
     <p:sldId id="257" r:id="rId6"/>
-    <p:sldId id="316" r:id="rId7"/>
-    <p:sldId id="310" r:id="rId8"/>
-    <p:sldId id="281" r:id="rId9"/>
-    <p:sldId id="282" r:id="rId10"/>
-    <p:sldId id="313" r:id="rId11"/>
-    <p:sldId id="283" r:id="rId12"/>
-    <p:sldId id="302" r:id="rId13"/>
-    <p:sldId id="303" r:id="rId14"/>
-    <p:sldId id="304" r:id="rId15"/>
-    <p:sldId id="305" r:id="rId16"/>
-    <p:sldId id="306" r:id="rId17"/>
-    <p:sldId id="308" r:id="rId18"/>
-    <p:sldId id="309" r:id="rId19"/>
-    <p:sldId id="312" r:id="rId20"/>
-    <p:sldId id="284" r:id="rId21"/>
-    <p:sldId id="315" r:id="rId22"/>
-    <p:sldId id="288" r:id="rId23"/>
-    <p:sldId id="299" r:id="rId24"/>
-    <p:sldId id="285" r:id="rId25"/>
-    <p:sldId id="300" r:id="rId26"/>
-    <p:sldId id="314" r:id="rId27"/>
-    <p:sldId id="286" r:id="rId28"/>
+    <p:sldId id="336" r:id="rId7"/>
+    <p:sldId id="318" r:id="rId8"/>
+    <p:sldId id="317" r:id="rId9"/>
+    <p:sldId id="316" r:id="rId10"/>
+    <p:sldId id="320" r:id="rId11"/>
+    <p:sldId id="321" r:id="rId12"/>
+    <p:sldId id="322" r:id="rId13"/>
+    <p:sldId id="323" r:id="rId14"/>
+    <p:sldId id="284" r:id="rId15"/>
+    <p:sldId id="325" r:id="rId16"/>
+    <p:sldId id="282" r:id="rId17"/>
+    <p:sldId id="313" r:id="rId18"/>
+    <p:sldId id="283" r:id="rId19"/>
+    <p:sldId id="332" r:id="rId20"/>
+    <p:sldId id="333" r:id="rId21"/>
+    <p:sldId id="334" r:id="rId22"/>
+    <p:sldId id="335" r:id="rId23"/>
+    <p:sldId id="324" r:id="rId24"/>
+    <p:sldId id="281" r:id="rId25"/>
+    <p:sldId id="315" r:id="rId26"/>
+    <p:sldId id="326" r:id="rId27"/>
+    <p:sldId id="327" r:id="rId28"/>
+    <p:sldId id="328" r:id="rId29"/>
+    <p:sldId id="329" r:id="rId30"/>
+    <p:sldId id="299" r:id="rId31"/>
+    <p:sldId id="330" r:id="rId32"/>
+    <p:sldId id="338" r:id="rId33"/>
+    <p:sldId id="337" r:id="rId34"/>
+    <p:sldId id="288" r:id="rId35"/>
+    <p:sldId id="331" r:id="rId36"/>
+    <p:sldId id="285" r:id="rId37"/>
+    <p:sldId id="300" r:id="rId38"/>
+    <p:sldId id="314" r:id="rId39"/>
+    <p:sldId id="286" r:id="rId40"/>
   </p:sldIdLst>
   <p:sldSz cx="9144000" cy="6858000" type="screen4x3"/>
   <p:notesSz cx="6797675" cy="9926638"/>
   <p:custDataLst>
-    <p:tags r:id="rId29"/>
+    <p:tags r:id="rId42"/>
   </p:custDataLst>
   <p:defaultTextStyle>
     <a:defPPr>
@@ -145,8 +160,717 @@
         </p15:guide>
       </p15:sldGuideLst>
     </p:ext>
+    <p:ext uri="{2D200454-40CA-4A62-9FC3-DE9A4176ACB9}">
+      <p15:notesGuideLst xmlns:p15="http://schemas.microsoft.com/office/powerpoint/2012/main"/>
+    </p:ext>
   </p:extLst>
 </p:presentation>
+</file>
+
+<file path=ppt/revisionInfo.xml><?xml version="1.0" encoding="utf-8"?>
+<p1510:revInfo xmlns:a="http://schemas.openxmlformats.org/drawingml/2006/main" xmlns:r="http://schemas.openxmlformats.org/officeDocument/2006/relationships" xmlns:p1510="http://schemas.microsoft.com/office/powerpoint/2015/10/main">
+  <p1510:revLst>
+    <p1510:client id="{155B7D8C-9164-4EC3-A0CA-14DD46E39129}" v="138" dt="2024-09-25T10:35:15.314"/>
+  </p1510:revLst>
+</p1510:revInfo>
+</file>
+
+<file path=ppt/notesMasters/notesMaster1.xml><?xml version="1.0" encoding="utf-8"?>
+<p:notesMaster xmlns:a="http://schemas.openxmlformats.org/drawingml/2006/main" xmlns:r="http://schemas.openxmlformats.org/officeDocument/2006/relationships" xmlns:p="http://schemas.openxmlformats.org/presentationml/2006/main">
+  <p:cSld>
+    <p:bg>
+      <p:bgRef idx="1001">
+        <a:schemeClr val="bg1"/>
+      </p:bgRef>
+    </p:bg>
+    <p:spTree>
+      <p:nvGrpSpPr>
+        <p:cNvPr id="1" name=""/>
+        <p:cNvGrpSpPr/>
+        <p:nvPr/>
+      </p:nvGrpSpPr>
+      <p:grpSpPr>
+        <a:xfrm>
+          <a:off x="0" y="0"/>
+          <a:ext cx="0" cy="0"/>
+          <a:chOff x="0" y="0"/>
+          <a:chExt cx="0" cy="0"/>
+        </a:xfrm>
+      </p:grpSpPr>
+      <p:sp>
+        <p:nvSpPr>
+          <p:cNvPr id="2" name="Header Placeholder 1"/>
+          <p:cNvSpPr>
+            <a:spLocks noGrp="1"/>
+          </p:cNvSpPr>
+          <p:nvPr>
+            <p:ph type="hdr" sz="quarter"/>
+          </p:nvPr>
+        </p:nvSpPr>
+        <p:spPr>
+          <a:xfrm>
+            <a:off x="0" y="0"/>
+            <a:ext cx="2946400" cy="496888"/>
+          </a:xfrm>
+          <a:prstGeom prst="rect">
+            <a:avLst/>
+          </a:prstGeom>
+        </p:spPr>
+        <p:txBody>
+          <a:bodyPr vert="horz" lIns="91440" tIns="45720" rIns="91440" bIns="45720" rtlCol="0"/>
+          <a:lstStyle>
+            <a:lvl1pPr algn="l">
+              <a:defRPr sz="1200"/>
+            </a:lvl1pPr>
+          </a:lstStyle>
+          <a:p>
+            <a:endParaRPr lang="en-GB"/>
+          </a:p>
+        </p:txBody>
+      </p:sp>
+      <p:sp>
+        <p:nvSpPr>
+          <p:cNvPr id="3" name="Date Placeholder 2"/>
+          <p:cNvSpPr>
+            <a:spLocks noGrp="1"/>
+          </p:cNvSpPr>
+          <p:nvPr>
+            <p:ph type="dt" idx="1"/>
+          </p:nvPr>
+        </p:nvSpPr>
+        <p:spPr>
+          <a:xfrm>
+            <a:off x="3849688" y="0"/>
+            <a:ext cx="2946400" cy="496888"/>
+          </a:xfrm>
+          <a:prstGeom prst="rect">
+            <a:avLst/>
+          </a:prstGeom>
+        </p:spPr>
+        <p:txBody>
+          <a:bodyPr vert="horz" lIns="91440" tIns="45720" rIns="91440" bIns="45720" rtlCol="0"/>
+          <a:lstStyle>
+            <a:lvl1pPr algn="r">
+              <a:defRPr sz="1200"/>
+            </a:lvl1pPr>
+          </a:lstStyle>
+          <a:p>
+            <a:fld id="{9577E772-4335-40B3-8D99-5219908BCAF5}" type="datetimeFigureOut">
+              <a:rPr lang="en-GB" smtClean="0"/>
+              <a:t>02/10/2024</a:t>
+            </a:fld>
+            <a:endParaRPr lang="en-GB"/>
+          </a:p>
+        </p:txBody>
+      </p:sp>
+      <p:sp>
+        <p:nvSpPr>
+          <p:cNvPr id="4" name="Slide Image Placeholder 3"/>
+          <p:cNvSpPr>
+            <a:spLocks noGrp="1" noRot="1" noChangeAspect="1"/>
+          </p:cNvSpPr>
+          <p:nvPr>
+            <p:ph type="sldImg" idx="2"/>
+          </p:nvPr>
+        </p:nvSpPr>
+        <p:spPr>
+          <a:xfrm>
+            <a:off x="1165225" y="1241425"/>
+            <a:ext cx="4467225" cy="3349625"/>
+          </a:xfrm>
+          <a:prstGeom prst="rect">
+            <a:avLst/>
+          </a:prstGeom>
+          <a:noFill/>
+          <a:ln w="12700">
+            <a:solidFill>
+              <a:prstClr val="black"/>
+            </a:solidFill>
+          </a:ln>
+        </p:spPr>
+        <p:txBody>
+          <a:bodyPr vert="horz" lIns="91440" tIns="45720" rIns="91440" bIns="45720" rtlCol="0" anchor="ctr"/>
+          <a:lstStyle/>
+          <a:p>
+            <a:endParaRPr lang="en-GB"/>
+          </a:p>
+        </p:txBody>
+      </p:sp>
+      <p:sp>
+        <p:nvSpPr>
+          <p:cNvPr id="5" name="Notes Placeholder 4"/>
+          <p:cNvSpPr>
+            <a:spLocks noGrp="1"/>
+          </p:cNvSpPr>
+          <p:nvPr>
+            <p:ph type="body" sz="quarter" idx="3"/>
+          </p:nvPr>
+        </p:nvSpPr>
+        <p:spPr>
+          <a:xfrm>
+            <a:off x="679450" y="4776788"/>
+            <a:ext cx="5438775" cy="3908425"/>
+          </a:xfrm>
+          <a:prstGeom prst="rect">
+            <a:avLst/>
+          </a:prstGeom>
+        </p:spPr>
+        <p:txBody>
+          <a:bodyPr vert="horz" lIns="91440" tIns="45720" rIns="91440" bIns="45720" rtlCol="0"/>
+          <a:lstStyle/>
+          <a:p>
+            <a:pPr lvl="0"/>
+            <a:r>
+              <a:rPr lang="en-US"/>
+              <a:t>Click to edit Master text styles</a:t>
+            </a:r>
+          </a:p>
+          <a:p>
+            <a:pPr lvl="1"/>
+            <a:r>
+              <a:rPr lang="en-US"/>
+              <a:t>Second level</a:t>
+            </a:r>
+          </a:p>
+          <a:p>
+            <a:pPr lvl="2"/>
+            <a:r>
+              <a:rPr lang="en-US"/>
+              <a:t>Third level</a:t>
+            </a:r>
+          </a:p>
+          <a:p>
+            <a:pPr lvl="3"/>
+            <a:r>
+              <a:rPr lang="en-US"/>
+              <a:t>Fourth level</a:t>
+            </a:r>
+          </a:p>
+          <a:p>
+            <a:pPr lvl="4"/>
+            <a:r>
+              <a:rPr lang="en-US"/>
+              <a:t>Fifth level</a:t>
+            </a:r>
+            <a:endParaRPr lang="en-GB"/>
+          </a:p>
+        </p:txBody>
+      </p:sp>
+      <p:sp>
+        <p:nvSpPr>
+          <p:cNvPr id="6" name="Footer Placeholder 5"/>
+          <p:cNvSpPr>
+            <a:spLocks noGrp="1"/>
+          </p:cNvSpPr>
+          <p:nvPr>
+            <p:ph type="ftr" sz="quarter" idx="4"/>
+          </p:nvPr>
+        </p:nvSpPr>
+        <p:spPr>
+          <a:xfrm>
+            <a:off x="0" y="9429750"/>
+            <a:ext cx="2946400" cy="496888"/>
+          </a:xfrm>
+          <a:prstGeom prst="rect">
+            <a:avLst/>
+          </a:prstGeom>
+        </p:spPr>
+        <p:txBody>
+          <a:bodyPr vert="horz" lIns="91440" tIns="45720" rIns="91440" bIns="45720" rtlCol="0" anchor="b"/>
+          <a:lstStyle>
+            <a:lvl1pPr algn="l">
+              <a:defRPr sz="1200"/>
+            </a:lvl1pPr>
+          </a:lstStyle>
+          <a:p>
+            <a:endParaRPr lang="en-GB"/>
+          </a:p>
+        </p:txBody>
+      </p:sp>
+      <p:sp>
+        <p:nvSpPr>
+          <p:cNvPr id="7" name="Slide Number Placeholder 6"/>
+          <p:cNvSpPr>
+            <a:spLocks noGrp="1"/>
+          </p:cNvSpPr>
+          <p:nvPr>
+            <p:ph type="sldNum" sz="quarter" idx="5"/>
+          </p:nvPr>
+        </p:nvSpPr>
+        <p:spPr>
+          <a:xfrm>
+            <a:off x="3849688" y="9429750"/>
+            <a:ext cx="2946400" cy="496888"/>
+          </a:xfrm>
+          <a:prstGeom prst="rect">
+            <a:avLst/>
+          </a:prstGeom>
+        </p:spPr>
+        <p:txBody>
+          <a:bodyPr vert="horz" lIns="91440" tIns="45720" rIns="91440" bIns="45720" rtlCol="0" anchor="b"/>
+          <a:lstStyle>
+            <a:lvl1pPr algn="r">
+              <a:defRPr sz="1200"/>
+            </a:lvl1pPr>
+          </a:lstStyle>
+          <a:p>
+            <a:fld id="{4ED1E803-AAEE-4E17-9F66-6275E4F230C3}" type="slidenum">
+              <a:rPr lang="en-GB" smtClean="0"/>
+              <a:t>‹#›</a:t>
+            </a:fld>
+            <a:endParaRPr lang="en-GB"/>
+          </a:p>
+        </p:txBody>
+      </p:sp>
+    </p:spTree>
+    <p:extLst>
+      <p:ext uri="{BB962C8B-B14F-4D97-AF65-F5344CB8AC3E}">
+        <p14:creationId xmlns:p14="http://schemas.microsoft.com/office/powerpoint/2010/main" val="213344493"/>
+      </p:ext>
+    </p:extLst>
+  </p:cSld>
+  <p:clrMap bg1="lt1" tx1="dk1" bg2="lt2" tx2="dk2" accent1="accent1" accent2="accent2" accent3="accent3" accent4="accent4" accent5="accent5" accent6="accent6" hlink="hlink" folHlink="folHlink"/>
+  <p:notesStyle>
+    <a:lvl1pPr marL="0" algn="l" defTabSz="914400" rtl="0" eaLnBrk="1" latinLnBrk="0" hangingPunct="1">
+      <a:defRPr sz="1200" kern="1200">
+        <a:solidFill>
+          <a:schemeClr val="tx1"/>
+        </a:solidFill>
+        <a:latin typeface="+mn-lt"/>
+        <a:ea typeface="+mn-ea"/>
+        <a:cs typeface="+mn-cs"/>
+      </a:defRPr>
+    </a:lvl1pPr>
+    <a:lvl2pPr marL="457200" algn="l" defTabSz="914400" rtl="0" eaLnBrk="1" latinLnBrk="0" hangingPunct="1">
+      <a:defRPr sz="1200" kern="1200">
+        <a:solidFill>
+          <a:schemeClr val="tx1"/>
+        </a:solidFill>
+        <a:latin typeface="+mn-lt"/>
+        <a:ea typeface="+mn-ea"/>
+        <a:cs typeface="+mn-cs"/>
+      </a:defRPr>
+    </a:lvl2pPr>
+    <a:lvl3pPr marL="914400" algn="l" defTabSz="914400" rtl="0" eaLnBrk="1" latinLnBrk="0" hangingPunct="1">
+      <a:defRPr sz="1200" kern="1200">
+        <a:solidFill>
+          <a:schemeClr val="tx1"/>
+        </a:solidFill>
+        <a:latin typeface="+mn-lt"/>
+        <a:ea typeface="+mn-ea"/>
+        <a:cs typeface="+mn-cs"/>
+      </a:defRPr>
+    </a:lvl3pPr>
+    <a:lvl4pPr marL="1371600" algn="l" defTabSz="914400" rtl="0" eaLnBrk="1" latinLnBrk="0" hangingPunct="1">
+      <a:defRPr sz="1200" kern="1200">
+        <a:solidFill>
+          <a:schemeClr val="tx1"/>
+        </a:solidFill>
+        <a:latin typeface="+mn-lt"/>
+        <a:ea typeface="+mn-ea"/>
+        <a:cs typeface="+mn-cs"/>
+      </a:defRPr>
+    </a:lvl4pPr>
+    <a:lvl5pPr marL="1828800" algn="l" defTabSz="914400" rtl="0" eaLnBrk="1" latinLnBrk="0" hangingPunct="1">
+      <a:defRPr sz="1200" kern="1200">
+        <a:solidFill>
+          <a:schemeClr val="tx1"/>
+        </a:solidFill>
+        <a:latin typeface="+mn-lt"/>
+        <a:ea typeface="+mn-ea"/>
+        <a:cs typeface="+mn-cs"/>
+      </a:defRPr>
+    </a:lvl5pPr>
+    <a:lvl6pPr marL="2286000" algn="l" defTabSz="914400" rtl="0" eaLnBrk="1" latinLnBrk="0" hangingPunct="1">
+      <a:defRPr sz="1200" kern="1200">
+        <a:solidFill>
+          <a:schemeClr val="tx1"/>
+        </a:solidFill>
+        <a:latin typeface="+mn-lt"/>
+        <a:ea typeface="+mn-ea"/>
+        <a:cs typeface="+mn-cs"/>
+      </a:defRPr>
+    </a:lvl6pPr>
+    <a:lvl7pPr marL="2743200" algn="l" defTabSz="914400" rtl="0" eaLnBrk="1" latinLnBrk="0" hangingPunct="1">
+      <a:defRPr sz="1200" kern="1200">
+        <a:solidFill>
+          <a:schemeClr val="tx1"/>
+        </a:solidFill>
+        <a:latin typeface="+mn-lt"/>
+        <a:ea typeface="+mn-ea"/>
+        <a:cs typeface="+mn-cs"/>
+      </a:defRPr>
+    </a:lvl7pPr>
+    <a:lvl8pPr marL="3200400" algn="l" defTabSz="914400" rtl="0" eaLnBrk="1" latinLnBrk="0" hangingPunct="1">
+      <a:defRPr sz="1200" kern="1200">
+        <a:solidFill>
+          <a:schemeClr val="tx1"/>
+        </a:solidFill>
+        <a:latin typeface="+mn-lt"/>
+        <a:ea typeface="+mn-ea"/>
+        <a:cs typeface="+mn-cs"/>
+      </a:defRPr>
+    </a:lvl8pPr>
+    <a:lvl9pPr marL="3657600" algn="l" defTabSz="914400" rtl="0" eaLnBrk="1" latinLnBrk="0" hangingPunct="1">
+      <a:defRPr sz="1200" kern="1200">
+        <a:solidFill>
+          <a:schemeClr val="tx1"/>
+        </a:solidFill>
+        <a:latin typeface="+mn-lt"/>
+        <a:ea typeface="+mn-ea"/>
+        <a:cs typeface="+mn-cs"/>
+      </a:defRPr>
+    </a:lvl9pPr>
+  </p:notesStyle>
+</p:notesMaster>
+</file>
+
+<file path=ppt/notesSlides/notesSlide1.xml><?xml version="1.0" encoding="utf-8"?>
+<p:notes xmlns:a="http://schemas.openxmlformats.org/drawingml/2006/main" xmlns:r="http://schemas.openxmlformats.org/officeDocument/2006/relationships" xmlns:p="http://schemas.openxmlformats.org/presentationml/2006/main">
+  <p:cSld>
+    <p:spTree>
+      <p:nvGrpSpPr>
+        <p:cNvPr id="1" name=""/>
+        <p:cNvGrpSpPr/>
+        <p:nvPr/>
+      </p:nvGrpSpPr>
+      <p:grpSpPr>
+        <a:xfrm>
+          <a:off x="0" y="0"/>
+          <a:ext cx="0" cy="0"/>
+          <a:chOff x="0" y="0"/>
+          <a:chExt cx="0" cy="0"/>
+        </a:xfrm>
+      </p:grpSpPr>
+      <p:sp>
+        <p:nvSpPr>
+          <p:cNvPr id="2" name="Slide Image Placeholder 1"/>
+          <p:cNvSpPr>
+            <a:spLocks noGrp="1" noRot="1" noChangeAspect="1"/>
+          </p:cNvSpPr>
+          <p:nvPr>
+            <p:ph type="sldImg"/>
+          </p:nvPr>
+        </p:nvSpPr>
+        <p:spPr/>
+      </p:sp>
+      <p:sp>
+        <p:nvSpPr>
+          <p:cNvPr id="3" name="Notes Placeholder 2"/>
+          <p:cNvSpPr>
+            <a:spLocks noGrp="1"/>
+          </p:cNvSpPr>
+          <p:nvPr>
+            <p:ph type="body" idx="1"/>
+          </p:nvPr>
+        </p:nvSpPr>
+        <p:spPr/>
+        <p:txBody>
+          <a:bodyPr/>
+          <a:lstStyle/>
+          <a:p>
+            <a:r>
+              <a:rPr lang="en-GB" dirty="0"/>
+              <a:t>Look around you. You will see there aren’t many women here. This is a problem, and it’s been getting worse. If you want to help, do not discriminate – treat the women around you exactly as you would treat everyone else. You will also see some trans folk. Aberystwyth has been seen as a safe space for trans people for a long while. Again, do not discriminate. These are all just students, and you should treat all students with exactly the same kindness and professionalism.</a:t>
+            </a:r>
+          </a:p>
+        </p:txBody>
+      </p:sp>
+      <p:sp>
+        <p:nvSpPr>
+          <p:cNvPr id="4" name="Slide Number Placeholder 3"/>
+          <p:cNvSpPr>
+            <a:spLocks noGrp="1"/>
+          </p:cNvSpPr>
+          <p:nvPr>
+            <p:ph type="sldNum" sz="quarter" idx="5"/>
+          </p:nvPr>
+        </p:nvSpPr>
+        <p:spPr/>
+        <p:txBody>
+          <a:bodyPr/>
+          <a:lstStyle/>
+          <a:p>
+            <a:fld id="{4ED1E803-AAEE-4E17-9F66-6275E4F230C3}" type="slidenum">
+              <a:rPr lang="en-GB" smtClean="0"/>
+              <a:t>7</a:t>
+            </a:fld>
+            <a:endParaRPr lang="en-GB"/>
+          </a:p>
+        </p:txBody>
+      </p:sp>
+    </p:spTree>
+    <p:extLst>
+      <p:ext uri="{BB962C8B-B14F-4D97-AF65-F5344CB8AC3E}">
+        <p14:creationId xmlns:p14="http://schemas.microsoft.com/office/powerpoint/2010/main" val="2914465247"/>
+      </p:ext>
+    </p:extLst>
+  </p:cSld>
+  <p:clrMapOvr>
+    <a:masterClrMapping/>
+  </p:clrMapOvr>
+</p:notes>
+</file>
+
+<file path=ppt/notesSlides/notesSlide2.xml><?xml version="1.0" encoding="utf-8"?>
+<p:notes xmlns:a="http://schemas.openxmlformats.org/drawingml/2006/main" xmlns:r="http://schemas.openxmlformats.org/officeDocument/2006/relationships" xmlns:p="http://schemas.openxmlformats.org/presentationml/2006/main">
+  <p:cSld>
+    <p:spTree>
+      <p:nvGrpSpPr>
+        <p:cNvPr id="1" name=""/>
+        <p:cNvGrpSpPr/>
+        <p:nvPr/>
+      </p:nvGrpSpPr>
+      <p:grpSpPr>
+        <a:xfrm>
+          <a:off x="0" y="0"/>
+          <a:ext cx="0" cy="0"/>
+          <a:chOff x="0" y="0"/>
+          <a:chExt cx="0" cy="0"/>
+        </a:xfrm>
+      </p:grpSpPr>
+      <p:sp>
+        <p:nvSpPr>
+          <p:cNvPr id="2" name="Slide Image Placeholder 1"/>
+          <p:cNvSpPr>
+            <a:spLocks noGrp="1" noRot="1" noChangeAspect="1"/>
+          </p:cNvSpPr>
+          <p:nvPr>
+            <p:ph type="sldImg"/>
+          </p:nvPr>
+        </p:nvSpPr>
+        <p:spPr/>
+      </p:sp>
+      <p:sp>
+        <p:nvSpPr>
+          <p:cNvPr id="3" name="Notes Placeholder 2"/>
+          <p:cNvSpPr>
+            <a:spLocks noGrp="1"/>
+          </p:cNvSpPr>
+          <p:nvPr>
+            <p:ph type="body" idx="1"/>
+          </p:nvPr>
+        </p:nvSpPr>
+        <p:spPr/>
+        <p:txBody>
+          <a:bodyPr/>
+          <a:lstStyle/>
+          <a:p>
+            <a:r>
+              <a:rPr lang="en-GB" dirty="0"/>
+              <a:t>Look around you. You will see there aren’t many women here. This is a problem, and it’s been getting worse. If you want to help, do not discriminate – treat the women around you exactly as you would treat everyone else. You will also see some trans folk. Aberystwyth has been seen as a safe space for trans people for a long while. Again, do not discriminate. These are all just students, and you should treat all students with exactly the same kindness and professionalism.</a:t>
+            </a:r>
+          </a:p>
+        </p:txBody>
+      </p:sp>
+      <p:sp>
+        <p:nvSpPr>
+          <p:cNvPr id="4" name="Slide Number Placeholder 3"/>
+          <p:cNvSpPr>
+            <a:spLocks noGrp="1"/>
+          </p:cNvSpPr>
+          <p:nvPr>
+            <p:ph type="sldNum" sz="quarter" idx="5"/>
+          </p:nvPr>
+        </p:nvSpPr>
+        <p:spPr/>
+        <p:txBody>
+          <a:bodyPr/>
+          <a:lstStyle/>
+          <a:p>
+            <a:fld id="{4ED1E803-AAEE-4E17-9F66-6275E4F230C3}" type="slidenum">
+              <a:rPr lang="en-GB" smtClean="0"/>
+              <a:t>8</a:t>
+            </a:fld>
+            <a:endParaRPr lang="en-GB"/>
+          </a:p>
+        </p:txBody>
+      </p:sp>
+    </p:spTree>
+    <p:extLst>
+      <p:ext uri="{BB962C8B-B14F-4D97-AF65-F5344CB8AC3E}">
+        <p14:creationId xmlns:p14="http://schemas.microsoft.com/office/powerpoint/2010/main" val="3483890355"/>
+      </p:ext>
+    </p:extLst>
+  </p:cSld>
+  <p:clrMapOvr>
+    <a:masterClrMapping/>
+  </p:clrMapOvr>
+</p:notes>
+</file>
+
+<file path=ppt/notesSlides/notesSlide3.xml><?xml version="1.0" encoding="utf-8"?>
+<p:notes xmlns:a="http://schemas.openxmlformats.org/drawingml/2006/main" xmlns:r="http://schemas.openxmlformats.org/officeDocument/2006/relationships" xmlns:p="http://schemas.openxmlformats.org/presentationml/2006/main">
+  <p:cSld>
+    <p:spTree>
+      <p:nvGrpSpPr>
+        <p:cNvPr id="1" name=""/>
+        <p:cNvGrpSpPr/>
+        <p:nvPr/>
+      </p:nvGrpSpPr>
+      <p:grpSpPr>
+        <a:xfrm>
+          <a:off x="0" y="0"/>
+          <a:ext cx="0" cy="0"/>
+          <a:chOff x="0" y="0"/>
+          <a:chExt cx="0" cy="0"/>
+        </a:xfrm>
+      </p:grpSpPr>
+      <p:sp>
+        <p:nvSpPr>
+          <p:cNvPr id="2" name="Slide Image Placeholder 1"/>
+          <p:cNvSpPr>
+            <a:spLocks noGrp="1" noRot="1" noChangeAspect="1"/>
+          </p:cNvSpPr>
+          <p:nvPr>
+            <p:ph type="sldImg"/>
+          </p:nvPr>
+        </p:nvSpPr>
+        <p:spPr/>
+      </p:sp>
+      <p:sp>
+        <p:nvSpPr>
+          <p:cNvPr id="3" name="Notes Placeholder 2"/>
+          <p:cNvSpPr>
+            <a:spLocks noGrp="1"/>
+          </p:cNvSpPr>
+          <p:nvPr>
+            <p:ph type="body" idx="1"/>
+          </p:nvPr>
+        </p:nvSpPr>
+        <p:spPr/>
+        <p:txBody>
+          <a:bodyPr/>
+          <a:lstStyle/>
+          <a:p>
+            <a:r>
+              <a:rPr lang="en-GB" dirty="0"/>
+              <a:t>Look around you. You will see there aren’t many women here. This is a problem, and it’s been getting worse. If you want to help, do not discriminate – treat the women around you exactly as you would treat everyone else. You will also see some trans folk. Aberystwyth has been seen as a safe space for trans people for a long while. Again, do not discriminate. These are all just students, and you should treat all students with exactly the same kindness and professionalism.</a:t>
+            </a:r>
+          </a:p>
+        </p:txBody>
+      </p:sp>
+      <p:sp>
+        <p:nvSpPr>
+          <p:cNvPr id="4" name="Slide Number Placeholder 3"/>
+          <p:cNvSpPr>
+            <a:spLocks noGrp="1"/>
+          </p:cNvSpPr>
+          <p:nvPr>
+            <p:ph type="sldNum" sz="quarter" idx="5"/>
+          </p:nvPr>
+        </p:nvSpPr>
+        <p:spPr/>
+        <p:txBody>
+          <a:bodyPr/>
+          <a:lstStyle/>
+          <a:p>
+            <a:fld id="{4ED1E803-AAEE-4E17-9F66-6275E4F230C3}" type="slidenum">
+              <a:rPr lang="en-GB" smtClean="0"/>
+              <a:t>9</a:t>
+            </a:fld>
+            <a:endParaRPr lang="en-GB"/>
+          </a:p>
+        </p:txBody>
+      </p:sp>
+    </p:spTree>
+    <p:extLst>
+      <p:ext uri="{BB962C8B-B14F-4D97-AF65-F5344CB8AC3E}">
+        <p14:creationId xmlns:p14="http://schemas.microsoft.com/office/powerpoint/2010/main" val="1486842901"/>
+      </p:ext>
+    </p:extLst>
+  </p:cSld>
+  <p:clrMapOvr>
+    <a:masterClrMapping/>
+  </p:clrMapOvr>
+</p:notes>
+</file>
+
+<file path=ppt/notesSlides/notesSlide4.xml><?xml version="1.0" encoding="utf-8"?>
+<p:notes xmlns:a="http://schemas.openxmlformats.org/drawingml/2006/main" xmlns:r="http://schemas.openxmlformats.org/officeDocument/2006/relationships" xmlns:p="http://schemas.openxmlformats.org/presentationml/2006/main">
+  <p:cSld>
+    <p:spTree>
+      <p:nvGrpSpPr>
+        <p:cNvPr id="1" name=""/>
+        <p:cNvGrpSpPr/>
+        <p:nvPr/>
+      </p:nvGrpSpPr>
+      <p:grpSpPr>
+        <a:xfrm>
+          <a:off x="0" y="0"/>
+          <a:ext cx="0" cy="0"/>
+          <a:chOff x="0" y="0"/>
+          <a:chExt cx="0" cy="0"/>
+        </a:xfrm>
+      </p:grpSpPr>
+      <p:sp>
+        <p:nvSpPr>
+          <p:cNvPr id="2" name="Slide Image Placeholder 1"/>
+          <p:cNvSpPr>
+            <a:spLocks noGrp="1" noRot="1" noChangeAspect="1"/>
+          </p:cNvSpPr>
+          <p:nvPr>
+            <p:ph type="sldImg"/>
+          </p:nvPr>
+        </p:nvSpPr>
+        <p:spPr/>
+      </p:sp>
+      <p:sp>
+        <p:nvSpPr>
+          <p:cNvPr id="3" name="Notes Placeholder 2"/>
+          <p:cNvSpPr>
+            <a:spLocks noGrp="1"/>
+          </p:cNvSpPr>
+          <p:nvPr>
+            <p:ph type="body" idx="1"/>
+          </p:nvPr>
+        </p:nvSpPr>
+        <p:spPr/>
+        <p:txBody>
+          <a:bodyPr/>
+          <a:lstStyle/>
+          <a:p>
+            <a:r>
+              <a:rPr lang="en-GB" dirty="0"/>
+              <a:t>Look around you. You will see there aren’t many women here. This is a problem, and it’s been getting worse. If you want to help, do not discriminate – treat the women around you exactly as you would treat everyone else. You will also see some trans folk. Aberystwyth has been seen as a safe space for trans people for a long while. Again, do not discriminate. These are all just students, and you should treat all students with exactly the same kindness and professionalism.</a:t>
+            </a:r>
+          </a:p>
+        </p:txBody>
+      </p:sp>
+      <p:sp>
+        <p:nvSpPr>
+          <p:cNvPr id="4" name="Slide Number Placeholder 3"/>
+          <p:cNvSpPr>
+            <a:spLocks noGrp="1"/>
+          </p:cNvSpPr>
+          <p:nvPr>
+            <p:ph type="sldNum" sz="quarter" idx="5"/>
+          </p:nvPr>
+        </p:nvSpPr>
+        <p:spPr/>
+        <p:txBody>
+          <a:bodyPr/>
+          <a:lstStyle/>
+          <a:p>
+            <a:fld id="{4ED1E803-AAEE-4E17-9F66-6275E4F230C3}" type="slidenum">
+              <a:rPr lang="en-GB" smtClean="0"/>
+              <a:t>10</a:t>
+            </a:fld>
+            <a:endParaRPr lang="en-GB"/>
+          </a:p>
+        </p:txBody>
+      </p:sp>
+    </p:spTree>
+    <p:extLst>
+      <p:ext uri="{BB962C8B-B14F-4D97-AF65-F5344CB8AC3E}">
+        <p14:creationId xmlns:p14="http://schemas.microsoft.com/office/powerpoint/2010/main" val="490646877"/>
+      </p:ext>
+    </p:extLst>
+  </p:cSld>
+  <p:clrMapOvr>
+    <a:masterClrMapping/>
+  </p:clrMapOvr>
+</p:notes>
 </file>
 
 <file path=ppt/slideLayouts/slideLayout1.xml><?xml version="1.0" encoding="utf-8"?>
@@ -330,7 +1054,7 @@
           <a:p>
             <a:fld id="{E6E61A80-AD3E-5043-BBBB-DD0D35B177C1}" type="datetimeFigureOut">
               <a:rPr lang="en-US" smtClean="0"/>
-              <a:t>10/3/2023</a:t>
+              <a:t>10/2/2024</a:t>
             </a:fld>
             <a:endParaRPr lang="en-US"/>
           </a:p>
@@ -495,7 +1219,7 @@
           <a:p>
             <a:fld id="{E6E61A80-AD3E-5043-BBBB-DD0D35B177C1}" type="datetimeFigureOut">
               <a:rPr lang="en-US" smtClean="0"/>
-              <a:t>10/3/2023</a:t>
+              <a:t>10/2/2024</a:t>
             </a:fld>
             <a:endParaRPr lang="en-US"/>
           </a:p>
@@ -670,7 +1394,7 @@
           <a:p>
             <a:fld id="{E6E61A80-AD3E-5043-BBBB-DD0D35B177C1}" type="datetimeFigureOut">
               <a:rPr lang="en-US" smtClean="0"/>
-              <a:t>10/3/2023</a:t>
+              <a:t>10/2/2024</a:t>
             </a:fld>
             <a:endParaRPr lang="en-US"/>
           </a:p>
@@ -835,7 +1559,7 @@
           <a:p>
             <a:fld id="{E6E61A80-AD3E-5043-BBBB-DD0D35B177C1}" type="datetimeFigureOut">
               <a:rPr lang="en-US" smtClean="0"/>
-              <a:t>10/3/2023</a:t>
+              <a:t>10/2/2024</a:t>
             </a:fld>
             <a:endParaRPr lang="en-US"/>
           </a:p>
@@ -1076,7 +1800,7 @@
           <a:p>
             <a:fld id="{E6E61A80-AD3E-5043-BBBB-DD0D35B177C1}" type="datetimeFigureOut">
               <a:rPr lang="en-US" smtClean="0"/>
-              <a:t>10/3/2023</a:t>
+              <a:t>10/2/2024</a:t>
             </a:fld>
             <a:endParaRPr lang="en-US"/>
           </a:p>
@@ -1359,7 +2083,7 @@
           <a:p>
             <a:fld id="{E6E61A80-AD3E-5043-BBBB-DD0D35B177C1}" type="datetimeFigureOut">
               <a:rPr lang="en-US" smtClean="0"/>
-              <a:t>10/3/2023</a:t>
+              <a:t>10/2/2024</a:t>
             </a:fld>
             <a:endParaRPr lang="en-US"/>
           </a:p>
@@ -1776,7 +2500,7 @@
           <a:p>
             <a:fld id="{E6E61A80-AD3E-5043-BBBB-DD0D35B177C1}" type="datetimeFigureOut">
               <a:rPr lang="en-US" smtClean="0"/>
-              <a:t>10/3/2023</a:t>
+              <a:t>10/2/2024</a:t>
             </a:fld>
             <a:endParaRPr lang="en-US"/>
           </a:p>
@@ -1889,7 +2613,7 @@
           <a:p>
             <a:fld id="{E6E61A80-AD3E-5043-BBBB-DD0D35B177C1}" type="datetimeFigureOut">
               <a:rPr lang="en-US" smtClean="0"/>
-              <a:t>10/3/2023</a:t>
+              <a:t>10/2/2024</a:t>
             </a:fld>
             <a:endParaRPr lang="en-US"/>
           </a:p>
@@ -1979,7 +2703,7 @@
           <a:p>
             <a:fld id="{E6E61A80-AD3E-5043-BBBB-DD0D35B177C1}" type="datetimeFigureOut">
               <a:rPr lang="en-US" smtClean="0"/>
-              <a:t>10/3/2023</a:t>
+              <a:t>10/2/2024</a:t>
             </a:fld>
             <a:endParaRPr lang="en-US"/>
           </a:p>
@@ -2251,7 +2975,7 @@
           <a:p>
             <a:fld id="{E6E61A80-AD3E-5043-BBBB-DD0D35B177C1}" type="datetimeFigureOut">
               <a:rPr lang="en-US" smtClean="0"/>
-              <a:t>10/3/2023</a:t>
+              <a:t>10/2/2024</a:t>
             </a:fld>
             <a:endParaRPr lang="en-US"/>
           </a:p>
@@ -2499,7 +3223,7 @@
           <a:p>
             <a:fld id="{E6E61A80-AD3E-5043-BBBB-DD0D35B177C1}" type="datetimeFigureOut">
               <a:rPr lang="en-US" smtClean="0"/>
-              <a:t>10/3/2023</a:t>
+              <a:t>10/2/2024</a:t>
             </a:fld>
             <a:endParaRPr lang="en-US"/>
           </a:p>
@@ -2707,7 +3431,7 @@
           <a:p>
             <a:fld id="{E6E61A80-AD3E-5043-BBBB-DD0D35B177C1}" type="datetimeFigureOut">
               <a:rPr lang="en-US" smtClean="0"/>
-              <a:t>10/3/2023</a:t>
+              <a:t>10/2/2024</a:t>
             </a:fld>
             <a:endParaRPr lang="en-US"/>
           </a:p>
@@ -3130,7 +3854,7 @@
             <a:pPr algn="ctr"/>
             <a:r>
               <a:rPr lang="en-GB" sz="3600" b="1" dirty="0"/>
-              <a:t>October 2023</a:t>
+              <a:t>October 2024</a:t>
             </a:r>
           </a:p>
           <a:p>
@@ -3177,7 +3901,7 @@
     <p:bg>
       <p:bgPr>
         <a:blipFill rotWithShape="1">
-          <a:blip r:embed="rId2"/>
+          <a:blip r:embed="rId3"/>
           <a:stretch>
             <a:fillRect/>
           </a:stretch>
@@ -3201,75 +3925,70 @@
       </p:grpSpPr>
       <p:sp>
         <p:nvSpPr>
-          <p:cNvPr id="2" name="Title 1"/>
-          <p:cNvSpPr>
-            <a:spLocks noGrp="1"/>
-          </p:cNvSpPr>
-          <p:nvPr>
-            <p:ph type="title"/>
+          <p:cNvPr id="3" name="Content Placeholder 2"/>
+          <p:cNvSpPr>
+            <a:spLocks noGrp="1"/>
+          </p:cNvSpPr>
+          <p:nvPr>
+            <p:ph idx="1"/>
           </p:nvPr>
         </p:nvSpPr>
         <p:spPr>
           <a:xfrm>
-            <a:off x="457200" y="274638"/>
-            <a:ext cx="8229600" cy="634082"/>
+            <a:off x="457200" y="1988840"/>
+            <a:ext cx="8229600" cy="4137323"/>
           </a:xfrm>
         </p:spPr>
         <p:txBody>
           <a:bodyPr>
-            <a:normAutofit fontScale="90000"/>
+            <a:normAutofit/>
           </a:bodyPr>
           <a:lstStyle/>
           <a:p>
-            <a:br>
-              <a:rPr lang="en-GB" dirty="0"/>
-            </a:br>
-            <a:br>
-              <a:rPr lang="en-GB" dirty="0"/>
-            </a:br>
-            <a:r>
-              <a:rPr lang="en-GB" b="1" dirty="0"/>
-              <a:t>Worksheet signoff system</a:t>
-            </a:r>
-          </a:p>
-        </p:txBody>
-      </p:sp>
-      <p:pic>
-        <p:nvPicPr>
-          <p:cNvPr id="4" name="Content Placeholder 3">
-            <a:extLst>
-              <a:ext uri="{FF2B5EF4-FFF2-40B4-BE49-F238E27FC236}">
-                <a16:creationId xmlns:a16="http://schemas.microsoft.com/office/drawing/2014/main" id="{134F007C-F9BF-4103-9AAE-57E804EFECFA}"/>
-              </a:ext>
-            </a:extLst>
-          </p:cNvPr>
-          <p:cNvPicPr>
-            <a:picLocks noGrp="1" noChangeAspect="1"/>
-          </p:cNvPicPr>
-          <p:nvPr>
-            <p:ph idx="1"/>
-          </p:nvPr>
-        </p:nvPicPr>
-        <p:blipFill>
-          <a:blip r:embed="rId3"/>
-          <a:stretch>
-            <a:fillRect/>
-          </a:stretch>
-        </p:blipFill>
-        <p:spPr>
-          <a:xfrm>
-            <a:off x="457200" y="1634331"/>
-            <a:ext cx="8229600" cy="4457700"/>
-          </a:xfrm>
-          <a:prstGeom prst="rect">
-            <a:avLst/>
-          </a:prstGeom>
-        </p:spPr>
-      </p:pic>
+            <a:pPr marL="0" indent="0" algn="ctr">
+              <a:buNone/>
+            </a:pPr>
+            <a:r>
+              <a:rPr lang="en-GB" sz="2800" dirty="0"/>
+              <a:t>We hold you to a high standard of behaviour.</a:t>
+            </a:r>
+          </a:p>
+          <a:p>
+            <a:pPr marL="0" indent="0" algn="ctr">
+              <a:buNone/>
+            </a:pPr>
+            <a:endParaRPr lang="en-GB" sz="2800" dirty="0"/>
+          </a:p>
+          <a:p>
+            <a:pPr marL="0" indent="0" algn="ctr">
+              <a:buNone/>
+            </a:pPr>
+            <a:r>
+              <a:rPr lang="en-GB" sz="2800" dirty="0"/>
+              <a:t>You are employees of the university, just as we are.</a:t>
+            </a:r>
+          </a:p>
+          <a:p>
+            <a:pPr marL="0" indent="0" algn="ctr">
+              <a:buNone/>
+            </a:pPr>
+            <a:endParaRPr lang="en-GB" sz="2800" dirty="0"/>
+          </a:p>
+          <a:p>
+            <a:pPr marL="0" indent="0" algn="ctr">
+              <a:buNone/>
+            </a:pPr>
+            <a:r>
+              <a:rPr lang="en-GB" sz="2800" dirty="0"/>
+              <a:t>We are trusting you do this professionally.</a:t>
+            </a:r>
+          </a:p>
+        </p:txBody>
+      </p:sp>
     </p:spTree>
     <p:extLst>
       <p:ext uri="{BB962C8B-B14F-4D97-AF65-F5344CB8AC3E}">
-        <p14:creationId xmlns:p14="http://schemas.microsoft.com/office/powerpoint/2010/main" val="3892910494"/>
+        <p14:creationId xmlns:p14="http://schemas.microsoft.com/office/powerpoint/2010/main" val="2202349673"/>
       </p:ext>
     </p:extLst>
   </p:cSld>
@@ -3337,47 +4056,99 @@
             </a:br>
             <a:r>
               <a:rPr lang="en-GB" b="1" dirty="0"/>
-              <a:t>Worksheet signoff system</a:t>
-            </a:r>
-          </a:p>
-        </p:txBody>
-      </p:sp>
-      <p:pic>
-        <p:nvPicPr>
-          <p:cNvPr id="6" name="Content Placeholder 5">
-            <a:extLst>
-              <a:ext uri="{FF2B5EF4-FFF2-40B4-BE49-F238E27FC236}">
-                <a16:creationId xmlns:a16="http://schemas.microsoft.com/office/drawing/2014/main" id="{FAFE6A30-7CBE-44E0-BB9F-EFCC1D52EB2E}"/>
-              </a:ext>
-            </a:extLst>
-          </p:cNvPr>
-          <p:cNvPicPr>
-            <a:picLocks noGrp="1" noChangeAspect="1"/>
-          </p:cNvPicPr>
+              <a:t>Name badges</a:t>
+            </a:r>
+          </a:p>
+        </p:txBody>
+      </p:sp>
+      <p:sp>
+        <p:nvSpPr>
+          <p:cNvPr id="3" name="Content Placeholder 2"/>
+          <p:cNvSpPr>
+            <a:spLocks noGrp="1"/>
+          </p:cNvSpPr>
           <p:nvPr>
             <p:ph idx="1"/>
           </p:nvPr>
-        </p:nvPicPr>
-        <p:blipFill>
-          <a:blip r:embed="rId3"/>
-          <a:stretch>
-            <a:fillRect/>
-          </a:stretch>
-        </p:blipFill>
+        </p:nvSpPr>
         <p:spPr>
           <a:xfrm>
-            <a:off x="488424" y="1600200"/>
-            <a:ext cx="8167151" cy="4525963"/>
+            <a:off x="457200" y="1916832"/>
+            <a:ext cx="8229600" cy="4525963"/>
           </a:xfrm>
-          <a:prstGeom prst="rect">
-            <a:avLst/>
-          </a:prstGeom>
         </p:spPr>
-      </p:pic>
+        <p:txBody>
+          <a:bodyPr>
+            <a:normAutofit/>
+          </a:bodyPr>
+          <a:lstStyle/>
+          <a:p>
+            <a:r>
+              <a:rPr lang="en-GB" sz="4000" dirty="0"/>
+              <a:t>You will get a name badge.</a:t>
+            </a:r>
+          </a:p>
+          <a:p>
+            <a:r>
+              <a:rPr lang="en-GB" sz="4000" u="sng" dirty="0"/>
+              <a:t>Wear your name badge.</a:t>
+            </a:r>
+          </a:p>
+          <a:p>
+            <a:r>
+              <a:rPr lang="en-GB" sz="4000" dirty="0"/>
+              <a:t>You will be able to get them from </a:t>
+            </a:r>
+            <a:r>
+              <a:rPr lang="en-GB" sz="4000" dirty="0" err="1"/>
+              <a:t>compsci</a:t>
+            </a:r>
+            <a:r>
+              <a:rPr lang="en-GB" sz="4000" dirty="0"/>
+              <a:t> reception</a:t>
+            </a:r>
+          </a:p>
+          <a:p>
+            <a:endParaRPr lang="en-GB" sz="4000" u="sng" dirty="0"/>
+          </a:p>
+          <a:p>
+            <a:pPr marL="0" indent="0" algn="ctr">
+              <a:buNone/>
+            </a:pPr>
+            <a:r>
+              <a:rPr lang="en-GB" sz="2400" dirty="0"/>
+              <a:t>(you can guess why this has become necessary. Sorry. </a:t>
+            </a:r>
+          </a:p>
+          <a:p>
+            <a:pPr marL="0" indent="0" algn="ctr">
+              <a:buNone/>
+            </a:pPr>
+            <a:r>
+              <a:rPr lang="en-GB" sz="2400" dirty="0"/>
+              <a:t>I don’t like it either.)</a:t>
+            </a:r>
+          </a:p>
+          <a:p>
+            <a:pPr lvl="0"/>
+            <a:endParaRPr lang="en-GB" dirty="0"/>
+          </a:p>
+          <a:p>
+            <a:pPr lvl="0"/>
+            <a:endParaRPr lang="en-GB" dirty="0"/>
+          </a:p>
+          <a:p>
+            <a:pPr marL="0" indent="0">
+              <a:buNone/>
+            </a:pPr>
+            <a:endParaRPr lang="en-GB" dirty="0"/>
+          </a:p>
+        </p:txBody>
+      </p:sp>
     </p:spTree>
     <p:extLst>
       <p:ext uri="{BB962C8B-B14F-4D97-AF65-F5344CB8AC3E}">
-        <p14:creationId xmlns:p14="http://schemas.microsoft.com/office/powerpoint/2010/main" val="1259174857"/>
+        <p14:creationId xmlns:p14="http://schemas.microsoft.com/office/powerpoint/2010/main" val="2279379810"/>
       </p:ext>
     </p:extLst>
   </p:cSld>
@@ -3417,81 +4188,53 @@
       </p:grpSpPr>
       <p:sp>
         <p:nvSpPr>
-          <p:cNvPr id="2" name="Title 1"/>
-          <p:cNvSpPr>
-            <a:spLocks noGrp="1"/>
-          </p:cNvSpPr>
-          <p:nvPr>
-            <p:ph type="title"/>
-          </p:nvPr>
+          <p:cNvPr id="2" name="Rectangle 1"/>
+          <p:cNvSpPr/>
+          <p:nvPr/>
         </p:nvSpPr>
         <p:spPr>
           <a:xfrm>
-            <a:off x="457200" y="274638"/>
-            <a:ext cx="8229600" cy="634082"/>
-          </a:xfrm>
-        </p:spPr>
-        <p:txBody>
-          <a:bodyPr>
-            <a:normAutofit fontScale="90000"/>
-          </a:bodyPr>
-          <a:lstStyle/>
-          <a:p>
-            <a:br>
-              <a:rPr lang="en-GB" dirty="0"/>
-            </a:br>
-            <a:br>
-              <a:rPr lang="en-GB" dirty="0"/>
-            </a:br>
-            <a:r>
-              <a:rPr lang="en-GB" b="1" dirty="0"/>
-              <a:t>Worksheet signoff system</a:t>
-            </a:r>
-          </a:p>
-        </p:txBody>
-      </p:sp>
-      <p:pic>
-        <p:nvPicPr>
-          <p:cNvPr id="7" name="Content Placeholder 6">
-            <a:extLst>
-              <a:ext uri="{FF2B5EF4-FFF2-40B4-BE49-F238E27FC236}">
-                <a16:creationId xmlns:a16="http://schemas.microsoft.com/office/drawing/2014/main" id="{62E94EB5-BFD8-4D7C-8D56-B1C997FCD95C}"/>
-              </a:ext>
-            </a:extLst>
-          </p:cNvPr>
-          <p:cNvPicPr>
-            <a:picLocks noGrp="1" noChangeAspect="1"/>
-          </p:cNvPicPr>
-          <p:nvPr>
-            <p:ph idx="1"/>
-          </p:nvPr>
-        </p:nvPicPr>
-        <p:blipFill>
-          <a:blip r:embed="rId3"/>
-          <a:stretch>
-            <a:fillRect/>
-          </a:stretch>
-        </p:blipFill>
-        <p:spPr>
-          <a:xfrm>
-            <a:off x="457200" y="1634331"/>
-            <a:ext cx="8229600" cy="4457700"/>
+            <a:off x="683568" y="1797784"/>
+            <a:ext cx="7776864" cy="2523768"/>
           </a:xfrm>
           <a:prstGeom prst="rect">
             <a:avLst/>
           </a:prstGeom>
         </p:spPr>
-      </p:pic>
+        <p:txBody>
+          <a:bodyPr wrap="square">
+            <a:spAutoFit/>
+          </a:bodyPr>
+          <a:lstStyle/>
+          <a:p>
+            <a:pPr algn="ctr"/>
+            <a:endParaRPr lang="en-GB" sz="6600" b="1" dirty="0"/>
+          </a:p>
+          <a:p>
+            <a:pPr algn="ctr"/>
+            <a:r>
+              <a:rPr lang="en-GB" sz="4400" b="1" dirty="0"/>
+              <a:t>Health, Safety and Employment</a:t>
+            </a:r>
+            <a:endParaRPr lang="en-GB" sz="4800" dirty="0"/>
+          </a:p>
+          <a:p>
+            <a:pPr algn="ctr"/>
+            <a:endParaRPr lang="en-GB" sz="4800" dirty="0"/>
+          </a:p>
+        </p:txBody>
+      </p:sp>
     </p:spTree>
     <p:extLst>
       <p:ext uri="{BB962C8B-B14F-4D97-AF65-F5344CB8AC3E}">
-        <p14:creationId xmlns:p14="http://schemas.microsoft.com/office/powerpoint/2010/main" val="2681206956"/>
+        <p14:creationId xmlns:p14="http://schemas.microsoft.com/office/powerpoint/2010/main" val="3144852333"/>
       </p:ext>
     </p:extLst>
   </p:cSld>
   <p:clrMapOvr>
     <a:masterClrMapping/>
   </p:clrMapOvr>
+  <p:transition/>
 </p:sld>
 </file>
 
@@ -3533,12 +4276,7 @@
             <p:ph type="title"/>
           </p:nvPr>
         </p:nvSpPr>
-        <p:spPr>
-          <a:xfrm>
-            <a:off x="457200" y="274638"/>
-            <a:ext cx="8229600" cy="634082"/>
-          </a:xfrm>
-        </p:spPr>
+        <p:spPr/>
         <p:txBody>
           <a:bodyPr>
             <a:normAutofit fontScale="90000"/>
@@ -3548,52 +4286,73 @@
             <a:br>
               <a:rPr lang="en-GB" dirty="0"/>
             </a:br>
-            <a:br>
-              <a:rPr lang="en-GB" dirty="0"/>
-            </a:br>
             <a:r>
               <a:rPr lang="en-GB" b="1" dirty="0"/>
-              <a:t>Worksheet signoff system</a:t>
-            </a:r>
-          </a:p>
-        </p:txBody>
-      </p:sp>
-      <p:pic>
-        <p:nvPicPr>
-          <p:cNvPr id="8" name="Content Placeholder 7">
-            <a:extLst>
-              <a:ext uri="{FF2B5EF4-FFF2-40B4-BE49-F238E27FC236}">
-                <a16:creationId xmlns:a16="http://schemas.microsoft.com/office/drawing/2014/main" id="{A652DB6C-0494-4DB4-8612-57AEA162DD6D}"/>
-              </a:ext>
-            </a:extLst>
-          </p:cNvPr>
-          <p:cNvPicPr>
-            <a:picLocks noGrp="1" noChangeAspect="1"/>
-          </p:cNvPicPr>
+              <a:t>Emergencies</a:t>
+            </a:r>
+          </a:p>
+        </p:txBody>
+      </p:sp>
+      <p:sp>
+        <p:nvSpPr>
+          <p:cNvPr id="3" name="Content Placeholder 2"/>
+          <p:cNvSpPr>
+            <a:spLocks noGrp="1"/>
+          </p:cNvSpPr>
           <p:nvPr>
             <p:ph idx="1"/>
           </p:nvPr>
-        </p:nvPicPr>
-        <p:blipFill>
-          <a:blip r:embed="rId3"/>
-          <a:stretch>
-            <a:fillRect/>
-          </a:stretch>
-        </p:blipFill>
-        <p:spPr>
-          <a:xfrm>
-            <a:off x="457200" y="1634331"/>
-            <a:ext cx="8229600" cy="4457700"/>
-          </a:xfrm>
-          <a:prstGeom prst="rect">
-            <a:avLst/>
-          </a:prstGeom>
-        </p:spPr>
-      </p:pic>
+        </p:nvSpPr>
+        <p:spPr/>
+        <p:txBody>
+          <a:bodyPr>
+            <a:normAutofit/>
+          </a:bodyPr>
+          <a:lstStyle/>
+          <a:p>
+            <a:pPr lvl="0"/>
+            <a:r>
+              <a:rPr lang="en-GB" sz="2800" dirty="0"/>
+              <a:t>You are not alone and responsible for everything – ask for help</a:t>
+            </a:r>
+          </a:p>
+          <a:p>
+            <a:pPr lvl="0"/>
+            <a:r>
+              <a:rPr lang="en-GB" sz="2800" dirty="0"/>
+              <a:t>We try to have more experienced demonstrators available, and the lecturer will always be available</a:t>
+            </a:r>
+          </a:p>
+          <a:p>
+            <a:pPr lvl="0"/>
+            <a:r>
+              <a:rPr lang="en-GB" sz="2800" dirty="0"/>
+              <a:t>Fire </a:t>
+            </a:r>
+          </a:p>
+          <a:p>
+            <a:pPr lvl="0"/>
+            <a:r>
+              <a:rPr lang="en-GB" sz="2800" dirty="0"/>
+              <a:t>Illness – look for first aiders</a:t>
+            </a:r>
+          </a:p>
+          <a:p>
+            <a:pPr lvl="0"/>
+            <a:r>
+              <a:rPr lang="en-GB" sz="2800" dirty="0"/>
+              <a:t>Disruptiveness – seek help from lecturing staff </a:t>
+            </a:r>
+          </a:p>
+          <a:p>
+            <a:endParaRPr lang="en-GB" sz="2800" dirty="0"/>
+          </a:p>
+        </p:txBody>
+      </p:sp>
     </p:spTree>
     <p:extLst>
       <p:ext uri="{BB962C8B-B14F-4D97-AF65-F5344CB8AC3E}">
-        <p14:creationId xmlns:p14="http://schemas.microsoft.com/office/powerpoint/2010/main" val="3772685921"/>
+        <p14:creationId xmlns:p14="http://schemas.microsoft.com/office/powerpoint/2010/main" val="2439188838"/>
       </p:ext>
     </p:extLst>
   </p:cSld>
@@ -3641,12 +4400,7 @@
             <p:ph type="title"/>
           </p:nvPr>
         </p:nvSpPr>
-        <p:spPr>
-          <a:xfrm>
-            <a:off x="457200" y="274638"/>
-            <a:ext cx="8229600" cy="634082"/>
-          </a:xfrm>
-        </p:spPr>
+        <p:spPr/>
         <p:txBody>
           <a:bodyPr>
             <a:normAutofit fontScale="90000"/>
@@ -3656,52 +4410,79 @@
             <a:br>
               <a:rPr lang="en-GB" dirty="0"/>
             </a:br>
-            <a:br>
+            <a:r>
+              <a:rPr lang="en-GB" b="1" dirty="0"/>
+              <a:t>Emergency contacts</a:t>
+            </a:r>
+          </a:p>
+        </p:txBody>
+      </p:sp>
+      <p:sp>
+        <p:nvSpPr>
+          <p:cNvPr id="3" name="Content Placeholder 2"/>
+          <p:cNvSpPr>
+            <a:spLocks noGrp="1"/>
+          </p:cNvSpPr>
+          <p:nvPr>
+            <p:ph idx="1"/>
+          </p:nvPr>
+        </p:nvSpPr>
+        <p:spPr/>
+        <p:txBody>
+          <a:bodyPr>
+            <a:normAutofit/>
+          </a:bodyPr>
+          <a:lstStyle/>
+          <a:p>
+            <a:pPr marL="457200" lvl="1" indent="0">
+              <a:buNone/>
+            </a:pPr>
+            <a:r>
               <a:rPr lang="en-GB" dirty="0"/>
-            </a:br>
-            <a:r>
-              <a:rPr lang="en-GB" b="1" dirty="0"/>
-              <a:t>Worksheet signoff system</a:t>
-            </a:r>
-          </a:p>
-        </p:txBody>
-      </p:sp>
-      <p:pic>
-        <p:nvPicPr>
-          <p:cNvPr id="5" name="Content Placeholder 4">
-            <a:extLst>
-              <a:ext uri="{FF2B5EF4-FFF2-40B4-BE49-F238E27FC236}">
-                <a16:creationId xmlns:a16="http://schemas.microsoft.com/office/drawing/2014/main" id="{8E68A008-70C3-4B82-AEE4-9595A15B118D}"/>
-              </a:ext>
-            </a:extLst>
-          </p:cNvPr>
-          <p:cNvPicPr>
-            <a:picLocks noGrp="1" noChangeAspect="1"/>
-          </p:cNvPicPr>
-          <p:nvPr>
-            <p:ph idx="1"/>
-          </p:nvPr>
-        </p:nvPicPr>
-        <p:blipFill>
-          <a:blip r:embed="rId3"/>
-          <a:stretch>
-            <a:fillRect/>
-          </a:stretch>
-        </p:blipFill>
-        <p:spPr>
-          <a:xfrm>
-            <a:off x="457200" y="1634331"/>
-            <a:ext cx="8229600" cy="4457700"/>
-          </a:xfrm>
-          <a:prstGeom prst="rect">
-            <a:avLst/>
-          </a:prstGeom>
-        </p:spPr>
-      </p:pic>
+              <a:t>It is very unlikely you’ll need these numbers, but:</a:t>
+            </a:r>
+          </a:p>
+          <a:p>
+            <a:pPr lvl="1">
+              <a:buFont typeface="Arial" panose="020B0604020202020204" pitchFamily="34" charset="0"/>
+              <a:buChar char="•"/>
+            </a:pPr>
+            <a:r>
+              <a:rPr lang="en-GB" dirty="0"/>
+              <a:t>In emergencies, call 2424 on an internal phone (01970 622424 on a mobile) for </a:t>
+            </a:r>
+            <a:r>
+              <a:rPr lang="en-GB" dirty="0" err="1"/>
+              <a:t>CompSci</a:t>
+            </a:r>
+            <a:r>
+              <a:rPr lang="en-GB" dirty="0"/>
+              <a:t> reception.</a:t>
+            </a:r>
+          </a:p>
+          <a:p>
+            <a:pPr lvl="1">
+              <a:buFont typeface="Arial" panose="020B0604020202020204" pitchFamily="34" charset="0"/>
+              <a:buChar char="•"/>
+            </a:pPr>
+            <a:r>
+              <a:rPr lang="en-GB" dirty="0"/>
+              <a:t>In extreme cases, call 2649 for Security at the porter’s lodge.</a:t>
+            </a:r>
+          </a:p>
+          <a:p>
+            <a:pPr>
+              <a:buFont typeface="Arial" panose="020B0604020202020204" pitchFamily="34" charset="0"/>
+              <a:buChar char="•"/>
+            </a:pPr>
+            <a:endParaRPr lang="en-GB" dirty="0"/>
+          </a:p>
+        </p:txBody>
+      </p:sp>
     </p:spTree>
     <p:extLst>
       <p:ext uri="{BB962C8B-B14F-4D97-AF65-F5344CB8AC3E}">
-        <p14:creationId xmlns:p14="http://schemas.microsoft.com/office/powerpoint/2010/main" val="2985795587"/>
+        <p14:creationId xmlns:p14="http://schemas.microsoft.com/office/powerpoint/2010/main" val="735746091"/>
       </p:ext>
     </p:extLst>
   </p:cSld>
@@ -3749,12 +4530,7 @@
             <p:ph type="title"/>
           </p:nvPr>
         </p:nvSpPr>
-        <p:spPr>
-          <a:xfrm>
-            <a:off x="457200" y="274638"/>
-            <a:ext cx="8229600" cy="634082"/>
-          </a:xfrm>
-        </p:spPr>
+        <p:spPr/>
         <p:txBody>
           <a:bodyPr>
             <a:normAutofit fontScale="90000"/>
@@ -3765,51 +4541,90 @@
               <a:rPr lang="en-GB" dirty="0"/>
             </a:br>
             <a:br>
-              <a:rPr lang="en-GB" dirty="0"/>
+              <a:rPr lang="en-GB" b="1" dirty="0"/>
             </a:br>
             <a:r>
               <a:rPr lang="en-GB" b="1" dirty="0"/>
-              <a:t>Worksheet signoff system</a:t>
-            </a:r>
-          </a:p>
-        </p:txBody>
-      </p:sp>
-      <p:pic>
-        <p:nvPicPr>
-          <p:cNvPr id="6" name="Content Placeholder 5">
-            <a:extLst>
-              <a:ext uri="{FF2B5EF4-FFF2-40B4-BE49-F238E27FC236}">
-                <a16:creationId xmlns:a16="http://schemas.microsoft.com/office/drawing/2014/main" id="{CB08D1CC-B734-422D-BC06-781827436997}"/>
-              </a:ext>
-            </a:extLst>
-          </p:cNvPr>
-          <p:cNvPicPr>
-            <a:picLocks noGrp="1" noChangeAspect="1"/>
-          </p:cNvPicPr>
+              <a:t>Practicalities</a:t>
+            </a:r>
+          </a:p>
+        </p:txBody>
+      </p:sp>
+      <p:sp>
+        <p:nvSpPr>
+          <p:cNvPr id="3" name="Content Placeholder 2"/>
+          <p:cNvSpPr>
+            <a:spLocks noGrp="1"/>
+          </p:cNvSpPr>
           <p:nvPr>
             <p:ph idx="1"/>
           </p:nvPr>
-        </p:nvPicPr>
-        <p:blipFill>
-          <a:blip r:embed="rId3"/>
-          <a:stretch>
-            <a:fillRect/>
-          </a:stretch>
-        </p:blipFill>
-        <p:spPr>
-          <a:xfrm>
-            <a:off x="457200" y="1634331"/>
-            <a:ext cx="8229600" cy="4457700"/>
-          </a:xfrm>
-          <a:prstGeom prst="rect">
-            <a:avLst/>
-          </a:prstGeom>
-        </p:spPr>
-      </p:pic>
+        </p:nvSpPr>
+        <p:spPr/>
+        <p:txBody>
+          <a:bodyPr>
+            <a:normAutofit/>
+          </a:bodyPr>
+          <a:lstStyle/>
+          <a:p>
+            <a:pPr lvl="0"/>
+            <a:endParaRPr lang="en-GB" sz="2800" dirty="0"/>
+          </a:p>
+          <a:p>
+            <a:r>
+              <a:rPr lang="en-GB" sz="2800" dirty="0"/>
+              <a:t>Register on </a:t>
+            </a:r>
+            <a:r>
+              <a:rPr lang="en-GB" sz="2800" dirty="0" err="1"/>
+              <a:t>Aberworks</a:t>
+            </a:r>
+            <a:endParaRPr lang="en-GB" sz="2800" dirty="0"/>
+          </a:p>
+          <a:p>
+            <a:r>
+              <a:rPr lang="en-GB" sz="2800" dirty="0"/>
+              <a:t>Right to work checks</a:t>
+            </a:r>
+          </a:p>
+          <a:p>
+            <a:r>
+              <a:rPr lang="en-GB" sz="2800" dirty="0"/>
+              <a:t>Apply for role</a:t>
+            </a:r>
+          </a:p>
+          <a:p>
+            <a:r>
+              <a:rPr lang="en-GB" sz="2800" dirty="0"/>
+              <a:t>Check email regularly</a:t>
+            </a:r>
+          </a:p>
+          <a:p>
+            <a:pPr lvl="1"/>
+            <a:r>
+              <a:rPr lang="en-GB" sz="2400" dirty="0"/>
+              <a:t>May need to change sessions</a:t>
+            </a:r>
+          </a:p>
+          <a:p>
+            <a:pPr lvl="1"/>
+            <a:r>
+              <a:rPr lang="en-GB" sz="2400" dirty="0"/>
+              <a:t>May need substitutes due to illness etc.</a:t>
+            </a:r>
+          </a:p>
+          <a:p>
+            <a:r>
+              <a:rPr lang="en-GB" sz="2800" dirty="0"/>
+              <a:t>Payment by monthly timesheet…</a:t>
+            </a:r>
+          </a:p>
+        </p:txBody>
+      </p:sp>
     </p:spTree>
     <p:extLst>
       <p:ext uri="{BB962C8B-B14F-4D97-AF65-F5344CB8AC3E}">
-        <p14:creationId xmlns:p14="http://schemas.microsoft.com/office/powerpoint/2010/main" val="1927742201"/>
+        <p14:creationId xmlns:p14="http://schemas.microsoft.com/office/powerpoint/2010/main" val="3170940212"/>
       </p:ext>
     </p:extLst>
   </p:cSld>
@@ -3873,86 +4688,106 @@
               <a:rPr lang="en-GB" dirty="0"/>
             </a:br>
             <a:br>
-              <a:rPr lang="en-GB" dirty="0"/>
+              <a:rPr lang="en-GB" b="1" dirty="0"/>
             </a:br>
             <a:r>
               <a:rPr lang="en-GB" b="1" dirty="0"/>
-              <a:t>Queuing system</a:t>
-            </a:r>
-          </a:p>
-        </p:txBody>
-      </p:sp>
-      <p:pic>
-        <p:nvPicPr>
-          <p:cNvPr id="7" name="Content Placeholder 6">
-            <a:extLst>
-              <a:ext uri="{FF2B5EF4-FFF2-40B4-BE49-F238E27FC236}">
-                <a16:creationId xmlns:a16="http://schemas.microsoft.com/office/drawing/2014/main" id="{671706E8-1841-463E-B61D-6AC24B5D6624}"/>
-              </a:ext>
-            </a:extLst>
-          </p:cNvPr>
-          <p:cNvPicPr>
-            <a:picLocks noGrp="1" noChangeAspect="1"/>
-          </p:cNvPicPr>
+              <a:t>Payment</a:t>
+            </a:r>
+          </a:p>
+        </p:txBody>
+      </p:sp>
+      <p:sp>
+        <p:nvSpPr>
+          <p:cNvPr id="3" name="Content Placeholder 2"/>
+          <p:cNvSpPr>
+            <a:spLocks noGrp="1"/>
+          </p:cNvSpPr>
           <p:nvPr>
             <p:ph idx="1"/>
           </p:nvPr>
-        </p:nvPicPr>
-        <p:blipFill>
-          <a:blip r:embed="rId3"/>
-          <a:stretch>
-            <a:fillRect/>
-          </a:stretch>
-        </p:blipFill>
-        <p:spPr>
-          <a:xfrm>
-            <a:off x="457200" y="1634331"/>
-            <a:ext cx="8229600" cy="4457700"/>
-          </a:xfrm>
-          <a:prstGeom prst="rect">
-            <a:avLst/>
-          </a:prstGeom>
-        </p:spPr>
-      </p:pic>
-      <p:sp>
-        <p:nvSpPr>
-          <p:cNvPr id="8" name="TextBox 7">
-            <a:extLst>
-              <a:ext uri="{FF2B5EF4-FFF2-40B4-BE49-F238E27FC236}">
-                <a16:creationId xmlns:a16="http://schemas.microsoft.com/office/drawing/2014/main" id="{8B67FBC2-E58A-4B82-803A-9ABE947E2180}"/>
-              </a:ext>
-            </a:extLst>
-          </p:cNvPr>
-          <p:cNvSpPr txBox="1"/>
-          <p:nvPr/>
-        </p:nvSpPr>
-        <p:spPr>
-          <a:xfrm>
-            <a:off x="3779912" y="4626637"/>
-            <a:ext cx="3384376" cy="1477328"/>
-          </a:xfrm>
-          <a:prstGeom prst="rect">
-            <a:avLst/>
-          </a:prstGeom>
-          <a:noFill/>
-        </p:spPr>
-        <p:txBody>
-          <a:bodyPr wrap="square" rtlCol="0">
-            <a:spAutoFit/>
+        </p:nvSpPr>
+        <p:spPr/>
+        <p:txBody>
+          <a:bodyPr>
+            <a:normAutofit/>
           </a:bodyPr>
           <a:lstStyle/>
           <a:p>
             <a:r>
-              <a:rPr lang="en-GB" dirty="0"/>
-              <a:t>This will only show a queue when you have a session running. Click on “New Student” to start helping a student. Computer numbers are stuck onto the computers.</a:t>
-            </a:r>
+              <a:rPr lang="en-GB" sz="2800" dirty="0"/>
+              <a:t>Monthly timesheet template from website	</a:t>
+            </a:r>
+          </a:p>
+          <a:p>
+            <a:pPr marL="0" indent="0" algn="ctr">
+              <a:buNone/>
+            </a:pPr>
+            <a:r>
+              <a:rPr lang="en-GB" sz="2000" dirty="0">
+                <a:hlinkClick r:id="rId3"/>
+              </a:rPr>
+              <a:t>https://users.aber.ac.uk/jcf12/teaching/demonstrating/landing/</a:t>
+            </a:r>
+            <a:endParaRPr lang="en-GB" sz="2000" dirty="0"/>
+          </a:p>
+          <a:p>
+            <a:r>
+              <a:rPr lang="en-GB" sz="2800" dirty="0"/>
+              <a:t>Complete timesheet once you’ve finished the teaching for a particular month</a:t>
+            </a:r>
+          </a:p>
+          <a:p>
+            <a:r>
+              <a:rPr lang="en-GB" sz="2800" dirty="0"/>
+              <a:t>Put </a:t>
+            </a:r>
+            <a:r>
+              <a:rPr lang="en-GB" sz="2800" u="sng" dirty="0"/>
+              <a:t>only</a:t>
+            </a:r>
+            <a:r>
+              <a:rPr lang="en-GB" sz="2800" dirty="0"/>
+              <a:t> sessions for that month on the sheet!</a:t>
+            </a:r>
+          </a:p>
+          <a:p>
+            <a:r>
+              <a:rPr lang="en-GB" sz="2800" dirty="0"/>
+              <a:t>Get the timesheet signed by module coordinator, and </a:t>
+            </a:r>
+            <a:r>
+              <a:rPr lang="en-GB" sz="2800" u="sng" dirty="0"/>
+              <a:t>email it as an attachment</a:t>
+            </a:r>
+            <a:r>
+              <a:rPr lang="en-GB" sz="2800" dirty="0"/>
+              <a:t> to </a:t>
+            </a:r>
+            <a:r>
+              <a:rPr lang="en-GB" sz="2800" dirty="0" err="1"/>
+              <a:t>Glenwen</a:t>
+            </a:r>
+            <a:endParaRPr lang="en-GB" sz="2800" dirty="0"/>
+          </a:p>
+          <a:p>
+            <a:r>
+              <a:rPr lang="en-GB" sz="2800" dirty="0"/>
+              <a:t>You will be paid at the end of the next month</a:t>
+            </a:r>
+          </a:p>
+          <a:p>
+            <a:pPr marL="0" indent="0">
+              <a:buNone/>
+            </a:pPr>
+            <a:endParaRPr lang="en-GB" sz="2800" dirty="0"/>
           </a:p>
         </p:txBody>
       </p:sp>
     </p:spTree>
     <p:extLst>
       <p:ext uri="{BB962C8B-B14F-4D97-AF65-F5344CB8AC3E}">
-        <p14:creationId xmlns:p14="http://schemas.microsoft.com/office/powerpoint/2010/main" val="1105454625"/>
+        <p14:creationId xmlns:p14="http://schemas.microsoft.com/office/powerpoint/2010/main" val="1743725458"/>
       </p:ext>
     </p:extLst>
   </p:cSld>
@@ -4016,11 +4851,11 @@
               <a:rPr lang="en-GB" dirty="0"/>
             </a:br>
             <a:br>
-              <a:rPr lang="en-GB" dirty="0"/>
+              <a:rPr lang="en-GB" b="1" dirty="0"/>
             </a:br>
             <a:r>
               <a:rPr lang="en-GB" b="1" dirty="0"/>
-              <a:t>Name badges</a:t>
+              <a:t>Payment</a:t>
             </a:r>
           </a:p>
         </p:txBody>
@@ -4043,36 +4878,37 @@
           <a:lstStyle/>
           <a:p>
             <a:r>
-              <a:rPr lang="en-GB" sz="4000" dirty="0"/>
-              <a:t>You will get a name badge.</a:t>
-            </a:r>
-          </a:p>
-          <a:p>
-            <a:r>
-              <a:rPr lang="en-GB" sz="4000" u="sng" dirty="0"/>
-              <a:t>Wear your name badge.</a:t>
-            </a:r>
-          </a:p>
-          <a:p>
-            <a:pPr lvl="0"/>
-            <a:endParaRPr lang="en-GB" dirty="0"/>
-          </a:p>
-          <a:p>
-            <a:pPr lvl="0"/>
-            <a:endParaRPr lang="en-GB" dirty="0"/>
-          </a:p>
-          <a:p>
-            <a:pPr marL="0" indent="0">
-              <a:buNone/>
-            </a:pPr>
-            <a:endParaRPr lang="en-GB" dirty="0"/>
+              <a:rPr lang="en-GB" sz="2800" dirty="0"/>
+              <a:t>Get timesheets in promptly – don’t save them up (this can cause Tax/NI problems)</a:t>
+            </a:r>
+          </a:p>
+          <a:p>
+            <a:r>
+              <a:rPr lang="en-GB" sz="2800" dirty="0"/>
+              <a:t>At Christmas get it in </a:t>
+            </a:r>
+            <a:r>
+              <a:rPr lang="en-GB" sz="2800" u="sng" dirty="0"/>
+              <a:t>before you leave</a:t>
+            </a:r>
+          </a:p>
+          <a:p>
+            <a:r>
+              <a:rPr lang="en-GB" sz="2800" u="sng" dirty="0"/>
+              <a:t>Deadlines are on the website</a:t>
+            </a:r>
+            <a:r>
+              <a:rPr lang="en-GB" sz="2800" dirty="0"/>
+              <a:t> (or will be soon)</a:t>
+            </a:r>
+            <a:endParaRPr lang="en-GB" sz="2800" u="sng" dirty="0"/>
           </a:p>
         </p:txBody>
       </p:sp>
     </p:spTree>
     <p:extLst>
       <p:ext uri="{BB962C8B-B14F-4D97-AF65-F5344CB8AC3E}">
-        <p14:creationId xmlns:p14="http://schemas.microsoft.com/office/powerpoint/2010/main" val="2279379810"/>
+        <p14:creationId xmlns:p14="http://schemas.microsoft.com/office/powerpoint/2010/main" val="758488583"/>
       </p:ext>
     </p:extLst>
   </p:cSld>
@@ -4136,11 +4972,11 @@
               <a:rPr lang="en-GB" dirty="0"/>
             </a:br>
             <a:br>
-              <a:rPr lang="en-GB" dirty="0"/>
+              <a:rPr lang="en-GB" b="1" dirty="0"/>
             </a:br>
             <a:r>
               <a:rPr lang="en-GB" b="1" dirty="0"/>
-              <a:t>Demonstrating</a:t>
+              <a:t>Admin contacts</a:t>
             </a:r>
           </a:p>
         </p:txBody>
@@ -4158,83 +4994,88 @@
         <p:spPr/>
         <p:txBody>
           <a:bodyPr>
-            <a:normAutofit fontScale="62500" lnSpcReduction="20000"/>
+            <a:normAutofit/>
           </a:bodyPr>
           <a:lstStyle/>
           <a:p>
             <a:r>
-              <a:rPr lang="en-GB" sz="4000" dirty="0"/>
-              <a:t>Read the worksheet in advance!</a:t>
-            </a:r>
-          </a:p>
-          <a:p>
-            <a:r>
-              <a:rPr lang="en-GB" sz="4000" dirty="0"/>
-              <a:t>You don’t have to know everything, you can get help from the lecturer</a:t>
-            </a:r>
-          </a:p>
-          <a:p>
-            <a:r>
-              <a:rPr lang="en-GB" sz="4000" dirty="0"/>
-              <a:t>Help students to work out the solution a step at a time</a:t>
-            </a:r>
-          </a:p>
-          <a:p>
-            <a:r>
-              <a:rPr lang="en-GB" sz="4000" dirty="0"/>
-              <a:t>Ask them to describe the problem as precisely as they can</a:t>
-            </a:r>
-          </a:p>
-          <a:p>
-            <a:r>
-              <a:rPr lang="en-GB" sz="4000" dirty="0"/>
-              <a:t>Don’t do the work for them – easy to do that incrementally</a:t>
-            </a:r>
-          </a:p>
-          <a:p>
-            <a:r>
-              <a:rPr lang="en-GB" sz="4000" dirty="0"/>
-              <a:t>Needs to be their work, their way</a:t>
-            </a:r>
-          </a:p>
-          <a:p>
-            <a:r>
-              <a:rPr lang="en-GB" sz="4000" dirty="0"/>
-              <a:t>Be aware of plagiarism</a:t>
-            </a:r>
-          </a:p>
-          <a:p>
-            <a:r>
-              <a:rPr lang="en-GB" sz="4000" dirty="0"/>
-              <a:t>Try to be available to all students</a:t>
-            </a:r>
-          </a:p>
-          <a:p>
-            <a:r>
-              <a:rPr lang="en-GB" sz="4000" dirty="0"/>
-              <a:t>Be relaxed</a:t>
-            </a:r>
-          </a:p>
-          <a:p>
-            <a:pPr lvl="0"/>
-            <a:endParaRPr lang="en-GB" dirty="0"/>
-          </a:p>
-          <a:p>
-            <a:pPr lvl="0"/>
-            <a:endParaRPr lang="en-GB" dirty="0"/>
-          </a:p>
-          <a:p>
-            <a:pPr marL="0" indent="0">
-              <a:buNone/>
-            </a:pPr>
-            <a:endParaRPr lang="en-GB" dirty="0"/>
+              <a:rPr lang="en-GB" sz="2800" dirty="0"/>
+              <a:t>Payment/timesheet issues:</a:t>
+            </a:r>
+          </a:p>
+          <a:p>
+            <a:pPr lvl="1"/>
+            <a:r>
+              <a:rPr lang="en-GB" sz="2400" dirty="0" err="1"/>
+              <a:t>Glenwen</a:t>
+            </a:r>
+            <a:r>
+              <a:rPr lang="en-GB" sz="2400" dirty="0"/>
+              <a:t> Morgans </a:t>
+            </a:r>
+            <a:r>
+              <a:rPr lang="en-GB" sz="2400" dirty="0">
+                <a:hlinkClick r:id="rId3"/>
+              </a:rPr>
+              <a:t>gsm@aber.ac.uk</a:t>
+            </a:r>
+            <a:endParaRPr lang="en-GB" sz="2400" dirty="0"/>
+          </a:p>
+          <a:p>
+            <a:r>
+              <a:rPr lang="en-GB" sz="2800" dirty="0"/>
+              <a:t>Scheduling and employment:</a:t>
+            </a:r>
+          </a:p>
+          <a:p>
+            <a:pPr lvl="1"/>
+            <a:r>
+              <a:rPr lang="en-GB" sz="2400" dirty="0"/>
+              <a:t>Carys Pike </a:t>
+            </a:r>
+            <a:r>
+              <a:rPr lang="en-GB" sz="2400" dirty="0">
+                <a:hlinkClick r:id="rId4"/>
+              </a:rPr>
+              <a:t>cyl@aber.ac.uk</a:t>
+            </a:r>
+            <a:endParaRPr lang="en-GB" sz="2400" dirty="0"/>
+          </a:p>
+          <a:p>
+            <a:r>
+              <a:rPr lang="en-GB" sz="2800" dirty="0"/>
+              <a:t>Other issues:</a:t>
+            </a:r>
+          </a:p>
+          <a:p>
+            <a:pPr lvl="1"/>
+            <a:r>
+              <a:rPr lang="en-GB" sz="2400" dirty="0"/>
+              <a:t>Jim Finnis (me): </a:t>
+            </a:r>
+            <a:r>
+              <a:rPr lang="en-GB" sz="2400" dirty="0">
+                <a:hlinkClick r:id="rId5"/>
+              </a:rPr>
+              <a:t>jcf12@aber.ac.uk</a:t>
+            </a:r>
+            <a:endParaRPr lang="en-GB" sz="2400" dirty="0"/>
+          </a:p>
+          <a:p>
+            <a:endParaRPr lang="en-GB" sz="2800" dirty="0"/>
+          </a:p>
+          <a:p>
+            <a:r>
+              <a:rPr lang="en-GB" sz="2800" dirty="0"/>
+              <a:t>We also have a Discord. I’ll send out invites by email.</a:t>
+            </a:r>
           </a:p>
         </p:txBody>
       </p:sp>
     </p:spTree>
     <p:extLst>
       <p:ext uri="{BB962C8B-B14F-4D97-AF65-F5344CB8AC3E}">
-        <p14:creationId xmlns:p14="http://schemas.microsoft.com/office/powerpoint/2010/main" val="3220413897"/>
+        <p14:creationId xmlns:p14="http://schemas.microsoft.com/office/powerpoint/2010/main" val="4252872086"/>
       </p:ext>
     </p:extLst>
   </p:cSld>
@@ -4274,115 +5115,56 @@
       </p:grpSpPr>
       <p:sp>
         <p:nvSpPr>
-          <p:cNvPr id="2" name="Title 1"/>
-          <p:cNvSpPr>
-            <a:spLocks noGrp="1"/>
-          </p:cNvSpPr>
-          <p:nvPr>
-            <p:ph type="title"/>
-          </p:nvPr>
+          <p:cNvPr id="2" name="Rectangle 1"/>
+          <p:cNvSpPr/>
+          <p:nvPr/>
         </p:nvSpPr>
         <p:spPr>
           <a:xfrm>
-            <a:off x="457200" y="274638"/>
-            <a:ext cx="8229600" cy="634082"/>
+            <a:off x="683568" y="1797784"/>
+            <a:ext cx="7776864" cy="3262432"/>
           </a:xfrm>
+          <a:prstGeom prst="rect">
+            <a:avLst/>
+          </a:prstGeom>
         </p:spPr>
         <p:txBody>
-          <a:bodyPr>
-            <a:normAutofit fontScale="90000"/>
+          <a:bodyPr wrap="square">
+            <a:spAutoFit/>
           </a:bodyPr>
           <a:lstStyle/>
           <a:p>
-            <a:br>
-              <a:rPr lang="en-GB" dirty="0"/>
-            </a:br>
-            <a:br>
-              <a:rPr lang="en-GB" dirty="0"/>
-            </a:br>
-            <a:r>
-              <a:rPr lang="en-GB" b="1" dirty="0"/>
-              <a:t>Kent (adj.)</a:t>
-            </a:r>
-          </a:p>
-        </p:txBody>
-      </p:sp>
-      <p:sp>
-        <p:nvSpPr>
-          <p:cNvPr id="3" name="Content Placeholder 2"/>
-          <p:cNvSpPr>
-            <a:spLocks noGrp="1"/>
-          </p:cNvSpPr>
-          <p:nvPr>
-            <p:ph idx="1"/>
-          </p:nvPr>
-        </p:nvSpPr>
-        <p:spPr/>
-        <p:txBody>
-          <a:bodyPr>
-            <a:normAutofit/>
-          </a:bodyPr>
-          <a:lstStyle/>
-          <a:p>
-            <a:pPr marL="0" lvl="0" indent="0">
-              <a:buNone/>
-            </a:pPr>
-            <a:r>
-              <a:rPr lang="en-GB" dirty="0"/>
-              <a:t>Politely determined not to help despite a violent urge to the contrary. </a:t>
-            </a:r>
-            <a:r>
-              <a:rPr lang="en-GB" i="1" dirty="0"/>
-              <a:t>Kent</a:t>
-            </a:r>
-            <a:r>
-              <a:rPr lang="en-GB" dirty="0"/>
-              <a:t> expressions are seen on the faces of people who are good at something watching someone else who can't do it at all.</a:t>
-            </a:r>
-          </a:p>
-          <a:p>
-            <a:pPr marL="0" lvl="0" indent="0">
-              <a:buNone/>
-            </a:pPr>
-            <a:endParaRPr lang="en-GB" dirty="0"/>
-          </a:p>
-          <a:p>
-            <a:pPr marL="0" lvl="0" indent="0" algn="r">
-              <a:buNone/>
-            </a:pPr>
-            <a:r>
-              <a:rPr lang="en-GB" dirty="0"/>
-              <a:t>   </a:t>
-            </a:r>
-            <a:r>
-              <a:rPr lang="en-GB" sz="2400" dirty="0"/>
-              <a:t>- </a:t>
-            </a:r>
-            <a:r>
-              <a:rPr lang="en-GB" sz="2400" i="1" dirty="0"/>
-              <a:t>The Meaning of </a:t>
-            </a:r>
-            <a:r>
-              <a:rPr lang="en-GB" sz="2400" i="1" dirty="0" err="1"/>
-              <a:t>Liff</a:t>
-            </a:r>
-            <a:r>
-              <a:rPr lang="en-GB" sz="2400" dirty="0"/>
-              <a:t> (Douglas Adams &amp; John Lloyd)</a:t>
-            </a:r>
+            <a:pPr algn="ctr"/>
+            <a:endParaRPr lang="en-GB" sz="6600" b="1" dirty="0"/>
+          </a:p>
+          <a:p>
+            <a:pPr algn="ctr"/>
+            <a:r>
+              <a:rPr lang="en-GB" sz="4400" b="1" dirty="0"/>
+              <a:t>How to Demonstrate</a:t>
+            </a:r>
+          </a:p>
+          <a:p>
+            <a:pPr algn="ctr"/>
+            <a:endParaRPr lang="en-GB" sz="4800" dirty="0"/>
+          </a:p>
+          <a:p>
+            <a:pPr algn="ctr"/>
+            <a:endParaRPr lang="en-GB" sz="4800" dirty="0"/>
           </a:p>
         </p:txBody>
       </p:sp>
     </p:spTree>
     <p:extLst>
       <p:ext uri="{BB962C8B-B14F-4D97-AF65-F5344CB8AC3E}">
-        <p14:creationId xmlns:p14="http://schemas.microsoft.com/office/powerpoint/2010/main" val="3932977631"/>
+        <p14:creationId xmlns:p14="http://schemas.microsoft.com/office/powerpoint/2010/main" val="2365418084"/>
       </p:ext>
     </p:extLst>
   </p:cSld>
   <p:clrMapOvr>
     <a:masterClrMapping/>
   </p:clrMapOvr>
+  <p:transition/>
 </p:sld>
 </file>
 
@@ -4543,7 +5325,7 @@
         <p:spPr>
           <a:xfrm>
             <a:off x="457200" y="274638"/>
-            <a:ext cx="8229600" cy="634082"/>
+            <a:ext cx="8229600" cy="1325562"/>
           </a:xfrm>
         </p:spPr>
         <p:txBody>
@@ -4555,12 +5337,9 @@
             <a:br>
               <a:rPr lang="en-GB" dirty="0"/>
             </a:br>
-            <a:br>
-              <a:rPr lang="en-GB" dirty="0"/>
-            </a:br>
             <a:r>
               <a:rPr lang="en-GB" b="1" dirty="0"/>
-              <a:t>Demonstrating</a:t>
+              <a:t>All modules are different</a:t>
             </a:r>
           </a:p>
         </p:txBody>
@@ -4575,34 +5354,33 @@
             <p:ph idx="1"/>
           </p:nvPr>
         </p:nvSpPr>
-        <p:spPr/>
+        <p:spPr>
+          <a:xfrm>
+            <a:off x="457200" y="1772816"/>
+            <a:ext cx="8229600" cy="4353347"/>
+          </a:xfrm>
+        </p:spPr>
         <p:txBody>
           <a:bodyPr>
             <a:normAutofit/>
           </a:bodyPr>
           <a:lstStyle/>
           <a:p>
+            <a:pPr lvl="0"/>
             <a:r>
               <a:rPr lang="en-GB" dirty="0"/>
-              <a:t>If you think a student can’t do it, and you show it, they will believe you. Don’t even think it.</a:t>
-            </a:r>
-          </a:p>
-          <a:p>
+              <a:t>I’ve tried to cover everything but will have missed things</a:t>
+            </a:r>
+          </a:p>
+          <a:p>
+            <a:pPr lvl="0"/>
             <a:r>
               <a:rPr lang="en-GB" dirty="0"/>
-              <a:t>It is very easy to lose patience and become dismissive. This makes students “disengage.”</a:t>
-            </a:r>
-          </a:p>
-          <a:p>
-            <a:r>
-              <a:rPr lang="en-GB" dirty="0"/>
-              <a:t>This can sometimes be a real challenge.</a:t>
-            </a:r>
-          </a:p>
-          <a:p>
-            <a:pPr marL="0" indent="0">
-              <a:buNone/>
-            </a:pPr>
+              <a:t>If in doubt, talk to the module coordinator</a:t>
+            </a:r>
+          </a:p>
+          <a:p>
+            <a:pPr lvl="0"/>
             <a:endParaRPr lang="en-GB" dirty="0"/>
           </a:p>
         </p:txBody>
@@ -4610,7 +5388,7 @@
     </p:spTree>
     <p:extLst>
       <p:ext uri="{BB962C8B-B14F-4D97-AF65-F5344CB8AC3E}">
-        <p14:creationId xmlns:p14="http://schemas.microsoft.com/office/powerpoint/2010/main" val="2959751476"/>
+        <p14:creationId xmlns:p14="http://schemas.microsoft.com/office/powerpoint/2010/main" val="2266315273"/>
       </p:ext>
     </p:extLst>
   </p:cSld>
@@ -4668,58 +5446,104 @@
             <a:br>
               <a:rPr lang="en-GB" dirty="0"/>
             </a:br>
-            <a:br>
+            <a:r>
+              <a:rPr lang="en-GB" b="1" dirty="0"/>
+              <a:t>Responsibilities</a:t>
+            </a:r>
+          </a:p>
+        </p:txBody>
+      </p:sp>
+      <p:sp>
+        <p:nvSpPr>
+          <p:cNvPr id="3" name="Content Placeholder 2"/>
+          <p:cNvSpPr>
+            <a:spLocks noGrp="1"/>
+          </p:cNvSpPr>
+          <p:nvPr>
+            <p:ph idx="1"/>
+          </p:nvPr>
+        </p:nvSpPr>
+        <p:spPr/>
+        <p:txBody>
+          <a:bodyPr>
+            <a:normAutofit fontScale="92500" lnSpcReduction="20000"/>
+          </a:bodyPr>
+          <a:lstStyle/>
+          <a:p>
+            <a:pPr lvl="0"/>
+            <a:endParaRPr lang="en-GB" dirty="0"/>
+          </a:p>
+          <a:p>
+            <a:pPr lvl="0"/>
+            <a:r>
               <a:rPr lang="en-GB" dirty="0"/>
-            </a:br>
+              <a:t>Best ability is availability – </a:t>
+            </a:r>
             <a:r>
               <a:rPr lang="en-GB" b="1" dirty="0"/>
-              <a:t>End of session</a:t>
-            </a:r>
-          </a:p>
-        </p:txBody>
-      </p:sp>
-      <p:sp>
-        <p:nvSpPr>
-          <p:cNvPr id="3" name="Content Placeholder 2"/>
-          <p:cNvSpPr>
-            <a:spLocks noGrp="1"/>
-          </p:cNvSpPr>
-          <p:nvPr>
-            <p:ph idx="1"/>
-          </p:nvPr>
-        </p:nvSpPr>
-        <p:spPr/>
-        <p:txBody>
-          <a:bodyPr>
-            <a:normAutofit/>
-          </a:bodyPr>
-          <a:lstStyle/>
-          <a:p>
-            <a:pPr marL="0" lvl="0" indent="0">
+              <a:t>be on time</a:t>
+            </a:r>
+          </a:p>
+          <a:p>
+            <a:pPr lvl="0"/>
+            <a:r>
+              <a:rPr lang="en-GB" b="1" dirty="0"/>
+              <a:t>Be prepared </a:t>
+            </a:r>
+            <a:r>
+              <a:rPr lang="en-GB" dirty="0"/>
+              <a:t>for the class content</a:t>
+            </a:r>
+          </a:p>
+          <a:p>
+            <a:r>
+              <a:rPr lang="en-GB" b="1" dirty="0"/>
+              <a:t>Be proactive</a:t>
+            </a:r>
+            <a:r>
+              <a:rPr lang="en-GB" dirty="0"/>
+              <a:t> – don’t wait to be asked</a:t>
+            </a:r>
+          </a:p>
+          <a:p>
+            <a:r>
+              <a:rPr lang="en-GB" dirty="0"/>
+              <a:t>Be ready to interact with people</a:t>
+            </a:r>
+          </a:p>
+          <a:p>
+            <a:r>
+              <a:rPr lang="en-GB" dirty="0"/>
+              <a:t>Focus for the length of the class</a:t>
+            </a:r>
+          </a:p>
+          <a:p>
+            <a:r>
+              <a:rPr lang="en-GB" dirty="0"/>
+              <a:t>Don’t come if you are unwell – but </a:t>
+            </a:r>
+            <a:r>
+              <a:rPr lang="en-GB" b="1" dirty="0"/>
+              <a:t>let us know</a:t>
+            </a:r>
+          </a:p>
+          <a:p>
+            <a:pPr lvl="0"/>
+            <a:r>
+              <a:rPr lang="en-GB" dirty="0"/>
+              <a:t>Respect confidentiality</a:t>
+            </a:r>
+          </a:p>
+          <a:p>
+            <a:r>
+              <a:rPr lang="en-GB" dirty="0"/>
+              <a:t>Declare conflicts of interest</a:t>
+            </a:r>
+          </a:p>
+          <a:p>
+            <a:pPr marL="0" indent="0">
               <a:buNone/>
             </a:pPr>
-            <a:endParaRPr lang="en-GB" dirty="0"/>
-          </a:p>
-          <a:p>
-            <a:pPr lvl="0"/>
-            <a:r>
-              <a:rPr lang="en-GB" dirty="0"/>
-              <a:t>Try to make sure student work is reasonable before sign-off</a:t>
-            </a:r>
-          </a:p>
-          <a:p>
-            <a:r>
-              <a:rPr lang="en-GB" dirty="0"/>
-              <a:t>You need to know what the requirements are</a:t>
-            </a:r>
-          </a:p>
-          <a:p>
-            <a:r>
-              <a:rPr lang="en-GB" dirty="0"/>
-              <a:t>Feedback any issues to module coordinator</a:t>
-            </a:r>
-          </a:p>
-          <a:p>
             <a:endParaRPr lang="en-GB" dirty="0"/>
           </a:p>
         </p:txBody>
@@ -4727,7 +5551,7 @@
     </p:spTree>
     <p:extLst>
       <p:ext uri="{BB962C8B-B14F-4D97-AF65-F5344CB8AC3E}">
-        <p14:creationId xmlns:p14="http://schemas.microsoft.com/office/powerpoint/2010/main" val="4244559619"/>
+        <p14:creationId xmlns:p14="http://schemas.microsoft.com/office/powerpoint/2010/main" val="2958414851"/>
       </p:ext>
     </p:extLst>
   </p:cSld>
@@ -4775,7 +5599,12 @@
             <p:ph type="title"/>
           </p:nvPr>
         </p:nvSpPr>
-        <p:spPr/>
+        <p:spPr>
+          <a:xfrm>
+            <a:off x="457200" y="274638"/>
+            <a:ext cx="8229600" cy="634082"/>
+          </a:xfrm>
+        </p:spPr>
         <p:txBody>
           <a:bodyPr>
             <a:normAutofit fontScale="90000"/>
@@ -4783,14 +5612,14 @@
           <a:lstStyle/>
           <a:p>
             <a:br>
-              <a:rPr lang="en-GB" u="sng" dirty="0"/>
+              <a:rPr lang="en-GB" dirty="0"/>
             </a:br>
             <a:br>
-              <a:rPr lang="en-GB" u="sng" dirty="0"/>
+              <a:rPr lang="en-GB" dirty="0"/>
             </a:br>
             <a:r>
-              <a:rPr lang="en-GB" b="1" u="sng" dirty="0"/>
-              <a:t>Please turn up.</a:t>
+              <a:rPr lang="en-GB" b="1" dirty="0"/>
+              <a:t>A summary</a:t>
             </a:r>
           </a:p>
         </p:txBody>
@@ -4805,54 +5634,86 @@
             <p:ph idx="1"/>
           </p:nvPr>
         </p:nvSpPr>
-        <p:spPr>
-          <a:xfrm>
-            <a:off x="457200" y="1772816"/>
-            <a:ext cx="8229600" cy="4353347"/>
-          </a:xfrm>
-        </p:spPr>
+        <p:spPr/>
         <p:txBody>
           <a:bodyPr>
-            <a:normAutofit/>
+            <a:normAutofit fontScale="62500" lnSpcReduction="20000"/>
           </a:bodyPr>
           <a:lstStyle/>
           <a:p>
             <a:r>
-              <a:rPr lang="en-GB" dirty="0"/>
-              <a:t>If you don’t come to a session you’re supposed to attend, it puts an unfair load on the other demonstrators and the lecturer.</a:t>
-            </a:r>
-          </a:p>
-          <a:p>
-            <a:r>
-              <a:rPr lang="en-GB" dirty="0"/>
-              <a:t>Students might not get seen. They might start to fall behind.</a:t>
-            </a:r>
-          </a:p>
-          <a:p>
-            <a:r>
-              <a:rPr lang="en-GB" dirty="0"/>
-              <a:t>If you can’t come, </a:t>
-            </a:r>
-            <a:r>
-              <a:rPr lang="en-GB" b="1" u="sng" dirty="0">
-                <a:solidFill>
-                  <a:srgbClr val="CC0000"/>
-                </a:solidFill>
-              </a:rPr>
-              <a:t>tell us in good time.</a:t>
-            </a:r>
-            <a:endParaRPr lang="en-GB" u="sng" dirty="0">
-              <a:solidFill>
-                <a:srgbClr val="CC0000"/>
-              </a:solidFill>
-            </a:endParaRPr>
+              <a:rPr lang="en-GB" sz="4000" dirty="0"/>
+              <a:t>Read the worksheet in advance!</a:t>
+            </a:r>
+          </a:p>
+          <a:p>
+            <a:r>
+              <a:rPr lang="en-GB" sz="4000" dirty="0"/>
+              <a:t>You don’t have to know everything, you can get help from the lecturer</a:t>
+            </a:r>
+          </a:p>
+          <a:p>
+            <a:r>
+              <a:rPr lang="en-GB" sz="4000" dirty="0"/>
+              <a:t>Help students to work out the solution a step at a time</a:t>
+            </a:r>
+          </a:p>
+          <a:p>
+            <a:r>
+              <a:rPr lang="en-GB" sz="4000" dirty="0"/>
+              <a:t>Ask them to describe the problem as precisely as they can</a:t>
+            </a:r>
+          </a:p>
+          <a:p>
+            <a:r>
+              <a:rPr lang="en-GB" sz="4000" dirty="0"/>
+              <a:t>Don’t do the work for them – easy to do that incrementally</a:t>
+            </a:r>
+          </a:p>
+          <a:p>
+            <a:r>
+              <a:rPr lang="en-GB" sz="4000" dirty="0"/>
+              <a:t>Needs to be their work, their way</a:t>
+            </a:r>
+          </a:p>
+          <a:p>
+            <a:r>
+              <a:rPr lang="en-GB" sz="4000" dirty="0"/>
+              <a:t>Be aware of plagiarism</a:t>
+            </a:r>
+          </a:p>
+          <a:p>
+            <a:r>
+              <a:rPr lang="en-GB" sz="4000" dirty="0"/>
+              <a:t>Try to be available to all students</a:t>
+            </a:r>
+          </a:p>
+          <a:p>
+            <a:r>
+              <a:rPr lang="en-GB" sz="4000" dirty="0"/>
+              <a:t>Be relaxed</a:t>
+            </a:r>
+          </a:p>
+          <a:p>
+            <a:pPr lvl="0"/>
+            <a:endParaRPr lang="en-GB" dirty="0"/>
+          </a:p>
+          <a:p>
+            <a:pPr lvl="0"/>
+            <a:endParaRPr lang="en-GB" dirty="0"/>
+          </a:p>
+          <a:p>
+            <a:pPr marL="0" indent="0">
+              <a:buNone/>
+            </a:pPr>
+            <a:endParaRPr lang="en-GB" dirty="0"/>
           </a:p>
         </p:txBody>
       </p:sp>
     </p:spTree>
     <p:extLst>
       <p:ext uri="{BB962C8B-B14F-4D97-AF65-F5344CB8AC3E}">
-        <p14:creationId xmlns:p14="http://schemas.microsoft.com/office/powerpoint/2010/main" val="550045699"/>
+        <p14:creationId xmlns:p14="http://schemas.microsoft.com/office/powerpoint/2010/main" val="3220413897"/>
       </p:ext>
     </p:extLst>
   </p:cSld>
@@ -4900,7 +5761,12 @@
             <p:ph type="title"/>
           </p:nvPr>
         </p:nvSpPr>
-        <p:spPr/>
+        <p:spPr>
+          <a:xfrm>
+            <a:off x="457200" y="274638"/>
+            <a:ext cx="8229600" cy="634082"/>
+          </a:xfrm>
+        </p:spPr>
         <p:txBody>
           <a:bodyPr>
             <a:normAutofit fontScale="90000"/>
@@ -4915,7 +5781,7 @@
             </a:br>
             <a:r>
               <a:rPr lang="en-GB" b="1" dirty="0"/>
-              <a:t>Finally</a:t>
+              <a:t>Preparation</a:t>
             </a:r>
           </a:p>
         </p:txBody>
@@ -4930,42 +5796,80 @@
             <p:ph idx="1"/>
           </p:nvPr>
         </p:nvSpPr>
-        <p:spPr/>
+        <p:spPr>
+          <a:xfrm>
+            <a:off x="457200" y="1567333"/>
+            <a:ext cx="8229600" cy="4525963"/>
+          </a:xfrm>
+        </p:spPr>
         <p:txBody>
           <a:bodyPr>
-            <a:normAutofit lnSpcReduction="10000"/>
+            <a:normAutofit fontScale="92500" lnSpcReduction="10000"/>
           </a:bodyPr>
           <a:lstStyle/>
           <a:p>
+            <a:r>
+              <a:rPr lang="en-GB" sz="2800" dirty="0"/>
+              <a:t>Read the worksheet in advance</a:t>
+            </a:r>
+          </a:p>
+          <a:p>
+            <a:r>
+              <a:rPr lang="en-GB" sz="2800" dirty="0"/>
+              <a:t>Revise the language and system</a:t>
+            </a:r>
+          </a:p>
+          <a:p>
+            <a:r>
+              <a:rPr lang="en-GB" sz="2800" dirty="0"/>
+              <a:t>Revise how to use the debugger (if there is one)</a:t>
+            </a:r>
+          </a:p>
+          <a:p>
+            <a:r>
+              <a:rPr lang="en-GB" sz="2800" dirty="0"/>
+              <a:t>Try to refamiliarize yourself with common error messages in the compiler/IDE</a:t>
+            </a:r>
+          </a:p>
+          <a:p>
+            <a:r>
+              <a:rPr lang="en-GB" sz="2800" dirty="0"/>
+              <a:t>Be relaxed, calm and approachable</a:t>
+            </a:r>
+          </a:p>
+          <a:p>
+            <a:pPr marL="0" indent="0">
+              <a:buNone/>
+            </a:pPr>
+            <a:endParaRPr lang="en-GB" sz="2800" dirty="0"/>
+          </a:p>
+          <a:p>
+            <a:pPr marL="0" indent="0">
+              <a:buNone/>
+            </a:pPr>
+            <a:r>
+              <a:rPr lang="en-GB" sz="2800" dirty="0"/>
+              <a:t>Above all</a:t>
+            </a:r>
+          </a:p>
+          <a:p>
+            <a:r>
+              <a:rPr lang="en-GB" sz="2800" b="1" dirty="0"/>
+              <a:t>Don’t be worried that you might not know the answer to the students’ questions…</a:t>
+            </a:r>
+          </a:p>
+          <a:p>
             <a:pPr marL="0" lvl="0" indent="0">
               <a:buNone/>
             </a:pPr>
-            <a:endParaRPr lang="en-GB" dirty="0"/>
-          </a:p>
-          <a:p>
-            <a:pPr marL="0" lvl="0" indent="0" algn="ctr">
-              <a:buNone/>
-            </a:pPr>
-            <a:r>
-              <a:rPr lang="en-GB" dirty="0"/>
-              <a:t>Thank you.</a:t>
-            </a:r>
-          </a:p>
-          <a:p>
-            <a:pPr marL="0" lvl="0" indent="0" algn="ctr">
-              <a:buNone/>
-            </a:pPr>
-            <a:r>
-              <a:rPr lang="en-GB" dirty="0"/>
-              <a:t>We are really delighted that you all want to demonstrate and help other students. You can have a wonderful effect on what people will learn and how they will feel about computing and their prospects for the future. You are role models and have really helpful expertise to share.</a:t>
-            </a:r>
+            <a:endParaRPr lang="en-GB" sz="2000" dirty="0"/>
           </a:p>
         </p:txBody>
       </p:sp>
     </p:spTree>
     <p:extLst>
       <p:ext uri="{BB962C8B-B14F-4D97-AF65-F5344CB8AC3E}">
-        <p14:creationId xmlns:p14="http://schemas.microsoft.com/office/powerpoint/2010/main" val="1863717256"/>
+        <p14:creationId xmlns:p14="http://schemas.microsoft.com/office/powerpoint/2010/main" val="1642342647"/>
       </p:ext>
     </p:extLst>
   </p:cSld>
@@ -5015,8 +5919,8 @@
         </p:nvSpPr>
         <p:spPr>
           <a:xfrm>
-            <a:off x="460006" y="548680"/>
-            <a:ext cx="8229600" cy="1143000"/>
+            <a:off x="457200" y="274638"/>
+            <a:ext cx="8229600" cy="634082"/>
           </a:xfrm>
         </p:spPr>
         <p:txBody>
@@ -5028,14 +5932,13 @@
             <a:br>
               <a:rPr lang="en-GB" dirty="0"/>
             </a:br>
-            <a:r>
-              <a:rPr lang="en-GB" dirty="0"/>
-              <a:t>Any questions?</a:t>
-            </a:r>
             <a:br>
               <a:rPr lang="en-GB" dirty="0"/>
             </a:br>
-            <a:endParaRPr lang="en-GB" b="1" dirty="0"/>
+            <a:r>
+              <a:rPr lang="en-GB" b="1" dirty="0"/>
+              <a:t>Not knowing</a:t>
+            </a:r>
           </a:p>
         </p:txBody>
       </p:sp>
@@ -5052,28 +5955,727 @@
         <p:spPr/>
         <p:txBody>
           <a:bodyPr>
-            <a:normAutofit fontScale="92500" lnSpcReduction="10000"/>
+            <a:normAutofit/>
           </a:bodyPr>
           <a:lstStyle/>
           <a:p>
-            <a:pPr lvl="0"/>
-            <a:endParaRPr lang="en-GB" b="1" dirty="0"/>
-          </a:p>
-          <a:p>
-            <a:pPr marL="0" indent="0" algn="ctr">
+            <a:r>
+              <a:rPr lang="en-GB" sz="2400" dirty="0"/>
+              <a:t>It’s OK not know the answer to a student’s question</a:t>
+            </a:r>
+          </a:p>
+          <a:p>
+            <a:r>
+              <a:rPr lang="en-GB" sz="2400" dirty="0"/>
+              <a:t>It’s often better!</a:t>
+            </a:r>
+          </a:p>
+          <a:p>
+            <a:r>
+              <a:rPr lang="en-GB" sz="2400" b="1" dirty="0"/>
+              <a:t>“I don’t know, but let’s find out together.”</a:t>
+            </a:r>
+          </a:p>
+          <a:p>
+            <a:r>
+              <a:rPr lang="en-GB" sz="2400" dirty="0"/>
+              <a:t>Help them find out the answer themselves</a:t>
+            </a:r>
+          </a:p>
+          <a:p>
+            <a:r>
+              <a:rPr lang="en-GB" sz="2400" dirty="0"/>
+              <a:t>Or let them help you figure it out so they can see your thought process</a:t>
+            </a:r>
+          </a:p>
+          <a:p>
+            <a:r>
+              <a:rPr lang="en-GB" sz="2400" dirty="0"/>
+              <a:t>Don’t just let them watch passively</a:t>
+            </a:r>
+          </a:p>
+          <a:p>
+            <a:endParaRPr lang="en-GB" sz="2400" dirty="0"/>
+          </a:p>
+          <a:p>
+            <a:pPr marL="0" indent="0">
               <a:buNone/>
             </a:pPr>
             <a:r>
-              <a:rPr lang="en-GB" sz="25000" dirty="0"/>
-              <a:t>?</a:t>
-            </a:r>
+              <a:rPr lang="en-GB" sz="2400" dirty="0"/>
+              <a:t>Remember – you are expected to get help from the lecturer when stuck!</a:t>
+            </a:r>
+          </a:p>
+          <a:p>
+            <a:pPr marL="0" indent="0">
+              <a:buNone/>
+            </a:pPr>
+            <a:endParaRPr lang="en-GB" sz="2400" dirty="0"/>
           </a:p>
         </p:txBody>
       </p:sp>
     </p:spTree>
     <p:extLst>
       <p:ext uri="{BB962C8B-B14F-4D97-AF65-F5344CB8AC3E}">
-        <p14:creationId xmlns:p14="http://schemas.microsoft.com/office/powerpoint/2010/main" val="6082575"/>
+        <p14:creationId xmlns:p14="http://schemas.microsoft.com/office/powerpoint/2010/main" val="4291060601"/>
+      </p:ext>
+    </p:extLst>
+  </p:cSld>
+  <p:clrMapOvr>
+    <a:masterClrMapping/>
+  </p:clrMapOvr>
+</p:sld>
+</file>
+
+<file path=ppt/slides/slide25.xml><?xml version="1.0" encoding="utf-8"?>
+<p:sld xmlns:a="http://schemas.openxmlformats.org/drawingml/2006/main" xmlns:r="http://schemas.openxmlformats.org/officeDocument/2006/relationships" xmlns:p="http://schemas.openxmlformats.org/presentationml/2006/main">
+  <p:cSld>
+    <p:bg>
+      <p:bgPr>
+        <a:blipFill rotWithShape="1">
+          <a:blip r:embed="rId2"/>
+          <a:stretch>
+            <a:fillRect/>
+          </a:stretch>
+        </a:blipFill>
+        <a:effectLst/>
+      </p:bgPr>
+    </p:bg>
+    <p:spTree>
+      <p:nvGrpSpPr>
+        <p:cNvPr id="1" name=""/>
+        <p:cNvGrpSpPr/>
+        <p:nvPr/>
+      </p:nvGrpSpPr>
+      <p:grpSpPr>
+        <a:xfrm>
+          <a:off x="0" y="0"/>
+          <a:ext cx="0" cy="0"/>
+          <a:chOff x="0" y="0"/>
+          <a:chExt cx="0" cy="0"/>
+        </a:xfrm>
+      </p:grpSpPr>
+      <p:sp>
+        <p:nvSpPr>
+          <p:cNvPr id="2" name="Title 1"/>
+          <p:cNvSpPr>
+            <a:spLocks noGrp="1"/>
+          </p:cNvSpPr>
+          <p:nvPr>
+            <p:ph type="title"/>
+          </p:nvPr>
+        </p:nvSpPr>
+        <p:spPr>
+          <a:xfrm>
+            <a:off x="457200" y="487362"/>
+            <a:ext cx="8229600" cy="634082"/>
+          </a:xfrm>
+        </p:spPr>
+        <p:txBody>
+          <a:bodyPr>
+            <a:normAutofit fontScale="90000"/>
+          </a:bodyPr>
+          <a:lstStyle/>
+          <a:p>
+            <a:br>
+              <a:rPr lang="en-GB" dirty="0"/>
+            </a:br>
+            <a:br>
+              <a:rPr lang="en-GB" dirty="0"/>
+            </a:br>
+            <a:r>
+              <a:rPr lang="en-GB" b="1" dirty="0"/>
+              <a:t>Rubber duck debugging</a:t>
+            </a:r>
+            <a:br>
+              <a:rPr lang="en-GB" b="1" dirty="0"/>
+            </a:br>
+            <a:r>
+              <a:rPr lang="en-GB" sz="2200" dirty="0"/>
+              <a:t>For when the question is “why doesn’t it work?”</a:t>
+            </a:r>
+            <a:endParaRPr lang="en-GB" dirty="0"/>
+          </a:p>
+        </p:txBody>
+      </p:sp>
+      <p:pic>
+        <p:nvPicPr>
+          <p:cNvPr id="15" name="Content Placeholder 14" descr="A yellow rubber duck on a black stand next to a computer monitor&#10;&#10;Description automatically generated">
+            <a:extLst>
+              <a:ext uri="{FF2B5EF4-FFF2-40B4-BE49-F238E27FC236}">
+                <a16:creationId xmlns:a16="http://schemas.microsoft.com/office/drawing/2014/main" id="{0AAA30CA-6D07-08CF-F264-CC961EAE514D}"/>
+              </a:ext>
+            </a:extLst>
+          </p:cNvPr>
+          <p:cNvPicPr>
+            <a:picLocks noGrp="1" noChangeAspect="1"/>
+          </p:cNvPicPr>
+          <p:nvPr>
+            <p:ph idx="1"/>
+          </p:nvPr>
+        </p:nvPicPr>
+        <p:blipFill>
+          <a:blip r:embed="rId3"/>
+          <a:stretch>
+            <a:fillRect/>
+          </a:stretch>
+        </p:blipFill>
+        <p:spPr>
+          <a:xfrm>
+            <a:off x="1844545" y="2264936"/>
+            <a:ext cx="5454910" cy="4105702"/>
+          </a:xfrm>
+        </p:spPr>
+      </p:pic>
+    </p:spTree>
+    <p:extLst>
+      <p:ext uri="{BB962C8B-B14F-4D97-AF65-F5344CB8AC3E}">
+        <p14:creationId xmlns:p14="http://schemas.microsoft.com/office/powerpoint/2010/main" val="2854615728"/>
+      </p:ext>
+    </p:extLst>
+  </p:cSld>
+  <p:clrMapOvr>
+    <a:masterClrMapping/>
+  </p:clrMapOvr>
+</p:sld>
+</file>
+
+<file path=ppt/slides/slide26.xml><?xml version="1.0" encoding="utf-8"?>
+<p:sld xmlns:a="http://schemas.openxmlformats.org/drawingml/2006/main" xmlns:r="http://schemas.openxmlformats.org/officeDocument/2006/relationships" xmlns:p="http://schemas.openxmlformats.org/presentationml/2006/main">
+  <p:cSld>
+    <p:bg>
+      <p:bgPr>
+        <a:blipFill rotWithShape="1">
+          <a:blip r:embed="rId2"/>
+          <a:stretch>
+            <a:fillRect/>
+          </a:stretch>
+        </a:blipFill>
+        <a:effectLst/>
+      </p:bgPr>
+    </p:bg>
+    <p:spTree>
+      <p:nvGrpSpPr>
+        <p:cNvPr id="1" name=""/>
+        <p:cNvGrpSpPr/>
+        <p:nvPr/>
+      </p:nvGrpSpPr>
+      <p:grpSpPr>
+        <a:xfrm>
+          <a:off x="0" y="0"/>
+          <a:ext cx="0" cy="0"/>
+          <a:chOff x="0" y="0"/>
+          <a:chExt cx="0" cy="0"/>
+        </a:xfrm>
+      </p:grpSpPr>
+      <p:sp>
+        <p:nvSpPr>
+          <p:cNvPr id="2" name="Title 1"/>
+          <p:cNvSpPr>
+            <a:spLocks noGrp="1"/>
+          </p:cNvSpPr>
+          <p:nvPr>
+            <p:ph type="title"/>
+          </p:nvPr>
+        </p:nvSpPr>
+        <p:spPr>
+          <a:xfrm>
+            <a:off x="446856" y="414796"/>
+            <a:ext cx="8229600" cy="634082"/>
+          </a:xfrm>
+        </p:spPr>
+        <p:txBody>
+          <a:bodyPr>
+            <a:normAutofit fontScale="90000"/>
+          </a:bodyPr>
+          <a:lstStyle/>
+          <a:p>
+            <a:br>
+              <a:rPr lang="en-GB" dirty="0"/>
+            </a:br>
+            <a:br>
+              <a:rPr lang="en-GB" dirty="0"/>
+            </a:br>
+            <a:r>
+              <a:rPr lang="en-GB" b="1" dirty="0"/>
+              <a:t>Rubber duck debugging</a:t>
+            </a:r>
+          </a:p>
+        </p:txBody>
+      </p:sp>
+      <p:sp>
+        <p:nvSpPr>
+          <p:cNvPr id="3" name="Content Placeholder 2"/>
+          <p:cNvSpPr>
+            <a:spLocks noGrp="1"/>
+          </p:cNvSpPr>
+          <p:nvPr>
+            <p:ph idx="1"/>
+          </p:nvPr>
+        </p:nvSpPr>
+        <p:spPr/>
+        <p:txBody>
+          <a:bodyPr>
+            <a:normAutofit/>
+          </a:bodyPr>
+          <a:lstStyle/>
+          <a:p>
+            <a:endParaRPr lang="en-GB" sz="2400" b="1" dirty="0"/>
+          </a:p>
+          <a:p>
+            <a:r>
+              <a:rPr lang="en-GB" sz="2400" b="1" dirty="0"/>
+              <a:t>Be their rubber duck</a:t>
+            </a:r>
+          </a:p>
+          <a:p>
+            <a:r>
+              <a:rPr lang="en-GB" sz="2400" dirty="0"/>
+              <a:t>Make the student explain their code to you line by line</a:t>
+            </a:r>
+          </a:p>
+          <a:p>
+            <a:r>
+              <a:rPr lang="en-GB" sz="2400" dirty="0"/>
+              <a:t>Explaining something </a:t>
+            </a:r>
+            <a:r>
+              <a:rPr lang="en-GB" sz="2400" b="1" dirty="0"/>
+              <a:t>in detail</a:t>
+            </a:r>
+            <a:r>
+              <a:rPr lang="en-GB" sz="2400" dirty="0"/>
+              <a:t> helps you see problems</a:t>
+            </a:r>
+          </a:p>
+          <a:p>
+            <a:endParaRPr lang="en-GB" sz="2400" dirty="0"/>
+          </a:p>
+          <a:p>
+            <a:pPr marL="0" indent="0">
+              <a:buNone/>
+            </a:pPr>
+            <a:r>
+              <a:rPr lang="en-GB" sz="2000" dirty="0"/>
+              <a:t>“Many programmers have had the experience of explaining a problem to someone else, possibly even to someone who knows nothing about programming, and then hitting upon the solution in the process of explaining the problem. In describing what the code is supposed to do and observing what it actually does, any incongruity between these two becomes apparent.” </a:t>
+            </a:r>
+          </a:p>
+          <a:p>
+            <a:pPr marL="0" indent="0" algn="r">
+              <a:buNone/>
+            </a:pPr>
+            <a:r>
+              <a:rPr lang="en-GB" sz="2000" dirty="0"/>
+              <a:t>[</a:t>
+            </a:r>
+            <a:r>
+              <a:rPr lang="en-GB" sz="2000" dirty="0">
+                <a:hlinkClick r:id="rId3"/>
+              </a:rPr>
+              <a:t>https://en.wikipedia.org/wiki/Rubber_duck_debugging</a:t>
+            </a:r>
+            <a:r>
+              <a:rPr lang="en-GB" sz="2000" dirty="0"/>
+              <a:t>]</a:t>
+            </a:r>
+          </a:p>
+          <a:p>
+            <a:pPr marL="0" indent="0">
+              <a:buNone/>
+            </a:pPr>
+            <a:endParaRPr lang="en-GB" sz="2000" dirty="0"/>
+          </a:p>
+          <a:p>
+            <a:pPr marL="0" indent="0">
+              <a:buNone/>
+            </a:pPr>
+            <a:endParaRPr lang="en-GB" sz="2000" dirty="0"/>
+          </a:p>
+        </p:txBody>
+      </p:sp>
+    </p:spTree>
+    <p:extLst>
+      <p:ext uri="{BB962C8B-B14F-4D97-AF65-F5344CB8AC3E}">
+        <p14:creationId xmlns:p14="http://schemas.microsoft.com/office/powerpoint/2010/main" val="499307288"/>
+      </p:ext>
+    </p:extLst>
+  </p:cSld>
+  <p:clrMapOvr>
+    <a:masterClrMapping/>
+  </p:clrMapOvr>
+</p:sld>
+</file>
+
+<file path=ppt/slides/slide27.xml><?xml version="1.0" encoding="utf-8"?>
+<p:sld xmlns:a="http://schemas.openxmlformats.org/drawingml/2006/main" xmlns:r="http://schemas.openxmlformats.org/officeDocument/2006/relationships" xmlns:p="http://schemas.openxmlformats.org/presentationml/2006/main">
+  <p:cSld>
+    <p:bg>
+      <p:bgPr>
+        <a:blipFill rotWithShape="1">
+          <a:blip r:embed="rId2"/>
+          <a:stretch>
+            <a:fillRect/>
+          </a:stretch>
+        </a:blipFill>
+        <a:effectLst/>
+      </p:bgPr>
+    </p:bg>
+    <p:spTree>
+      <p:nvGrpSpPr>
+        <p:cNvPr id="1" name=""/>
+        <p:cNvGrpSpPr/>
+        <p:nvPr/>
+      </p:nvGrpSpPr>
+      <p:grpSpPr>
+        <a:xfrm>
+          <a:off x="0" y="0"/>
+          <a:ext cx="0" cy="0"/>
+          <a:chOff x="0" y="0"/>
+          <a:chExt cx="0" cy="0"/>
+        </a:xfrm>
+      </p:grpSpPr>
+      <p:sp>
+        <p:nvSpPr>
+          <p:cNvPr id="2" name="Title 1"/>
+          <p:cNvSpPr>
+            <a:spLocks noGrp="1"/>
+          </p:cNvSpPr>
+          <p:nvPr>
+            <p:ph type="title"/>
+          </p:nvPr>
+        </p:nvSpPr>
+        <p:spPr>
+          <a:xfrm>
+            <a:off x="457200" y="274638"/>
+            <a:ext cx="8229600" cy="634082"/>
+          </a:xfrm>
+        </p:spPr>
+        <p:txBody>
+          <a:bodyPr>
+            <a:normAutofit fontScale="90000"/>
+          </a:bodyPr>
+          <a:lstStyle/>
+          <a:p>
+            <a:br>
+              <a:rPr lang="en-GB" dirty="0"/>
+            </a:br>
+            <a:br>
+              <a:rPr lang="en-GB" dirty="0"/>
+            </a:br>
+            <a:r>
+              <a:rPr lang="en-GB" b="1" dirty="0"/>
+              <a:t>Oh no</a:t>
+            </a:r>
+          </a:p>
+        </p:txBody>
+      </p:sp>
+      <p:sp>
+        <p:nvSpPr>
+          <p:cNvPr id="3" name="Content Placeholder 2"/>
+          <p:cNvSpPr>
+            <a:spLocks noGrp="1"/>
+          </p:cNvSpPr>
+          <p:nvPr>
+            <p:ph idx="1"/>
+          </p:nvPr>
+        </p:nvSpPr>
+        <p:spPr/>
+        <p:txBody>
+          <a:bodyPr>
+            <a:normAutofit/>
+          </a:bodyPr>
+          <a:lstStyle/>
+          <a:p>
+            <a:r>
+              <a:rPr lang="en-GB" sz="2400" dirty="0"/>
+              <a:t>If their whole concept is flawed get them to tell you their thinking</a:t>
+            </a:r>
+          </a:p>
+          <a:p>
+            <a:r>
+              <a:rPr lang="en-GB" sz="2400" dirty="0"/>
+              <a:t>Do not just delete their code or be dismissive of it</a:t>
+            </a:r>
+          </a:p>
+          <a:p>
+            <a:r>
+              <a:rPr lang="en-GB" sz="2400" b="1" dirty="0"/>
+              <a:t>Never, ever say their code is rubbish…</a:t>
+            </a:r>
+          </a:p>
+          <a:p>
+            <a:endParaRPr lang="en-GB" sz="2400" dirty="0"/>
+          </a:p>
+        </p:txBody>
+      </p:sp>
+    </p:spTree>
+    <p:extLst>
+      <p:ext uri="{BB962C8B-B14F-4D97-AF65-F5344CB8AC3E}">
+        <p14:creationId xmlns:p14="http://schemas.microsoft.com/office/powerpoint/2010/main" val="2959751476"/>
+      </p:ext>
+    </p:extLst>
+  </p:cSld>
+  <p:clrMapOvr>
+    <a:masterClrMapping/>
+  </p:clrMapOvr>
+</p:sld>
+</file>
+
+<file path=ppt/slides/slide28.xml><?xml version="1.0" encoding="utf-8"?>
+<p:sld xmlns:a="http://schemas.openxmlformats.org/drawingml/2006/main" xmlns:r="http://schemas.openxmlformats.org/officeDocument/2006/relationships" xmlns:p="http://schemas.openxmlformats.org/presentationml/2006/main">
+  <p:cSld>
+    <p:bg>
+      <p:bgPr>
+        <a:blipFill rotWithShape="1">
+          <a:blip r:embed="rId2"/>
+          <a:stretch>
+            <a:fillRect/>
+          </a:stretch>
+        </a:blipFill>
+        <a:effectLst/>
+      </p:bgPr>
+    </p:bg>
+    <p:spTree>
+      <p:nvGrpSpPr>
+        <p:cNvPr id="1" name=""/>
+        <p:cNvGrpSpPr/>
+        <p:nvPr/>
+      </p:nvGrpSpPr>
+      <p:grpSpPr>
+        <a:xfrm>
+          <a:off x="0" y="0"/>
+          <a:ext cx="0" cy="0"/>
+          <a:chOff x="0" y="0"/>
+          <a:chExt cx="0" cy="0"/>
+        </a:xfrm>
+      </p:grpSpPr>
+      <p:sp>
+        <p:nvSpPr>
+          <p:cNvPr id="2" name="Title 1"/>
+          <p:cNvSpPr>
+            <a:spLocks noGrp="1"/>
+          </p:cNvSpPr>
+          <p:nvPr>
+            <p:ph type="title"/>
+          </p:nvPr>
+        </p:nvSpPr>
+        <p:spPr>
+          <a:xfrm>
+            <a:off x="457200" y="274638"/>
+            <a:ext cx="8229600" cy="634082"/>
+          </a:xfrm>
+        </p:spPr>
+        <p:txBody>
+          <a:bodyPr>
+            <a:normAutofit fontScale="90000"/>
+          </a:bodyPr>
+          <a:lstStyle/>
+          <a:p>
+            <a:br>
+              <a:rPr lang="en-GB" dirty="0"/>
+            </a:br>
+            <a:br>
+              <a:rPr lang="en-GB" dirty="0"/>
+            </a:br>
+            <a:r>
+              <a:rPr lang="en-GB" b="1" dirty="0"/>
+              <a:t>Don’t lose patience</a:t>
+            </a:r>
+          </a:p>
+        </p:txBody>
+      </p:sp>
+      <p:sp>
+        <p:nvSpPr>
+          <p:cNvPr id="3" name="Content Placeholder 2"/>
+          <p:cNvSpPr>
+            <a:spLocks noGrp="1"/>
+          </p:cNvSpPr>
+          <p:nvPr>
+            <p:ph idx="1"/>
+          </p:nvPr>
+        </p:nvSpPr>
+        <p:spPr/>
+        <p:txBody>
+          <a:bodyPr>
+            <a:normAutofit/>
+          </a:bodyPr>
+          <a:lstStyle/>
+          <a:p>
+            <a:r>
+              <a:rPr lang="en-GB" sz="2400" dirty="0"/>
+              <a:t>If you think a student can’t do it, and you show it, they will believe you. Don’t even think it.</a:t>
+            </a:r>
+          </a:p>
+          <a:p>
+            <a:r>
+              <a:rPr lang="en-GB" sz="2400" dirty="0"/>
+              <a:t>It is very easy to lose patience and become dismissive. This makes students “disengage.”</a:t>
+            </a:r>
+          </a:p>
+          <a:p>
+            <a:r>
+              <a:rPr lang="en-GB" sz="2400" dirty="0"/>
+              <a:t>This can sometimes be a real challenge.</a:t>
+            </a:r>
+          </a:p>
+          <a:p>
+            <a:pPr marL="0" indent="0">
+              <a:buNone/>
+            </a:pPr>
+            <a:endParaRPr lang="en-GB" sz="2400" dirty="0"/>
+          </a:p>
+        </p:txBody>
+      </p:sp>
+    </p:spTree>
+    <p:extLst>
+      <p:ext uri="{BB962C8B-B14F-4D97-AF65-F5344CB8AC3E}">
+        <p14:creationId xmlns:p14="http://schemas.microsoft.com/office/powerpoint/2010/main" val="3507486520"/>
+      </p:ext>
+    </p:extLst>
+  </p:cSld>
+  <p:clrMapOvr>
+    <a:masterClrMapping/>
+  </p:clrMapOvr>
+</p:sld>
+</file>
+
+<file path=ppt/slides/slide29.xml><?xml version="1.0" encoding="utf-8"?>
+<p:sld xmlns:a="http://schemas.openxmlformats.org/drawingml/2006/main" xmlns:r="http://schemas.openxmlformats.org/officeDocument/2006/relationships" xmlns:p="http://schemas.openxmlformats.org/presentationml/2006/main">
+  <p:cSld>
+    <p:bg>
+      <p:bgPr>
+        <a:blipFill rotWithShape="1">
+          <a:blip r:embed="rId2"/>
+          <a:stretch>
+            <a:fillRect/>
+          </a:stretch>
+        </a:blipFill>
+        <a:effectLst/>
+      </p:bgPr>
+    </p:bg>
+    <p:spTree>
+      <p:nvGrpSpPr>
+        <p:cNvPr id="1" name=""/>
+        <p:cNvGrpSpPr/>
+        <p:nvPr/>
+      </p:nvGrpSpPr>
+      <p:grpSpPr>
+        <a:xfrm>
+          <a:off x="0" y="0"/>
+          <a:ext cx="0" cy="0"/>
+          <a:chOff x="0" y="0"/>
+          <a:chExt cx="0" cy="0"/>
+        </a:xfrm>
+      </p:grpSpPr>
+      <p:sp>
+        <p:nvSpPr>
+          <p:cNvPr id="2" name="Title 1"/>
+          <p:cNvSpPr>
+            <a:spLocks noGrp="1"/>
+          </p:cNvSpPr>
+          <p:nvPr>
+            <p:ph type="title"/>
+          </p:nvPr>
+        </p:nvSpPr>
+        <p:spPr>
+          <a:xfrm>
+            <a:off x="457200" y="274638"/>
+            <a:ext cx="8229600" cy="634082"/>
+          </a:xfrm>
+        </p:spPr>
+        <p:txBody>
+          <a:bodyPr>
+            <a:normAutofit fontScale="90000"/>
+          </a:bodyPr>
+          <a:lstStyle/>
+          <a:p>
+            <a:br>
+              <a:rPr lang="en-GB" dirty="0"/>
+            </a:br>
+            <a:br>
+              <a:rPr lang="en-GB" dirty="0"/>
+            </a:br>
+            <a:r>
+              <a:rPr lang="en-GB" b="1" dirty="0"/>
+              <a:t>Unacceptable Academic Practice</a:t>
+            </a:r>
+          </a:p>
+        </p:txBody>
+      </p:sp>
+      <p:sp>
+        <p:nvSpPr>
+          <p:cNvPr id="3" name="Content Placeholder 2"/>
+          <p:cNvSpPr>
+            <a:spLocks noGrp="1"/>
+          </p:cNvSpPr>
+          <p:nvPr>
+            <p:ph idx="1"/>
+          </p:nvPr>
+        </p:nvSpPr>
+        <p:spPr/>
+        <p:txBody>
+          <a:bodyPr>
+            <a:normAutofit/>
+          </a:bodyPr>
+          <a:lstStyle/>
+          <a:p>
+            <a:r>
+              <a:rPr lang="en-GB" sz="2400" dirty="0"/>
+              <a:t>All assessed work </a:t>
+            </a:r>
+            <a:r>
+              <a:rPr lang="en-GB" sz="2400" b="1" dirty="0"/>
+              <a:t>must be the student’s own </a:t>
+            </a:r>
+            <a:r>
+              <a:rPr lang="en-GB" sz="2400" dirty="0"/>
+              <a:t>(unless stated otherwise)</a:t>
+            </a:r>
+          </a:p>
+          <a:p>
+            <a:r>
+              <a:rPr lang="en-GB" sz="2400" dirty="0"/>
+              <a:t>It’s a fine line between getting help from a fellow student and copying their code.</a:t>
+            </a:r>
+          </a:p>
+          <a:p>
+            <a:r>
+              <a:rPr lang="en-GB" sz="2400" dirty="0"/>
+              <a:t>It’s a fine line between getting hints from websites or AI and copying code.</a:t>
+            </a:r>
+          </a:p>
+          <a:p>
+            <a:r>
+              <a:rPr lang="en-GB" sz="2400" dirty="0"/>
+              <a:t>Even if unassessed work is being copied</a:t>
+            </a:r>
+          </a:p>
+          <a:p>
+            <a:pPr lvl="1"/>
+            <a:r>
+              <a:rPr lang="en-GB" sz="2000" dirty="0"/>
+              <a:t>the copier won’t learn anything</a:t>
+            </a:r>
+          </a:p>
+          <a:p>
+            <a:pPr lvl="1"/>
+            <a:r>
+              <a:rPr lang="en-GB" sz="2000" dirty="0"/>
+              <a:t>and will become reliant on copying work</a:t>
+            </a:r>
+          </a:p>
+          <a:p>
+            <a:pPr marL="0" indent="0">
+              <a:buNone/>
+            </a:pPr>
+            <a:endParaRPr lang="en-GB" sz="2400" dirty="0"/>
+          </a:p>
+        </p:txBody>
+      </p:sp>
+    </p:spTree>
+    <p:extLst>
+      <p:ext uri="{BB962C8B-B14F-4D97-AF65-F5344CB8AC3E}">
+        <p14:creationId xmlns:p14="http://schemas.microsoft.com/office/powerpoint/2010/main" val="3916186646"/>
       </p:ext>
     </p:extLst>
   </p:cSld>
@@ -5135,7 +6737,7 @@
           <a:p>
             <a:r>
               <a:rPr lang="en-GB" b="1" dirty="0"/>
-              <a:t>Dignity and Respect</a:t>
+              <a:t>Introduction</a:t>
             </a:r>
           </a:p>
         </p:txBody>
@@ -5158,79 +6760,958 @@
         </p:spPr>
         <p:txBody>
           <a:bodyPr>
-            <a:normAutofit fontScale="85000" lnSpcReduction="20000"/>
+            <a:normAutofit/>
           </a:bodyPr>
           <a:lstStyle/>
           <a:p>
-            <a:pPr lvl="0"/>
             <a:r>
               <a:rPr lang="en-GB" dirty="0"/>
-              <a:t>Equality and Diversity – equal respect for all:</a:t>
-            </a:r>
-          </a:p>
-          <a:p>
-            <a:pPr marL="0" lvl="0" indent="0">
-              <a:buNone/>
-            </a:pPr>
-            <a:r>
-              <a:rPr lang="en-GB" dirty="0">
-                <a:hlinkClick r:id="rId3"/>
-              </a:rPr>
-              <a:t>https://www.aber.ac.uk/en/cs/equality-and-diversity/</a:t>
-            </a:r>
-            <a:endParaRPr lang="en-GB" dirty="0"/>
-          </a:p>
-          <a:p>
-            <a:pPr lvl="0"/>
+              <a:t>Thanks. Really.</a:t>
+            </a:r>
+          </a:p>
+          <a:p>
             <a:r>
               <a:rPr lang="en-GB" dirty="0"/>
-              <a:t>Dignity and respect policy </a:t>
-            </a:r>
-          </a:p>
-          <a:p>
-            <a:pPr lvl="0"/>
+              <a:t>Covered today:</a:t>
+            </a:r>
+          </a:p>
+          <a:p>
+            <a:pPr lvl="1"/>
             <a:r>
               <a:rPr lang="en-GB" dirty="0"/>
-              <a:t>Disabilities, learning differences and anxieties are not always visible</a:t>
-            </a:r>
-          </a:p>
-          <a:p>
-            <a:pPr lvl="0"/>
+              <a:t>Equality, Dignity and Inclusion</a:t>
+            </a:r>
+          </a:p>
+          <a:p>
+            <a:pPr lvl="1"/>
             <a:r>
               <a:rPr lang="en-GB" dirty="0"/>
-              <a:t>Be kind and patient</a:t>
-            </a:r>
-          </a:p>
-          <a:p>
-            <a:pPr lvl="0"/>
+              <a:t>Health, Safety and Employment</a:t>
+            </a:r>
+          </a:p>
+          <a:p>
+            <a:pPr lvl="1"/>
             <a:r>
               <a:rPr lang="en-GB" dirty="0"/>
-              <a:t>Help people towards understanding rather than show what you know</a:t>
-            </a:r>
-          </a:p>
-          <a:p>
-            <a:pPr lvl="0"/>
-            <a:r>
-              <a:rPr lang="en-GB" dirty="0"/>
-              <a:t>Respect personal space (!)</a:t>
-            </a:r>
-          </a:p>
-          <a:p>
-            <a:pPr lvl="0"/>
-            <a:r>
-              <a:rPr lang="en-GB" dirty="0"/>
-              <a:t>You are representing the University</a:t>
-            </a:r>
-          </a:p>
-          <a:p>
-            <a:endParaRPr lang="en-GB" dirty="0"/>
+              <a:t>How to Demonstrate</a:t>
+            </a:r>
           </a:p>
         </p:txBody>
       </p:sp>
     </p:spTree>
     <p:extLst>
       <p:ext uri="{BB962C8B-B14F-4D97-AF65-F5344CB8AC3E}">
-        <p14:creationId xmlns:p14="http://schemas.microsoft.com/office/powerpoint/2010/main" val="3681226925"/>
+        <p14:creationId xmlns:p14="http://schemas.microsoft.com/office/powerpoint/2010/main" val="3006178088"/>
+      </p:ext>
+    </p:extLst>
+  </p:cSld>
+  <p:clrMapOvr>
+    <a:masterClrMapping/>
+  </p:clrMapOvr>
+</p:sld>
+</file>
+
+<file path=ppt/slides/slide30.xml><?xml version="1.0" encoding="utf-8"?>
+<p:sld xmlns:a="http://schemas.openxmlformats.org/drawingml/2006/main" xmlns:r="http://schemas.openxmlformats.org/officeDocument/2006/relationships" xmlns:p="http://schemas.openxmlformats.org/presentationml/2006/main">
+  <p:cSld>
+    <p:bg>
+      <p:bgPr>
+        <a:blipFill rotWithShape="1">
+          <a:blip r:embed="rId2"/>
+          <a:stretch>
+            <a:fillRect/>
+          </a:stretch>
+        </a:blipFill>
+        <a:effectLst/>
+      </p:bgPr>
+    </p:bg>
+    <p:spTree>
+      <p:nvGrpSpPr>
+        <p:cNvPr id="1" name=""/>
+        <p:cNvGrpSpPr/>
+        <p:nvPr/>
+      </p:nvGrpSpPr>
+      <p:grpSpPr>
+        <a:xfrm>
+          <a:off x="0" y="0"/>
+          <a:ext cx="0" cy="0"/>
+          <a:chOff x="0" y="0"/>
+          <a:chExt cx="0" cy="0"/>
+        </a:xfrm>
+      </p:grpSpPr>
+      <p:sp>
+        <p:nvSpPr>
+          <p:cNvPr id="2" name="Title 1"/>
+          <p:cNvSpPr>
+            <a:spLocks noGrp="1"/>
+          </p:cNvSpPr>
+          <p:nvPr>
+            <p:ph type="title"/>
+          </p:nvPr>
+        </p:nvSpPr>
+        <p:spPr>
+          <a:xfrm>
+            <a:off x="457200" y="274638"/>
+            <a:ext cx="8229600" cy="634082"/>
+          </a:xfrm>
+        </p:spPr>
+        <p:txBody>
+          <a:bodyPr>
+            <a:normAutofit fontScale="90000"/>
+          </a:bodyPr>
+          <a:lstStyle/>
+          <a:p>
+            <a:br>
+              <a:rPr lang="en-GB" dirty="0"/>
+            </a:br>
+            <a:br>
+              <a:rPr lang="en-GB" dirty="0"/>
+            </a:br>
+            <a:r>
+              <a:rPr lang="en-GB" b="1" dirty="0"/>
+              <a:t>Unacceptable Academic Practice</a:t>
+            </a:r>
+          </a:p>
+        </p:txBody>
+      </p:sp>
+      <p:sp>
+        <p:nvSpPr>
+          <p:cNvPr id="3" name="Content Placeholder 2"/>
+          <p:cNvSpPr>
+            <a:spLocks noGrp="1"/>
+          </p:cNvSpPr>
+          <p:nvPr>
+            <p:ph idx="1"/>
+          </p:nvPr>
+        </p:nvSpPr>
+        <p:spPr/>
+        <p:txBody>
+          <a:bodyPr>
+            <a:normAutofit/>
+          </a:bodyPr>
+          <a:lstStyle/>
+          <a:p>
+            <a:r>
+              <a:rPr lang="en-GB" sz="2400" dirty="0"/>
+              <a:t>It’s OK for students to ask a fellow student a question</a:t>
+            </a:r>
+          </a:p>
+          <a:p>
+            <a:r>
+              <a:rPr lang="en-GB" sz="2400" dirty="0"/>
+              <a:t>It’s not OK for students to work together (because usually one student is actually doing the work)</a:t>
+            </a:r>
+          </a:p>
+          <a:p>
+            <a:r>
+              <a:rPr lang="en-GB" sz="2400" dirty="0"/>
+              <a:t>Keep an eye on students who appear to be working too closely together.</a:t>
+            </a:r>
+          </a:p>
+          <a:p>
+            <a:r>
+              <a:rPr lang="en-GB" sz="2400" dirty="0"/>
+              <a:t>Particularly watch for this when assignments </a:t>
+            </a:r>
+            <a:r>
+              <a:rPr lang="en-GB" sz="2400"/>
+              <a:t>are being worked on</a:t>
+            </a:r>
+            <a:endParaRPr lang="en-GB" sz="2400" dirty="0"/>
+          </a:p>
+          <a:p>
+            <a:endParaRPr lang="en-GB" sz="2400" dirty="0"/>
+          </a:p>
+          <a:p>
+            <a:pPr marL="0" indent="0">
+              <a:buNone/>
+            </a:pPr>
+            <a:endParaRPr lang="en-GB" sz="2400" dirty="0"/>
+          </a:p>
+        </p:txBody>
+      </p:sp>
+    </p:spTree>
+    <p:extLst>
+      <p:ext uri="{BB962C8B-B14F-4D97-AF65-F5344CB8AC3E}">
+        <p14:creationId xmlns:p14="http://schemas.microsoft.com/office/powerpoint/2010/main" val="4084815201"/>
+      </p:ext>
+    </p:extLst>
+  </p:cSld>
+  <p:clrMapOvr>
+    <a:masterClrMapping/>
+  </p:clrMapOvr>
+</p:sld>
+</file>
+
+<file path=ppt/slides/slide31.xml><?xml version="1.0" encoding="utf-8"?>
+<p:sld xmlns:a="http://schemas.openxmlformats.org/drawingml/2006/main" xmlns:r="http://schemas.openxmlformats.org/officeDocument/2006/relationships" xmlns:p="http://schemas.openxmlformats.org/presentationml/2006/main">
+  <p:cSld>
+    <p:bg>
+      <p:bgPr>
+        <a:blipFill rotWithShape="1">
+          <a:blip r:embed="rId2"/>
+          <a:stretch>
+            <a:fillRect/>
+          </a:stretch>
+        </a:blipFill>
+        <a:effectLst/>
+      </p:bgPr>
+    </p:bg>
+    <p:spTree>
+      <p:nvGrpSpPr>
+        <p:cNvPr id="1" name=""/>
+        <p:cNvGrpSpPr/>
+        <p:nvPr/>
+      </p:nvGrpSpPr>
+      <p:grpSpPr>
+        <a:xfrm>
+          <a:off x="0" y="0"/>
+          <a:ext cx="0" cy="0"/>
+          <a:chOff x="0" y="0"/>
+          <a:chExt cx="0" cy="0"/>
+        </a:xfrm>
+      </p:grpSpPr>
+      <p:sp>
+        <p:nvSpPr>
+          <p:cNvPr id="2" name="Title 1"/>
+          <p:cNvSpPr>
+            <a:spLocks noGrp="1"/>
+          </p:cNvSpPr>
+          <p:nvPr>
+            <p:ph type="title"/>
+          </p:nvPr>
+        </p:nvSpPr>
+        <p:spPr>
+          <a:xfrm>
+            <a:off x="457200" y="274638"/>
+            <a:ext cx="8229600" cy="634082"/>
+          </a:xfrm>
+        </p:spPr>
+        <p:txBody>
+          <a:bodyPr>
+            <a:normAutofit fontScale="90000"/>
+          </a:bodyPr>
+          <a:lstStyle/>
+          <a:p>
+            <a:br>
+              <a:rPr lang="en-GB" dirty="0"/>
+            </a:br>
+            <a:br>
+              <a:rPr lang="en-GB" dirty="0"/>
+            </a:br>
+            <a:r>
+              <a:rPr lang="en-GB" b="1" dirty="0"/>
+              <a:t>Kent (adj.)</a:t>
+            </a:r>
+          </a:p>
+        </p:txBody>
+      </p:sp>
+      <p:sp>
+        <p:nvSpPr>
+          <p:cNvPr id="3" name="Content Placeholder 2"/>
+          <p:cNvSpPr>
+            <a:spLocks noGrp="1"/>
+          </p:cNvSpPr>
+          <p:nvPr>
+            <p:ph idx="1"/>
+          </p:nvPr>
+        </p:nvSpPr>
+        <p:spPr/>
+        <p:txBody>
+          <a:bodyPr>
+            <a:normAutofit/>
+          </a:bodyPr>
+          <a:lstStyle/>
+          <a:p>
+            <a:pPr marL="0" lvl="0" indent="0">
+              <a:buNone/>
+            </a:pPr>
+            <a:r>
+              <a:rPr lang="en-GB" sz="2800" dirty="0"/>
+              <a:t>Politely determined not to help despite a violent urge to the contrary. </a:t>
+            </a:r>
+            <a:r>
+              <a:rPr lang="en-GB" sz="2800" i="1" dirty="0"/>
+              <a:t>Kent</a:t>
+            </a:r>
+            <a:r>
+              <a:rPr lang="en-GB" sz="2800" dirty="0"/>
+              <a:t> expressions are seen on the faces of people who are good at something watching someone else who can't do it at all.</a:t>
+            </a:r>
+          </a:p>
+          <a:p>
+            <a:pPr marL="0" lvl="0" indent="0">
+              <a:buNone/>
+            </a:pPr>
+            <a:endParaRPr lang="en-GB" sz="2800" dirty="0"/>
+          </a:p>
+          <a:p>
+            <a:pPr marL="0" lvl="0" indent="0" algn="r">
+              <a:buNone/>
+            </a:pPr>
+            <a:r>
+              <a:rPr lang="en-GB" sz="2800" dirty="0"/>
+              <a:t>   </a:t>
+            </a:r>
+            <a:r>
+              <a:rPr lang="en-GB" sz="2000" dirty="0"/>
+              <a:t>- </a:t>
+            </a:r>
+            <a:r>
+              <a:rPr lang="en-GB" sz="2000" i="1" dirty="0"/>
+              <a:t>The Meaning of </a:t>
+            </a:r>
+            <a:r>
+              <a:rPr lang="en-GB" sz="2000" i="1" dirty="0" err="1"/>
+              <a:t>Liff</a:t>
+            </a:r>
+            <a:r>
+              <a:rPr lang="en-GB" sz="2000" dirty="0"/>
+              <a:t> (Douglas Adams &amp; John Lloyd)</a:t>
+            </a:r>
+          </a:p>
+        </p:txBody>
+      </p:sp>
+      <p:pic>
+        <p:nvPicPr>
+          <p:cNvPr id="1026" name="Picture 2" descr="The Meaning of Liff - Wikipedia">
+            <a:extLst>
+              <a:ext uri="{FF2B5EF4-FFF2-40B4-BE49-F238E27FC236}">
+                <a16:creationId xmlns:a16="http://schemas.microsoft.com/office/drawing/2014/main" id="{A26E9641-FE53-9894-B389-A9E4B409E7CB}"/>
+              </a:ext>
+            </a:extLst>
+          </p:cNvPr>
+          <p:cNvPicPr>
+            <a:picLocks noChangeAspect="1" noChangeArrowheads="1"/>
+          </p:cNvPicPr>
+          <p:nvPr/>
+        </p:nvPicPr>
+        <p:blipFill>
+          <a:blip r:embed="rId3">
+            <a:extLst>
+              <a:ext uri="{28A0092B-C50C-407E-A947-70E740481C1C}">
+                <a14:useLocalDpi xmlns:a14="http://schemas.microsoft.com/office/drawing/2010/main" val="0"/>
+              </a:ext>
+            </a:extLst>
+          </a:blip>
+          <a:srcRect/>
+          <a:stretch>
+            <a:fillRect/>
+          </a:stretch>
+        </p:blipFill>
+        <p:spPr bwMode="auto">
+          <a:xfrm>
+            <a:off x="611560" y="3429000"/>
+            <a:ext cx="2143471" cy="3212976"/>
+          </a:xfrm>
+          <a:prstGeom prst="rect">
+            <a:avLst/>
+          </a:prstGeom>
+          <a:noFill/>
+          <a:extLst>
+            <a:ext uri="{909E8E84-426E-40DD-AFC4-6F175D3DCCD1}">
+              <a14:hiddenFill xmlns:a14="http://schemas.microsoft.com/office/drawing/2010/main">
+                <a:solidFill>
+                  <a:srgbClr val="FFFFFF"/>
+                </a:solidFill>
+              </a14:hiddenFill>
+            </a:ext>
+          </a:extLst>
+        </p:spPr>
+      </p:pic>
+    </p:spTree>
+    <p:extLst>
+      <p:ext uri="{BB962C8B-B14F-4D97-AF65-F5344CB8AC3E}">
+        <p14:creationId xmlns:p14="http://schemas.microsoft.com/office/powerpoint/2010/main" val="3932977631"/>
+      </p:ext>
+    </p:extLst>
+  </p:cSld>
+  <p:clrMapOvr>
+    <a:masterClrMapping/>
+  </p:clrMapOvr>
+</p:sld>
+</file>
+
+<file path=ppt/slides/slide32.xml><?xml version="1.0" encoding="utf-8"?>
+<p:sld xmlns:a="http://schemas.openxmlformats.org/drawingml/2006/main" xmlns:r="http://schemas.openxmlformats.org/officeDocument/2006/relationships" xmlns:p="http://schemas.openxmlformats.org/presentationml/2006/main">
+  <p:cSld>
+    <p:bg>
+      <p:bgPr>
+        <a:blipFill rotWithShape="1">
+          <a:blip r:embed="rId2"/>
+          <a:stretch>
+            <a:fillRect/>
+          </a:stretch>
+        </a:blipFill>
+        <a:effectLst/>
+      </p:bgPr>
+    </p:bg>
+    <p:spTree>
+      <p:nvGrpSpPr>
+        <p:cNvPr id="1" name=""/>
+        <p:cNvGrpSpPr/>
+        <p:nvPr/>
+      </p:nvGrpSpPr>
+      <p:grpSpPr>
+        <a:xfrm>
+          <a:off x="0" y="0"/>
+          <a:ext cx="0" cy="0"/>
+          <a:chOff x="0" y="0"/>
+          <a:chExt cx="0" cy="0"/>
+        </a:xfrm>
+      </p:grpSpPr>
+      <p:sp>
+        <p:nvSpPr>
+          <p:cNvPr id="2" name="Title 1"/>
+          <p:cNvSpPr>
+            <a:spLocks noGrp="1"/>
+          </p:cNvSpPr>
+          <p:nvPr>
+            <p:ph type="title"/>
+          </p:nvPr>
+        </p:nvSpPr>
+        <p:spPr>
+          <a:xfrm>
+            <a:off x="457200" y="274638"/>
+            <a:ext cx="8229600" cy="634082"/>
+          </a:xfrm>
+        </p:spPr>
+        <p:txBody>
+          <a:bodyPr>
+            <a:normAutofit fontScale="90000"/>
+          </a:bodyPr>
+          <a:lstStyle/>
+          <a:p>
+            <a:br>
+              <a:rPr lang="en-GB" dirty="0"/>
+            </a:br>
+            <a:br>
+              <a:rPr lang="en-GB" dirty="0"/>
+            </a:br>
+            <a:r>
+              <a:rPr lang="en-GB" b="1" dirty="0"/>
+              <a:t>Good for you too!</a:t>
+            </a:r>
+          </a:p>
+        </p:txBody>
+      </p:sp>
+      <p:sp>
+        <p:nvSpPr>
+          <p:cNvPr id="3" name="Content Placeholder 2"/>
+          <p:cNvSpPr>
+            <a:spLocks noGrp="1"/>
+          </p:cNvSpPr>
+          <p:nvPr>
+            <p:ph idx="1"/>
+          </p:nvPr>
+        </p:nvSpPr>
+        <p:spPr/>
+        <p:txBody>
+          <a:bodyPr>
+            <a:normAutofit/>
+          </a:bodyPr>
+          <a:lstStyle/>
+          <a:p>
+            <a:r>
+              <a:rPr lang="en-GB" dirty="0"/>
+              <a:t>This is a great opportunity for you to learn</a:t>
+            </a:r>
+          </a:p>
+          <a:p>
+            <a:pPr lvl="1"/>
+            <a:r>
+              <a:rPr lang="en-GB" dirty="0"/>
+              <a:t>Technical stuff</a:t>
+            </a:r>
+          </a:p>
+          <a:p>
+            <a:pPr lvl="1"/>
+            <a:r>
+              <a:rPr lang="en-GB" dirty="0"/>
+              <a:t>How to explain things</a:t>
+            </a:r>
+          </a:p>
+        </p:txBody>
+      </p:sp>
+    </p:spTree>
+    <p:extLst>
+      <p:ext uri="{BB962C8B-B14F-4D97-AF65-F5344CB8AC3E}">
+        <p14:creationId xmlns:p14="http://schemas.microsoft.com/office/powerpoint/2010/main" val="3752275959"/>
+      </p:ext>
+    </p:extLst>
+  </p:cSld>
+  <p:clrMapOvr>
+    <a:masterClrMapping/>
+  </p:clrMapOvr>
+</p:sld>
+</file>
+
+<file path=ppt/slides/slide33.xml><?xml version="1.0" encoding="utf-8"?>
+<p:sld xmlns:a="http://schemas.openxmlformats.org/drawingml/2006/main" xmlns:r="http://schemas.openxmlformats.org/officeDocument/2006/relationships" xmlns:p="http://schemas.openxmlformats.org/presentationml/2006/main">
+  <p:cSld>
+    <p:bg>
+      <p:bgPr>
+        <a:blipFill rotWithShape="1">
+          <a:blip r:embed="rId2"/>
+          <a:stretch>
+            <a:fillRect/>
+          </a:stretch>
+        </a:blipFill>
+        <a:effectLst/>
+      </p:bgPr>
+    </p:bg>
+    <p:spTree>
+      <p:nvGrpSpPr>
+        <p:cNvPr id="1" name=""/>
+        <p:cNvGrpSpPr/>
+        <p:nvPr/>
+      </p:nvGrpSpPr>
+      <p:grpSpPr>
+        <a:xfrm>
+          <a:off x="0" y="0"/>
+          <a:ext cx="0" cy="0"/>
+          <a:chOff x="0" y="0"/>
+          <a:chExt cx="0" cy="0"/>
+        </a:xfrm>
+      </p:grpSpPr>
+      <p:sp>
+        <p:nvSpPr>
+          <p:cNvPr id="2" name="Title 1"/>
+          <p:cNvSpPr>
+            <a:spLocks noGrp="1"/>
+          </p:cNvSpPr>
+          <p:nvPr>
+            <p:ph type="title"/>
+          </p:nvPr>
+        </p:nvSpPr>
+        <p:spPr/>
+        <p:txBody>
+          <a:bodyPr>
+            <a:normAutofit fontScale="90000"/>
+          </a:bodyPr>
+          <a:lstStyle/>
+          <a:p>
+            <a:br>
+              <a:rPr lang="en-GB" dirty="0"/>
+            </a:br>
+            <a:br>
+              <a:rPr lang="en-GB" dirty="0"/>
+            </a:br>
+            <a:r>
+              <a:rPr lang="en-GB" b="1" dirty="0"/>
+              <a:t>End of session</a:t>
+            </a:r>
+          </a:p>
+        </p:txBody>
+      </p:sp>
+      <p:sp>
+        <p:nvSpPr>
+          <p:cNvPr id="3" name="Content Placeholder 2"/>
+          <p:cNvSpPr>
+            <a:spLocks noGrp="1"/>
+          </p:cNvSpPr>
+          <p:nvPr>
+            <p:ph idx="1"/>
+          </p:nvPr>
+        </p:nvSpPr>
+        <p:spPr/>
+        <p:txBody>
+          <a:bodyPr>
+            <a:normAutofit/>
+          </a:bodyPr>
+          <a:lstStyle/>
+          <a:p>
+            <a:pPr marL="0" lvl="0" indent="0">
+              <a:buNone/>
+            </a:pPr>
+            <a:endParaRPr lang="en-GB" sz="2800" dirty="0"/>
+          </a:p>
+          <a:p>
+            <a:pPr lvl="0"/>
+            <a:r>
+              <a:rPr lang="en-GB" sz="2800" dirty="0"/>
+              <a:t>Try to make sure student work is reasonable before sign-off</a:t>
+            </a:r>
+          </a:p>
+          <a:p>
+            <a:r>
+              <a:rPr lang="en-GB" sz="2800" dirty="0"/>
+              <a:t>You need to know what the requirements are</a:t>
+            </a:r>
+          </a:p>
+          <a:p>
+            <a:r>
+              <a:rPr lang="en-GB" sz="2800" dirty="0"/>
+              <a:t>Feedback any issues to module coordinator</a:t>
+            </a:r>
+          </a:p>
+          <a:p>
+            <a:endParaRPr lang="en-GB" sz="2800" dirty="0"/>
+          </a:p>
+        </p:txBody>
+      </p:sp>
+    </p:spTree>
+    <p:extLst>
+      <p:ext uri="{BB962C8B-B14F-4D97-AF65-F5344CB8AC3E}">
+        <p14:creationId xmlns:p14="http://schemas.microsoft.com/office/powerpoint/2010/main" val="4244559619"/>
+      </p:ext>
+    </p:extLst>
+  </p:cSld>
+  <p:clrMapOvr>
+    <a:masterClrMapping/>
+  </p:clrMapOvr>
+</p:sld>
+</file>
+
+<file path=ppt/slides/slide34.xml><?xml version="1.0" encoding="utf-8"?>
+<p:sld xmlns:a="http://schemas.openxmlformats.org/drawingml/2006/main" xmlns:r="http://schemas.openxmlformats.org/officeDocument/2006/relationships" xmlns:p="http://schemas.openxmlformats.org/presentationml/2006/main">
+  <p:cSld>
+    <p:bg>
+      <p:bgPr>
+        <a:blipFill rotWithShape="1">
+          <a:blip r:embed="rId2"/>
+          <a:stretch>
+            <a:fillRect/>
+          </a:stretch>
+        </a:blipFill>
+        <a:effectLst/>
+      </p:bgPr>
+    </p:bg>
+    <p:spTree>
+      <p:nvGrpSpPr>
+        <p:cNvPr id="1" name=""/>
+        <p:cNvGrpSpPr/>
+        <p:nvPr/>
+      </p:nvGrpSpPr>
+      <p:grpSpPr>
+        <a:xfrm>
+          <a:off x="0" y="0"/>
+          <a:ext cx="0" cy="0"/>
+          <a:chOff x="0" y="0"/>
+          <a:chExt cx="0" cy="0"/>
+        </a:xfrm>
+      </p:grpSpPr>
+      <p:sp>
+        <p:nvSpPr>
+          <p:cNvPr id="2" name="Title 1"/>
+          <p:cNvSpPr>
+            <a:spLocks noGrp="1"/>
+          </p:cNvSpPr>
+          <p:nvPr>
+            <p:ph type="title"/>
+          </p:nvPr>
+        </p:nvSpPr>
+        <p:spPr/>
+        <p:txBody>
+          <a:bodyPr>
+            <a:normAutofit fontScale="90000"/>
+          </a:bodyPr>
+          <a:lstStyle/>
+          <a:p>
+            <a:br>
+              <a:rPr lang="en-GB" u="sng" dirty="0"/>
+            </a:br>
+            <a:br>
+              <a:rPr lang="en-GB" u="sng" dirty="0"/>
+            </a:br>
+            <a:r>
+              <a:rPr lang="en-GB" b="1" u="sng" dirty="0"/>
+              <a:t>Please turn up.</a:t>
+            </a:r>
+          </a:p>
+        </p:txBody>
+      </p:sp>
+      <p:sp>
+        <p:nvSpPr>
+          <p:cNvPr id="3" name="Content Placeholder 2"/>
+          <p:cNvSpPr>
+            <a:spLocks noGrp="1"/>
+          </p:cNvSpPr>
+          <p:nvPr>
+            <p:ph idx="1"/>
+          </p:nvPr>
+        </p:nvSpPr>
+        <p:spPr>
+          <a:xfrm>
+            <a:off x="457200" y="1772816"/>
+            <a:ext cx="8229600" cy="4353347"/>
+          </a:xfrm>
+        </p:spPr>
+        <p:txBody>
+          <a:bodyPr>
+            <a:normAutofit/>
+          </a:bodyPr>
+          <a:lstStyle/>
+          <a:p>
+            <a:r>
+              <a:rPr lang="en-GB" sz="2800" dirty="0"/>
+              <a:t>If you don’t come to a session you’re supposed to attend, it puts an unfair load on the other demonstrators and the lecturer.</a:t>
+            </a:r>
+          </a:p>
+          <a:p>
+            <a:r>
+              <a:rPr lang="en-GB" sz="2800" dirty="0"/>
+              <a:t>Students might not get seen. They might start to fall behind.</a:t>
+            </a:r>
+          </a:p>
+          <a:p>
+            <a:r>
+              <a:rPr lang="en-GB" sz="2800" dirty="0"/>
+              <a:t>If you can’t come, </a:t>
+            </a:r>
+            <a:r>
+              <a:rPr lang="en-GB" sz="2800" b="1" u="sng" dirty="0">
+                <a:solidFill>
+                  <a:srgbClr val="CC0000"/>
+                </a:solidFill>
+              </a:rPr>
+              <a:t>tell us in good time.</a:t>
+            </a:r>
+            <a:endParaRPr lang="en-GB" sz="2800" u="sng" dirty="0">
+              <a:solidFill>
+                <a:srgbClr val="CC0000"/>
+              </a:solidFill>
+            </a:endParaRPr>
+          </a:p>
+        </p:txBody>
+      </p:sp>
+    </p:spTree>
+    <p:extLst>
+      <p:ext uri="{BB962C8B-B14F-4D97-AF65-F5344CB8AC3E}">
+        <p14:creationId xmlns:p14="http://schemas.microsoft.com/office/powerpoint/2010/main" val="550045699"/>
+      </p:ext>
+    </p:extLst>
+  </p:cSld>
+  <p:clrMapOvr>
+    <a:masterClrMapping/>
+  </p:clrMapOvr>
+</p:sld>
+</file>
+
+<file path=ppt/slides/slide35.xml><?xml version="1.0" encoding="utf-8"?>
+<p:sld xmlns:a="http://schemas.openxmlformats.org/drawingml/2006/main" xmlns:r="http://schemas.openxmlformats.org/officeDocument/2006/relationships" xmlns:p="http://schemas.openxmlformats.org/presentationml/2006/main">
+  <p:cSld>
+    <p:bg>
+      <p:bgPr>
+        <a:blipFill rotWithShape="1">
+          <a:blip r:embed="rId2"/>
+          <a:stretch>
+            <a:fillRect/>
+          </a:stretch>
+        </a:blipFill>
+        <a:effectLst/>
+      </p:bgPr>
+    </p:bg>
+    <p:spTree>
+      <p:nvGrpSpPr>
+        <p:cNvPr id="1" name=""/>
+        <p:cNvGrpSpPr/>
+        <p:nvPr/>
+      </p:nvGrpSpPr>
+      <p:grpSpPr>
+        <a:xfrm>
+          <a:off x="0" y="0"/>
+          <a:ext cx="0" cy="0"/>
+          <a:chOff x="0" y="0"/>
+          <a:chExt cx="0" cy="0"/>
+        </a:xfrm>
+      </p:grpSpPr>
+      <p:sp>
+        <p:nvSpPr>
+          <p:cNvPr id="2" name="Title 1"/>
+          <p:cNvSpPr>
+            <a:spLocks noGrp="1"/>
+          </p:cNvSpPr>
+          <p:nvPr>
+            <p:ph type="title"/>
+          </p:nvPr>
+        </p:nvSpPr>
+        <p:spPr/>
+        <p:txBody>
+          <a:bodyPr>
+            <a:normAutofit fontScale="90000"/>
+          </a:bodyPr>
+          <a:lstStyle/>
+          <a:p>
+            <a:br>
+              <a:rPr lang="en-GB" dirty="0"/>
+            </a:br>
+            <a:br>
+              <a:rPr lang="en-GB" dirty="0"/>
+            </a:br>
+            <a:r>
+              <a:rPr lang="en-GB" b="1" dirty="0"/>
+              <a:t>Finally</a:t>
+            </a:r>
+          </a:p>
+        </p:txBody>
+      </p:sp>
+      <p:sp>
+        <p:nvSpPr>
+          <p:cNvPr id="3" name="Content Placeholder 2"/>
+          <p:cNvSpPr>
+            <a:spLocks noGrp="1"/>
+          </p:cNvSpPr>
+          <p:nvPr>
+            <p:ph idx="1"/>
+          </p:nvPr>
+        </p:nvSpPr>
+        <p:spPr/>
+        <p:txBody>
+          <a:bodyPr>
+            <a:normAutofit/>
+          </a:bodyPr>
+          <a:lstStyle/>
+          <a:p>
+            <a:pPr marL="0" lvl="0" indent="0">
+              <a:buNone/>
+            </a:pPr>
+            <a:endParaRPr lang="en-GB" sz="2400" dirty="0"/>
+          </a:p>
+          <a:p>
+            <a:pPr marL="0" lvl="0" indent="0" algn="ctr">
+              <a:buNone/>
+            </a:pPr>
+            <a:r>
+              <a:rPr lang="en-GB" sz="2400" dirty="0"/>
+              <a:t>Thank you.</a:t>
+            </a:r>
+          </a:p>
+          <a:p>
+            <a:pPr marL="0" lvl="0" indent="0" algn="ctr">
+              <a:buNone/>
+            </a:pPr>
+            <a:endParaRPr lang="en-GB" sz="2400" dirty="0"/>
+          </a:p>
+          <a:p>
+            <a:pPr marL="0" lvl="0" indent="0" algn="ctr">
+              <a:buNone/>
+            </a:pPr>
+            <a:endParaRPr lang="en-GB" sz="2400" dirty="0"/>
+          </a:p>
+          <a:p>
+            <a:pPr marL="0" lvl="0" indent="0" algn="ctr">
+              <a:buNone/>
+            </a:pPr>
+            <a:r>
+              <a:rPr lang="en-GB" sz="2400" dirty="0"/>
+              <a:t>We are really delighted that you all want to demonstrate and help other students. You can have a wonderful effect on what people will learn and how they will feel about computing and their prospects for the future. You are role models and have really helpful expertise to share.</a:t>
+            </a:r>
+          </a:p>
+        </p:txBody>
+      </p:sp>
+    </p:spTree>
+    <p:extLst>
+      <p:ext uri="{BB962C8B-B14F-4D97-AF65-F5344CB8AC3E}">
+        <p14:creationId xmlns:p14="http://schemas.microsoft.com/office/powerpoint/2010/main" val="1863717256"/>
+      </p:ext>
+    </p:extLst>
+  </p:cSld>
+  <p:clrMapOvr>
+    <a:masterClrMapping/>
+  </p:clrMapOvr>
+</p:sld>
+</file>
+
+<file path=ppt/slides/slide36.xml><?xml version="1.0" encoding="utf-8"?>
+<p:sld xmlns:a="http://schemas.openxmlformats.org/drawingml/2006/main" xmlns:r="http://schemas.openxmlformats.org/officeDocument/2006/relationships" xmlns:p="http://schemas.openxmlformats.org/presentationml/2006/main">
+  <p:cSld>
+    <p:bg>
+      <p:bgPr>
+        <a:blipFill rotWithShape="1">
+          <a:blip r:embed="rId2"/>
+          <a:stretch>
+            <a:fillRect/>
+          </a:stretch>
+        </a:blipFill>
+        <a:effectLst/>
+      </p:bgPr>
+    </p:bg>
+    <p:spTree>
+      <p:nvGrpSpPr>
+        <p:cNvPr id="1" name=""/>
+        <p:cNvGrpSpPr/>
+        <p:nvPr/>
+      </p:nvGrpSpPr>
+      <p:grpSpPr>
+        <a:xfrm>
+          <a:off x="0" y="0"/>
+          <a:ext cx="0" cy="0"/>
+          <a:chOff x="0" y="0"/>
+          <a:chExt cx="0" cy="0"/>
+        </a:xfrm>
+      </p:grpSpPr>
+      <p:sp>
+        <p:nvSpPr>
+          <p:cNvPr id="2" name="Title 1"/>
+          <p:cNvSpPr>
+            <a:spLocks noGrp="1"/>
+          </p:cNvSpPr>
+          <p:nvPr>
+            <p:ph type="title"/>
+          </p:nvPr>
+        </p:nvSpPr>
+        <p:spPr>
+          <a:xfrm>
+            <a:off x="460006" y="548680"/>
+            <a:ext cx="8229600" cy="1143000"/>
+          </a:xfrm>
+        </p:spPr>
+        <p:txBody>
+          <a:bodyPr>
+            <a:normAutofit fontScale="90000"/>
+          </a:bodyPr>
+          <a:lstStyle/>
+          <a:p>
+            <a:br>
+              <a:rPr lang="en-GB" dirty="0"/>
+            </a:br>
+            <a:r>
+              <a:rPr lang="en-GB" dirty="0"/>
+              <a:t>Any questions?</a:t>
+            </a:r>
+            <a:br>
+              <a:rPr lang="en-GB" dirty="0"/>
+            </a:br>
+            <a:endParaRPr lang="en-GB" b="1" dirty="0"/>
+          </a:p>
+        </p:txBody>
+      </p:sp>
+      <p:sp>
+        <p:nvSpPr>
+          <p:cNvPr id="3" name="Content Placeholder 2"/>
+          <p:cNvSpPr>
+            <a:spLocks noGrp="1"/>
+          </p:cNvSpPr>
+          <p:nvPr>
+            <p:ph idx="1"/>
+          </p:nvPr>
+        </p:nvSpPr>
+        <p:spPr/>
+        <p:txBody>
+          <a:bodyPr>
+            <a:normAutofit fontScale="92500" lnSpcReduction="10000"/>
+          </a:bodyPr>
+          <a:lstStyle/>
+          <a:p>
+            <a:pPr lvl="0"/>
+            <a:endParaRPr lang="en-GB" b="1" dirty="0"/>
+          </a:p>
+          <a:p>
+            <a:pPr marL="0" indent="0" algn="ctr">
+              <a:buNone/>
+            </a:pPr>
+            <a:r>
+              <a:rPr lang="en-GB" sz="25000" dirty="0"/>
+              <a:t>?</a:t>
+            </a:r>
+          </a:p>
+        </p:txBody>
+      </p:sp>
+    </p:spTree>
+    <p:extLst>
+      <p:ext uri="{BB962C8B-B14F-4D97-AF65-F5344CB8AC3E}">
+        <p14:creationId xmlns:p14="http://schemas.microsoft.com/office/powerpoint/2010/main" val="6082575"/>
       </p:ext>
     </p:extLst>
   </p:cSld>
@@ -5280,8 +7761,8 @@
         </p:nvSpPr>
         <p:spPr>
           <a:xfrm>
-            <a:off x="457200" y="274638"/>
-            <a:ext cx="8229600" cy="1325562"/>
+            <a:off x="457200" y="764704"/>
+            <a:ext cx="8229600" cy="652934"/>
           </a:xfrm>
         </p:spPr>
         <p:txBody>
@@ -5290,12 +7771,9 @@
           </a:bodyPr>
           <a:lstStyle/>
           <a:p>
-            <a:br>
-              <a:rPr lang="en-GB" dirty="0"/>
-            </a:br>
             <a:r>
               <a:rPr lang="en-GB" b="1" dirty="0"/>
-              <a:t>All modules are different</a:t>
+              <a:t>Dignity and Respect</a:t>
             </a:r>
           </a:p>
         </p:txBody>
@@ -5312,31 +7790,77 @@
         </p:nvSpPr>
         <p:spPr>
           <a:xfrm>
-            <a:off x="457200" y="1772816"/>
-            <a:ext cx="8229600" cy="4353347"/>
+            <a:off x="457200" y="1988840"/>
+            <a:ext cx="8229600" cy="4137323"/>
           </a:xfrm>
         </p:spPr>
         <p:txBody>
           <a:bodyPr>
-            <a:normAutofit/>
+            <a:normAutofit fontScale="85000" lnSpcReduction="20000"/>
           </a:bodyPr>
           <a:lstStyle/>
           <a:p>
             <a:pPr lvl="0"/>
             <a:r>
               <a:rPr lang="en-GB" dirty="0"/>
-              <a:t>I’ve tried to cover everything but will have missed things</a:t>
-            </a:r>
+              <a:t>Equality and Diversity – equal respect for all:</a:t>
+            </a:r>
+          </a:p>
+          <a:p>
+            <a:pPr marL="0" lvl="0" indent="0">
+              <a:buNone/>
+            </a:pPr>
+            <a:r>
+              <a:rPr lang="en-GB" dirty="0">
+                <a:hlinkClick r:id="rId3"/>
+              </a:rPr>
+              <a:t>https://www.aber.ac.uk/en/cs/equality-and-diversity/</a:t>
+            </a:r>
+            <a:endParaRPr lang="en-GB" dirty="0"/>
           </a:p>
           <a:p>
             <a:pPr lvl="0"/>
             <a:r>
               <a:rPr lang="en-GB" dirty="0"/>
-              <a:t>If in doubt, talk to the module coordinator</a:t>
+              <a:t>Dignity and respect policy </a:t>
             </a:r>
           </a:p>
           <a:p>
             <a:pPr lvl="0"/>
+            <a:r>
+              <a:rPr lang="en-GB" dirty="0"/>
+              <a:t>Disabilities, learning differences and anxieties are not always visible</a:t>
+            </a:r>
+          </a:p>
+          <a:p>
+            <a:pPr lvl="0"/>
+            <a:r>
+              <a:rPr lang="en-GB" dirty="0"/>
+              <a:t>Be kind and patient</a:t>
+            </a:r>
+          </a:p>
+          <a:p>
+            <a:pPr lvl="0"/>
+            <a:r>
+              <a:rPr lang="en-GB" dirty="0"/>
+              <a:t>Help people towards understanding rather than show what you know</a:t>
+            </a:r>
+          </a:p>
+          <a:p>
+            <a:pPr lvl="0"/>
+            <a:r>
+              <a:rPr lang="en-GB" dirty="0"/>
+              <a:t>Respect personal space (!)</a:t>
+            </a:r>
+          </a:p>
+          <a:p>
+            <a:pPr lvl="0"/>
+            <a:r>
+              <a:rPr lang="en-GB" dirty="0"/>
+              <a:t>You are representing the University</a:t>
+            </a:r>
+          </a:p>
+          <a:p>
             <a:endParaRPr lang="en-GB" dirty="0"/>
           </a:p>
         </p:txBody>
@@ -5344,7 +7868,7 @@
     </p:spTree>
     <p:extLst>
       <p:ext uri="{BB962C8B-B14F-4D97-AF65-F5344CB8AC3E}">
-        <p14:creationId xmlns:p14="http://schemas.microsoft.com/office/powerpoint/2010/main" val="1864224064"/>
+        <p14:creationId xmlns:p14="http://schemas.microsoft.com/office/powerpoint/2010/main" val="1685165008"/>
       </p:ext>
     </p:extLst>
   </p:cSld>
@@ -5392,122 +7916,68 @@
             <p:ph type="title"/>
           </p:nvPr>
         </p:nvSpPr>
-        <p:spPr/>
+        <p:spPr>
+          <a:xfrm>
+            <a:off x="457200" y="764704"/>
+            <a:ext cx="8229600" cy="652934"/>
+          </a:xfrm>
+        </p:spPr>
         <p:txBody>
           <a:bodyPr>
             <a:normAutofit fontScale="90000"/>
           </a:bodyPr>
           <a:lstStyle/>
           <a:p>
-            <a:br>
+            <a:r>
+              <a:rPr lang="en-GB" b="1" dirty="0"/>
+              <a:t>Indignity and Disrespect!</a:t>
+            </a:r>
+          </a:p>
+        </p:txBody>
+      </p:sp>
+      <p:sp>
+        <p:nvSpPr>
+          <p:cNvPr id="3" name="Content Placeholder 2"/>
+          <p:cNvSpPr>
+            <a:spLocks noGrp="1"/>
+          </p:cNvSpPr>
+          <p:nvPr>
+            <p:ph idx="1"/>
+          </p:nvPr>
+        </p:nvSpPr>
+        <p:spPr>
+          <a:xfrm>
+            <a:off x="457200" y="1988840"/>
+            <a:ext cx="8229600" cy="4137323"/>
+          </a:xfrm>
+        </p:spPr>
+        <p:txBody>
+          <a:bodyPr>
+            <a:normAutofit/>
+          </a:bodyPr>
+          <a:lstStyle/>
+          <a:p>
+            <a:r>
+              <a:rPr lang="en-GB" dirty="0">
+                <a:solidFill>
+                  <a:srgbClr val="FF0000"/>
+                </a:solidFill>
+              </a:rPr>
+              <a:t>(pause the recording, Jim)</a:t>
+            </a:r>
+          </a:p>
+          <a:p>
+            <a:r>
               <a:rPr lang="en-GB" dirty="0"/>
-            </a:br>
-            <a:r>
-              <a:rPr lang="en-GB" b="1" dirty="0"/>
-              <a:t>Responsibilities</a:t>
-            </a:r>
-          </a:p>
-        </p:txBody>
-      </p:sp>
-      <p:sp>
-        <p:nvSpPr>
-          <p:cNvPr id="3" name="Content Placeholder 2"/>
-          <p:cNvSpPr>
-            <a:spLocks noGrp="1"/>
-          </p:cNvSpPr>
-          <p:nvPr>
-            <p:ph idx="1"/>
-          </p:nvPr>
-        </p:nvSpPr>
-        <p:spPr/>
-        <p:txBody>
-          <a:bodyPr>
-            <a:normAutofit fontScale="92500" lnSpcReduction="20000"/>
-          </a:bodyPr>
-          <a:lstStyle/>
-          <a:p>
-            <a:pPr lvl="0"/>
-            <a:endParaRPr lang="en-GB" dirty="0"/>
-          </a:p>
-          <a:p>
-            <a:pPr lvl="0"/>
-            <a:r>
-              <a:rPr lang="en-GB" dirty="0"/>
-              <a:t>Best ability is availability – </a:t>
-            </a:r>
-            <a:r>
-              <a:rPr lang="en-GB" b="1" dirty="0"/>
-              <a:t>be on time</a:t>
-            </a:r>
-          </a:p>
-          <a:p>
-            <a:pPr lvl="0"/>
-            <a:r>
-              <a:rPr lang="en-GB" b="1" dirty="0"/>
-              <a:t>Be prepared </a:t>
-            </a:r>
-            <a:r>
-              <a:rPr lang="en-GB" dirty="0"/>
-              <a:t>for the class content</a:t>
-            </a:r>
-          </a:p>
-          <a:p>
-            <a:r>
-              <a:rPr lang="en-GB" b="1" dirty="0"/>
-              <a:t>Be proactive</a:t>
-            </a:r>
-            <a:r>
-              <a:rPr lang="en-GB" dirty="0"/>
-              <a:t> – don’t wait to be asked</a:t>
-            </a:r>
-          </a:p>
-          <a:p>
-            <a:r>
-              <a:rPr lang="en-GB" dirty="0"/>
-              <a:t>Be ready to interact with people</a:t>
-            </a:r>
-          </a:p>
-          <a:p>
-            <a:r>
-              <a:rPr lang="en-GB" dirty="0"/>
-              <a:t>Focus for the length of the class</a:t>
-            </a:r>
-          </a:p>
-          <a:p>
-            <a:r>
-              <a:rPr lang="en-GB" dirty="0"/>
-              <a:t>Don’t come if you are unwell – but </a:t>
-            </a:r>
-            <a:r>
-              <a:rPr lang="en-GB" b="1" dirty="0"/>
-              <a:t>let us know</a:t>
-            </a:r>
-          </a:p>
-          <a:p>
-            <a:pPr lvl="0"/>
-            <a:r>
-              <a:rPr lang="en-GB" dirty="0"/>
-              <a:t>Respect confidentiality</a:t>
-            </a:r>
-          </a:p>
-          <a:p>
-            <a:r>
-              <a:rPr lang="en-GB" dirty="0"/>
-              <a:t>Declare conflicts of interest</a:t>
-            </a:r>
-          </a:p>
-          <a:p>
-            <a:pPr marL="0" indent="0">
-              <a:buNone/>
-            </a:pPr>
-            <a:endParaRPr lang="en-GB" dirty="0"/>
+              <a:t>What’s the worst thing a demonstrator has ever done for you?</a:t>
+            </a:r>
           </a:p>
         </p:txBody>
       </p:sp>
     </p:spTree>
     <p:extLst>
       <p:ext uri="{BB962C8B-B14F-4D97-AF65-F5344CB8AC3E}">
-        <p14:creationId xmlns:p14="http://schemas.microsoft.com/office/powerpoint/2010/main" val="2958414851"/>
+        <p14:creationId xmlns:p14="http://schemas.microsoft.com/office/powerpoint/2010/main" val="1944099480"/>
       </p:ext>
     </p:extLst>
   </p:cSld>
@@ -5555,19 +8025,21 @@
             <p:ph type="title"/>
           </p:nvPr>
         </p:nvSpPr>
-        <p:spPr/>
+        <p:spPr>
+          <a:xfrm>
+            <a:off x="457200" y="764704"/>
+            <a:ext cx="8229600" cy="652934"/>
+          </a:xfrm>
+        </p:spPr>
         <p:txBody>
           <a:bodyPr>
             <a:normAutofit fontScale="90000"/>
           </a:bodyPr>
           <a:lstStyle/>
           <a:p>
-            <a:br>
-              <a:rPr lang="en-GB" dirty="0"/>
-            </a:br>
             <a:r>
               <a:rPr lang="en-GB" b="1" dirty="0"/>
-              <a:t>Emergencies</a:t>
+              <a:t>Dignity and Respect</a:t>
             </a:r>
           </a:p>
         </p:txBody>
@@ -5582,56 +8054,48 @@
             <p:ph idx="1"/>
           </p:nvPr>
         </p:nvSpPr>
-        <p:spPr/>
+        <p:spPr>
+          <a:xfrm>
+            <a:off x="457200" y="1988840"/>
+            <a:ext cx="8229600" cy="4137323"/>
+          </a:xfrm>
+        </p:spPr>
         <p:txBody>
           <a:bodyPr>
             <a:normAutofit/>
           </a:bodyPr>
           <a:lstStyle/>
           <a:p>
-            <a:pPr lvl="0"/>
             <a:r>
               <a:rPr lang="en-GB" dirty="0"/>
-              <a:t>You are not alone and responsible for everything – ask for help</a:t>
-            </a:r>
-          </a:p>
-          <a:p>
-            <a:pPr lvl="0"/>
-            <a:r>
-              <a:rPr lang="en-GB" dirty="0"/>
-              <a:t>We try to have more experienced demonstrators available, and the lecturer will always be available</a:t>
-            </a:r>
-          </a:p>
-          <a:p>
-            <a:pPr lvl="0"/>
-            <a:r>
-              <a:rPr lang="en-GB" dirty="0"/>
-              <a:t>Fire </a:t>
-            </a:r>
-          </a:p>
-          <a:p>
-            <a:pPr lvl="0"/>
-            <a:r>
-              <a:rPr lang="en-GB" dirty="0"/>
-              <a:t>Illness – look for first aiders</a:t>
-            </a:r>
-          </a:p>
-          <a:p>
-            <a:pPr lvl="0"/>
-            <a:r>
-              <a:rPr lang="en-GB" dirty="0"/>
-              <a:t>Disruptiveness – seek help from lecturing staff </a:t>
+              <a:t>And what’s the best?</a:t>
             </a:r>
           </a:p>
           <a:p>
             <a:endParaRPr lang="en-GB" dirty="0"/>
+          </a:p>
+          <a:p>
+            <a:endParaRPr lang="en-GB" dirty="0"/>
+          </a:p>
+          <a:p>
+            <a:pPr marL="0" indent="0">
+              <a:buNone/>
+            </a:pPr>
+            <a:r>
+              <a:rPr lang="en-GB" sz="1800" dirty="0">
+                <a:solidFill>
+                  <a:srgbClr val="FF0000"/>
+                </a:solidFill>
+              </a:rPr>
+              <a:t>(remember to start the recording again, Jim)</a:t>
+            </a:r>
           </a:p>
         </p:txBody>
       </p:sp>
     </p:spTree>
     <p:extLst>
       <p:ext uri="{BB962C8B-B14F-4D97-AF65-F5344CB8AC3E}">
-        <p14:creationId xmlns:p14="http://schemas.microsoft.com/office/powerpoint/2010/main" val="2439188838"/>
+        <p14:creationId xmlns:p14="http://schemas.microsoft.com/office/powerpoint/2010/main" val="3681226925"/>
       </p:ext>
     </p:extLst>
   </p:cSld>
@@ -5647,7 +8111,7 @@
     <p:bg>
       <p:bgPr>
         <a:blipFill rotWithShape="1">
-          <a:blip r:embed="rId2"/>
+          <a:blip r:embed="rId3"/>
           <a:stretch>
             <a:fillRect/>
           </a:stretch>
@@ -5679,81 +8143,104 @@
             <p:ph type="title"/>
           </p:nvPr>
         </p:nvSpPr>
-        <p:spPr/>
+        <p:spPr>
+          <a:xfrm>
+            <a:off x="457200" y="764704"/>
+            <a:ext cx="8229600" cy="652934"/>
+          </a:xfrm>
+        </p:spPr>
         <p:txBody>
           <a:bodyPr>
             <a:normAutofit fontScale="90000"/>
           </a:bodyPr>
           <a:lstStyle/>
           <a:p>
-            <a:br>
+            <a:r>
+              <a:rPr lang="en-GB" b="1" dirty="0"/>
+              <a:t>Discrimination</a:t>
+            </a:r>
+          </a:p>
+        </p:txBody>
+      </p:sp>
+      <p:sp>
+        <p:nvSpPr>
+          <p:cNvPr id="3" name="Content Placeholder 2"/>
+          <p:cNvSpPr>
+            <a:spLocks noGrp="1"/>
+          </p:cNvSpPr>
+          <p:nvPr>
+            <p:ph idx="1"/>
+          </p:nvPr>
+        </p:nvSpPr>
+        <p:spPr>
+          <a:xfrm>
+            <a:off x="457200" y="1988840"/>
+            <a:ext cx="8229600" cy="4137323"/>
+          </a:xfrm>
+        </p:spPr>
+        <p:txBody>
+          <a:bodyPr>
+            <a:normAutofit lnSpcReduction="10000"/>
+          </a:bodyPr>
+          <a:lstStyle/>
+          <a:p>
+            <a:r>
               <a:rPr lang="en-GB" dirty="0"/>
-            </a:br>
+              <a:t>Gender balance in STEM is skewed</a:t>
+            </a:r>
+          </a:p>
+          <a:p>
+            <a:r>
+              <a:rPr lang="en-GB" dirty="0" err="1"/>
+              <a:t>Compsci</a:t>
+            </a:r>
+            <a:r>
+              <a:rPr lang="en-GB" dirty="0"/>
+              <a:t> in particular:</a:t>
+            </a:r>
+          </a:p>
+          <a:p>
+            <a:pPr lvl="1"/>
+            <a:r>
+              <a:rPr lang="en-GB" dirty="0"/>
+              <a:t>Not many women</a:t>
+            </a:r>
+          </a:p>
+          <a:p>
+            <a:pPr lvl="1"/>
+            <a:r>
+              <a:rPr lang="en-GB" dirty="0"/>
+              <a:t>Quite a few </a:t>
+            </a:r>
+            <a:r>
+              <a:rPr lang="en-GB"/>
+              <a:t>trans folk</a:t>
+            </a:r>
+          </a:p>
+          <a:p>
+            <a:r>
+              <a:rPr lang="en-GB" dirty="0"/>
+              <a:t>Do not </a:t>
+            </a:r>
             <a:r>
               <a:rPr lang="en-GB" b="1" dirty="0"/>
-              <a:t>Emergency contacts</a:t>
-            </a:r>
-          </a:p>
-        </p:txBody>
-      </p:sp>
-      <p:sp>
-        <p:nvSpPr>
-          <p:cNvPr id="3" name="Content Placeholder 2"/>
-          <p:cNvSpPr>
-            <a:spLocks noGrp="1"/>
-          </p:cNvSpPr>
-          <p:nvPr>
-            <p:ph idx="1"/>
-          </p:nvPr>
-        </p:nvSpPr>
-        <p:spPr/>
-        <p:txBody>
-          <a:bodyPr>
-            <a:normAutofit/>
-          </a:bodyPr>
-          <a:lstStyle/>
-          <a:p>
-            <a:pPr marL="457200" lvl="1" indent="0">
+              <a:t>discriminate</a:t>
+            </a:r>
+          </a:p>
+          <a:p>
+            <a:endParaRPr lang="en-GB" b="1" dirty="0"/>
+          </a:p>
+          <a:p>
+            <a:pPr marL="0" indent="0">
               <a:buNone/>
             </a:pPr>
             <a:r>
-              <a:rPr lang="en-GB" dirty="0"/>
-              <a:t>It is very unlikely you’ll need these numbers, but:</a:t>
-            </a:r>
-          </a:p>
-          <a:p>
-            <a:pPr lvl="1">
-              <a:buFont typeface="Arial" panose="020B0604020202020204" pitchFamily="34" charset="0"/>
-              <a:buChar char="•"/>
-            </a:pPr>
-            <a:r>
-              <a:rPr lang="en-GB" dirty="0"/>
-              <a:t>In emergencies, call 2424 on an internal phone (01970 622424 on a mobile) for </a:t>
-            </a:r>
-            <a:r>
-              <a:rPr lang="en-GB" dirty="0" err="1"/>
-              <a:t>CompSci</a:t>
-            </a:r>
-            <a:r>
-              <a:rPr lang="en-GB" dirty="0"/>
-              <a:t> reception.</a:t>
-            </a:r>
-          </a:p>
-          <a:p>
-            <a:pPr lvl="1">
-              <a:buFont typeface="Arial" panose="020B0604020202020204" pitchFamily="34" charset="0"/>
-              <a:buChar char="•"/>
-            </a:pPr>
-            <a:r>
-              <a:rPr lang="en-GB" dirty="0"/>
-              <a:t>In extreme cases, call 2649 for Security at the porter’s lodge.</a:t>
-            </a:r>
-          </a:p>
-          <a:p>
-            <a:pPr>
-              <a:buFont typeface="Arial" panose="020B0604020202020204" pitchFamily="34" charset="0"/>
-              <a:buChar char="•"/>
-            </a:pPr>
+              <a:rPr lang="en-GB" b="1" dirty="0"/>
+              <a:t>Everyone is just a student. Treat them all with exactly the same kindness and professionalism.</a:t>
+            </a:r>
+            <a:endParaRPr lang="en-GB" dirty="0"/>
+          </a:p>
+          <a:p>
             <a:endParaRPr lang="en-GB" dirty="0"/>
           </a:p>
         </p:txBody>
@@ -5761,13 +8248,95 @@
     </p:spTree>
     <p:extLst>
       <p:ext uri="{BB962C8B-B14F-4D97-AF65-F5344CB8AC3E}">
-        <p14:creationId xmlns:p14="http://schemas.microsoft.com/office/powerpoint/2010/main" val="735746091"/>
+        <p14:creationId xmlns:p14="http://schemas.microsoft.com/office/powerpoint/2010/main" val="3380789734"/>
       </p:ext>
     </p:extLst>
   </p:cSld>
   <p:clrMapOvr>
     <a:masterClrMapping/>
   </p:clrMapOvr>
+  <p:timing>
+    <p:tnLst>
+      <p:par>
+        <p:cTn id="1" dur="indefinite" restart="never" nodeType="tmRoot">
+          <p:childTnLst>
+            <p:seq concurrent="1" nextAc="seek">
+              <p:cTn id="2" dur="indefinite" nodeType="mainSeq">
+                <p:childTnLst>
+                  <p:par>
+                    <p:cTn id="3" fill="hold">
+                      <p:stCondLst>
+                        <p:cond delay="indefinite"/>
+                      </p:stCondLst>
+                      <p:childTnLst>
+                        <p:par>
+                          <p:cTn id="4" fill="hold">
+                            <p:stCondLst>
+                              <p:cond delay="0"/>
+                            </p:stCondLst>
+                            <p:childTnLst>
+                              <p:par>
+                                <p:cTn id="5" presetID="1" presetClass="entr" presetSubtype="0" fill="hold" grpId="0" nodeType="clickEffect">
+                                  <p:stCondLst>
+                                    <p:cond delay="0"/>
+                                  </p:stCondLst>
+                                  <p:childTnLst>
+                                    <p:set>
+                                      <p:cBhvr>
+                                        <p:cTn id="6" dur="1" fill="hold">
+                                          <p:stCondLst>
+                                            <p:cond delay="0"/>
+                                          </p:stCondLst>
+                                        </p:cTn>
+                                        <p:tgtEl>
+                                          <p:spTgt spid="3">
+                                            <p:txEl>
+                                              <p:pRg st="6" end="6"/>
+                                            </p:txEl>
+                                          </p:spTgt>
+                                        </p:tgtEl>
+                                        <p:attrNameLst>
+                                          <p:attrName>style.visibility</p:attrName>
+                                        </p:attrNameLst>
+                                      </p:cBhvr>
+                                      <p:to>
+                                        <p:strVal val="visible"/>
+                                      </p:to>
+                                    </p:set>
+                                  </p:childTnLst>
+                                </p:cTn>
+                              </p:par>
+                            </p:childTnLst>
+                          </p:cTn>
+                        </p:par>
+                      </p:childTnLst>
+                    </p:cTn>
+                  </p:par>
+                </p:childTnLst>
+              </p:cTn>
+              <p:prevCondLst>
+                <p:cond evt="onPrev" delay="0">
+                  <p:tgtEl>
+                    <p:sldTgt/>
+                  </p:tgtEl>
+                </p:cond>
+              </p:prevCondLst>
+              <p:nextCondLst>
+                <p:cond evt="onNext" delay="0">
+                  <p:tgtEl>
+                    <p:sldTgt/>
+                  </p:tgtEl>
+                </p:cond>
+              </p:nextCondLst>
+            </p:seq>
+          </p:childTnLst>
+        </p:cTn>
+      </p:par>
+    </p:tnLst>
+    <p:bldLst>
+      <p:bldP spid="3" grpId="0" uiExpand="1" build="p"/>
+    </p:bldLst>
+  </p:timing>
 </p:sld>
 </file>
 
@@ -5777,7 +8346,7 @@
     <p:bg>
       <p:bgPr>
         <a:blipFill rotWithShape="1">
-          <a:blip r:embed="rId2"/>
+          <a:blip r:embed="rId3"/>
           <a:stretch>
             <a:fillRect/>
           </a:stretch>
@@ -5809,123 +8378,202 @@
             <p:ph type="title"/>
           </p:nvPr>
         </p:nvSpPr>
-        <p:spPr/>
+        <p:spPr>
+          <a:xfrm>
+            <a:off x="457200" y="764704"/>
+            <a:ext cx="8229600" cy="652934"/>
+          </a:xfrm>
+        </p:spPr>
         <p:txBody>
           <a:bodyPr>
             <a:normAutofit fontScale="90000"/>
           </a:bodyPr>
           <a:lstStyle/>
           <a:p>
-            <a:br>
+            <a:r>
+              <a:rPr lang="en-GB" b="1" dirty="0"/>
+              <a:t>Discrimination</a:t>
+            </a:r>
+          </a:p>
+        </p:txBody>
+      </p:sp>
+      <p:sp>
+        <p:nvSpPr>
+          <p:cNvPr id="3" name="Content Placeholder 2"/>
+          <p:cNvSpPr>
+            <a:spLocks noGrp="1"/>
+          </p:cNvSpPr>
+          <p:nvPr>
+            <p:ph idx="1"/>
+          </p:nvPr>
+        </p:nvSpPr>
+        <p:spPr>
+          <a:xfrm>
+            <a:off x="457200" y="1988840"/>
+            <a:ext cx="8229600" cy="4137323"/>
+          </a:xfrm>
+        </p:spPr>
+        <p:txBody>
+          <a:bodyPr>
+            <a:normAutofit fontScale="92500" lnSpcReduction="10000"/>
+          </a:bodyPr>
+          <a:lstStyle/>
+          <a:p>
+            <a:pPr marL="0" indent="0">
+              <a:buNone/>
+            </a:pPr>
+            <a:r>
               <a:rPr lang="en-GB" dirty="0"/>
-            </a:br>
-            <a:br>
+              <a:t>Do not treat people differently on the basis of</a:t>
+            </a:r>
+          </a:p>
+          <a:p>
+            <a:r>
+              <a:rPr lang="en-GB" dirty="0"/>
+              <a:t>Gender</a:t>
+            </a:r>
+          </a:p>
+          <a:p>
+            <a:r>
+              <a:rPr lang="en-GB" dirty="0"/>
+              <a:t>Gender identity</a:t>
+            </a:r>
+          </a:p>
+          <a:p>
+            <a:r>
+              <a:rPr lang="en-GB" dirty="0"/>
+              <a:t>Sexual orientation</a:t>
+            </a:r>
+          </a:p>
+          <a:p>
+            <a:r>
+              <a:rPr lang="en-GB" dirty="0"/>
+              <a:t>Race or nationality</a:t>
+            </a:r>
+          </a:p>
+          <a:p>
+            <a:r>
+              <a:rPr lang="en-GB" dirty="0"/>
+              <a:t>Age</a:t>
+            </a:r>
+          </a:p>
+          <a:p>
+            <a:r>
+              <a:rPr lang="en-GB" dirty="0"/>
+              <a:t>Anything else</a:t>
+            </a:r>
+          </a:p>
+          <a:p>
+            <a:pPr marL="0" indent="0">
+              <a:buNone/>
+            </a:pPr>
+            <a:r>
+              <a:rPr lang="en-GB" dirty="0"/>
+              <a:t>Differently means worse </a:t>
+            </a:r>
+            <a:r>
               <a:rPr lang="en-GB" b="1" dirty="0"/>
-            </a:br>
-            <a:r>
-              <a:rPr lang="en-GB" b="1" dirty="0"/>
-              <a:t>Practicalities</a:t>
-            </a:r>
-          </a:p>
-        </p:txBody>
-      </p:sp>
-      <p:sp>
-        <p:nvSpPr>
-          <p:cNvPr id="3" name="Content Placeholder 2"/>
-          <p:cNvSpPr>
-            <a:spLocks noGrp="1"/>
-          </p:cNvSpPr>
-          <p:nvPr>
-            <p:ph idx="1"/>
-          </p:nvPr>
-        </p:nvSpPr>
-        <p:spPr/>
-        <p:txBody>
-          <a:bodyPr>
-            <a:normAutofit fontScale="85000" lnSpcReduction="20000"/>
-          </a:bodyPr>
-          <a:lstStyle/>
-          <a:p>
-            <a:pPr lvl="0"/>
-            <a:endParaRPr lang="en-GB" dirty="0"/>
-          </a:p>
-          <a:p>
+              <a:t>or better</a:t>
+            </a:r>
             <a:r>
               <a:rPr lang="en-GB" dirty="0"/>
-              <a:t>Register on </a:t>
-            </a:r>
-            <a:r>
-              <a:rPr lang="en-GB" dirty="0" err="1"/>
-              <a:t>Aberworks</a:t>
-            </a:r>
-            <a:endParaRPr lang="en-GB" dirty="0"/>
-          </a:p>
-          <a:p>
-            <a:r>
-              <a:rPr lang="en-GB" dirty="0"/>
-              <a:t>Right to work checks</a:t>
-            </a:r>
-          </a:p>
-          <a:p>
-            <a:r>
-              <a:rPr lang="en-GB" dirty="0"/>
-              <a:t>Apply for role</a:t>
-            </a:r>
-          </a:p>
-          <a:p>
-            <a:r>
-              <a:rPr lang="en-GB" dirty="0"/>
-              <a:t>Check email regularly!</a:t>
-            </a:r>
-          </a:p>
-          <a:p>
-            <a:r>
-              <a:rPr lang="en-GB" dirty="0"/>
-              <a:t>Payment by monthly timesheet:</a:t>
-            </a:r>
-          </a:p>
-          <a:p>
-            <a:pPr marL="0" indent="0">
-              <a:buNone/>
-            </a:pPr>
-            <a:r>
-              <a:rPr lang="en-GB" dirty="0"/>
-              <a:t>	Only slots for each month</a:t>
-            </a:r>
-          </a:p>
-          <a:p>
-            <a:pPr marL="0" indent="0">
-              <a:buNone/>
-            </a:pPr>
-            <a:r>
-              <a:rPr lang="en-GB" dirty="0"/>
-              <a:t>	Submit as soon as you can to ensure 				payment</a:t>
-            </a:r>
-          </a:p>
-          <a:p>
-            <a:pPr marL="0" indent="0">
-              <a:buNone/>
-            </a:pPr>
-            <a:r>
-              <a:rPr lang="en-GB" dirty="0"/>
-              <a:t>	Enter all the details of modules, times, 	employee 			number</a:t>
-            </a:r>
-          </a:p>
-          <a:p>
-            <a:endParaRPr lang="en-GB" dirty="0"/>
+              <a:t>!</a:t>
+            </a:r>
           </a:p>
         </p:txBody>
       </p:sp>
     </p:spTree>
     <p:extLst>
       <p:ext uri="{BB962C8B-B14F-4D97-AF65-F5344CB8AC3E}">
-        <p14:creationId xmlns:p14="http://schemas.microsoft.com/office/powerpoint/2010/main" val="3170940212"/>
+        <p14:creationId xmlns:p14="http://schemas.microsoft.com/office/powerpoint/2010/main" val="3267873735"/>
       </p:ext>
     </p:extLst>
   </p:cSld>
   <p:clrMapOvr>
     <a:masterClrMapping/>
   </p:clrMapOvr>
+  <p:timing>
+    <p:tnLst>
+      <p:par>
+        <p:cTn id="1" dur="indefinite" restart="never" nodeType="tmRoot">
+          <p:childTnLst>
+            <p:seq concurrent="1" nextAc="seek">
+              <p:cTn id="2" dur="indefinite" nodeType="mainSeq">
+                <p:childTnLst>
+                  <p:par>
+                    <p:cTn id="3" fill="hold">
+                      <p:stCondLst>
+                        <p:cond delay="indefinite"/>
+                      </p:stCondLst>
+                      <p:childTnLst>
+                        <p:par>
+                          <p:cTn id="4" fill="hold">
+                            <p:stCondLst>
+                              <p:cond delay="0"/>
+                            </p:stCondLst>
+                            <p:childTnLst>
+                              <p:par>
+                                <p:cTn id="5" presetID="1" presetClass="entr" presetSubtype="0" fill="hold" grpId="0" nodeType="clickEffect">
+                                  <p:stCondLst>
+                                    <p:cond delay="0"/>
+                                  </p:stCondLst>
+                                  <p:childTnLst>
+                                    <p:set>
+                                      <p:cBhvr>
+                                        <p:cTn id="6" dur="1" fill="hold">
+                                          <p:stCondLst>
+                                            <p:cond delay="0"/>
+                                          </p:stCondLst>
+                                        </p:cTn>
+                                        <p:tgtEl>
+                                          <p:spTgt spid="3">
+                                            <p:txEl>
+                                              <p:pRg st="7" end="7"/>
+                                            </p:txEl>
+                                          </p:spTgt>
+                                        </p:tgtEl>
+                                        <p:attrNameLst>
+                                          <p:attrName>style.visibility</p:attrName>
+                                        </p:attrNameLst>
+                                      </p:cBhvr>
+                                      <p:to>
+                                        <p:strVal val="visible"/>
+                                      </p:to>
+                                    </p:set>
+                                  </p:childTnLst>
+                                </p:cTn>
+                              </p:par>
+                            </p:childTnLst>
+                          </p:cTn>
+                        </p:par>
+                      </p:childTnLst>
+                    </p:cTn>
+                  </p:par>
+                </p:childTnLst>
+              </p:cTn>
+              <p:prevCondLst>
+                <p:cond evt="onPrev" delay="0">
+                  <p:tgtEl>
+                    <p:sldTgt/>
+                  </p:tgtEl>
+                </p:cond>
+              </p:prevCondLst>
+              <p:nextCondLst>
+                <p:cond evt="onNext" delay="0">
+                  <p:tgtEl>
+                    <p:sldTgt/>
+                  </p:tgtEl>
+                </p:cond>
+              </p:nextCondLst>
+            </p:seq>
+          </p:childTnLst>
+        </p:cTn>
+      </p:par>
+    </p:tnLst>
+    <p:bldLst>
+      <p:bldP spid="3" grpId="0" uiExpand="1" build="p"/>
+    </p:bldLst>
+  </p:timing>
 </p:sld>
 </file>
 
@@ -5935,7 +8583,7 @@
     <p:bg>
       <p:bgPr>
         <a:blipFill rotWithShape="1">
-          <a:blip r:embed="rId2"/>
+          <a:blip r:embed="rId3"/>
           <a:stretch>
             <a:fillRect/>
           </a:stretch>
@@ -5969,8 +8617,8 @@
         </p:nvSpPr>
         <p:spPr>
           <a:xfrm>
-            <a:off x="457200" y="274638"/>
-            <a:ext cx="8229600" cy="634082"/>
+            <a:off x="457200" y="764704"/>
+            <a:ext cx="8229600" cy="652934"/>
           </a:xfrm>
         </p:spPr>
         <p:txBody>
@@ -5979,15 +8627,9 @@
           </a:bodyPr>
           <a:lstStyle/>
           <a:p>
-            <a:br>
-              <a:rPr lang="en-GB" dirty="0"/>
-            </a:br>
-            <a:br>
-              <a:rPr lang="en-GB" dirty="0"/>
-            </a:br>
             <a:r>
               <a:rPr lang="en-GB" b="1" dirty="0"/>
-              <a:t>Worksheet signoff system</a:t>
+              <a:t>DO NOT</a:t>
             </a:r>
           </a:p>
         </p:txBody>
@@ -6002,69 +8644,47 @@
             <p:ph idx="1"/>
           </p:nvPr>
         </p:nvSpPr>
-        <p:spPr/>
+        <p:spPr>
+          <a:xfrm>
+            <a:off x="457200" y="1988840"/>
+            <a:ext cx="8229600" cy="4137323"/>
+          </a:xfrm>
+        </p:spPr>
         <p:txBody>
           <a:bodyPr>
             <a:normAutofit/>
           </a:bodyPr>
           <a:lstStyle/>
           <a:p>
-            <a:pPr lvl="0"/>
-            <a:r>
-              <a:rPr lang="en-GB" u="sng" dirty="0">
-                <a:hlinkClick r:id="rId3"/>
-              </a:rPr>
-              <a:t>https://signoff.dcs.aber.ac.uk</a:t>
-            </a:r>
-            <a:endParaRPr lang="en-GB" u="sng" dirty="0"/>
-          </a:p>
-          <a:p>
-            <a:pPr lvl="0"/>
             <a:r>
               <a:rPr lang="en-GB" dirty="0"/>
-              <a:t>You should be able to log in and you should see your module.</a:t>
-            </a:r>
-          </a:p>
-          <a:p>
-            <a:pPr lvl="0"/>
+              <a:t>Hang around near particular students, it can make them uncomfortable</a:t>
+            </a:r>
+          </a:p>
+          <a:p>
             <a:r>
               <a:rPr lang="en-GB" dirty="0"/>
-              <a:t>Three options (for demonstrators!)</a:t>
-            </a:r>
-          </a:p>
-          <a:p>
-            <a:pPr lvl="1"/>
+              <a:t>Send students DMs / emails</a:t>
+            </a:r>
+          </a:p>
+          <a:p>
             <a:r>
               <a:rPr lang="en-GB" dirty="0"/>
-              <a:t>Signoff</a:t>
-            </a:r>
-          </a:p>
-          <a:p>
-            <a:pPr lvl="1"/>
+              <a:t>Give some students more time than others</a:t>
+            </a:r>
+          </a:p>
+          <a:p>
             <a:r>
               <a:rPr lang="en-GB" dirty="0"/>
-              <a:t>Queueing (students can add themselves to a queue for signoff).</a:t>
-            </a:r>
-          </a:p>
-          <a:p>
-            <a:pPr lvl="1"/>
-            <a:r>
-              <a:rPr lang="en-GB" dirty="0"/>
-              <a:t>Instructions</a:t>
-            </a:r>
-          </a:p>
-          <a:p>
-            <a:pPr marL="0" indent="0">
-              <a:buNone/>
-            </a:pPr>
-            <a:endParaRPr lang="en-GB" dirty="0"/>
+              <a:t>Ask students out during the session (!)</a:t>
+            </a:r>
           </a:p>
         </p:txBody>
       </p:sp>
     </p:spTree>
     <p:extLst>
       <p:ext uri="{BB962C8B-B14F-4D97-AF65-F5344CB8AC3E}">
-        <p14:creationId xmlns:p14="http://schemas.microsoft.com/office/powerpoint/2010/main" val="3148399099"/>
+        <p14:creationId xmlns:p14="http://schemas.microsoft.com/office/powerpoint/2010/main" val="3359269487"/>
       </p:ext>
     </p:extLst>
   </p:cSld>
@@ -6076,7 +8696,7 @@
 
 <file path=ppt/tags/tag1.xml><?xml version="1.0" encoding="utf-8"?>
 <p:tagLst xmlns:a="http://schemas.openxmlformats.org/drawingml/2006/main" xmlns:r="http://schemas.openxmlformats.org/officeDocument/2006/relationships" xmlns:p="http://schemas.openxmlformats.org/presentationml/2006/main">
-  <p:tag name="PRESGUID" val="1a906974-1c05-46e8-9961-a17534c31c6b"/>
+  <p:tag name="PRESGUID" val="48099f3e-cae3-4f6c-b4a4-19d34d79f1fd"/>
 </p:tagLst>
 </file>
 
@@ -6398,19 +9018,334 @@
 </a:theme>
 </file>
 
-<file path=customXml/item1.xml><?xml version="1.0" encoding="utf-8"?>
-<p:properties xmlns:p="http://schemas.microsoft.com/office/2006/metadata/properties" xmlns:xsi="http://www.w3.org/2001/XMLSchema-instance" xmlns:pc="http://schemas.microsoft.com/office/infopath/2007/PartnerControls">
-  <documentManagement/>
-</p:properties>
+<file path=ppt/theme/theme2.xml><?xml version="1.0" encoding="utf-8"?>
+<a:theme xmlns:a="http://schemas.openxmlformats.org/drawingml/2006/main" name="Office Theme">
+  <a:themeElements>
+    <a:clrScheme name="Office">
+      <a:dk1>
+        <a:sysClr val="windowText" lastClr="000000"/>
+      </a:dk1>
+      <a:lt1>
+        <a:sysClr val="window" lastClr="FFFFFF"/>
+      </a:lt1>
+      <a:dk2>
+        <a:srgbClr val="0E2841"/>
+      </a:dk2>
+      <a:lt2>
+        <a:srgbClr val="E8E8E8"/>
+      </a:lt2>
+      <a:accent1>
+        <a:srgbClr val="156082"/>
+      </a:accent1>
+      <a:accent2>
+        <a:srgbClr val="E97132"/>
+      </a:accent2>
+      <a:accent3>
+        <a:srgbClr val="196B24"/>
+      </a:accent3>
+      <a:accent4>
+        <a:srgbClr val="0F9ED5"/>
+      </a:accent4>
+      <a:accent5>
+        <a:srgbClr val="A02B93"/>
+      </a:accent5>
+      <a:accent6>
+        <a:srgbClr val="4EA72E"/>
+      </a:accent6>
+      <a:hlink>
+        <a:srgbClr val="467886"/>
+      </a:hlink>
+      <a:folHlink>
+        <a:srgbClr val="96607D"/>
+      </a:folHlink>
+    </a:clrScheme>
+    <a:fontScheme name="Office">
+      <a:majorFont>
+        <a:latin typeface="Aptos Display" panose="02110004020202020204"/>
+        <a:ea typeface=""/>
+        <a:cs typeface=""/>
+        <a:font script="Jpan" typeface="游ゴシック Light"/>
+        <a:font script="Hang" typeface="맑은 고딕"/>
+        <a:font script="Hans" typeface="等线 Light"/>
+        <a:font script="Hant" typeface="新細明體"/>
+        <a:font script="Arab" typeface="Times New Roman"/>
+        <a:font script="Hebr" typeface="Times New Roman"/>
+        <a:font script="Thai" typeface="Angsana New"/>
+        <a:font script="Ethi" typeface="Nyala"/>
+        <a:font script="Beng" typeface="Vrinda"/>
+        <a:font script="Gujr" typeface="Shruti"/>
+        <a:font script="Khmr" typeface="MoolBoran"/>
+        <a:font script="Knda" typeface="Tunga"/>
+        <a:font script="Guru" typeface="Raavi"/>
+        <a:font script="Cans" typeface="Euphemia"/>
+        <a:font script="Cher" typeface="Plantagenet Cherokee"/>
+        <a:font script="Yiii" typeface="Microsoft Yi Baiti"/>
+        <a:font script="Tibt" typeface="Microsoft Himalaya"/>
+        <a:font script="Thaa" typeface="MV Boli"/>
+        <a:font script="Deva" typeface="Mangal"/>
+        <a:font script="Telu" typeface="Gautami"/>
+        <a:font script="Taml" typeface="Latha"/>
+        <a:font script="Syrc" typeface="Estrangelo Edessa"/>
+        <a:font script="Orya" typeface="Kalinga"/>
+        <a:font script="Mlym" typeface="Kartika"/>
+        <a:font script="Laoo" typeface="DokChampa"/>
+        <a:font script="Sinh" typeface="Iskoola Pota"/>
+        <a:font script="Mong" typeface="Mongolian Baiti"/>
+        <a:font script="Viet" typeface="Times New Roman"/>
+        <a:font script="Uigh" typeface="Microsoft Uighur"/>
+        <a:font script="Geor" typeface="Sylfaen"/>
+        <a:font script="Armn" typeface="Arial"/>
+        <a:font script="Bugi" typeface="Leelawadee UI"/>
+        <a:font script="Bopo" typeface="Microsoft JhengHei"/>
+        <a:font script="Java" typeface="Javanese Text"/>
+        <a:font script="Lisu" typeface="Segoe UI"/>
+        <a:font script="Mymr" typeface="Myanmar Text"/>
+        <a:font script="Nkoo" typeface="Ebrima"/>
+        <a:font script="Olck" typeface="Nirmala UI"/>
+        <a:font script="Osma" typeface="Ebrima"/>
+        <a:font script="Phag" typeface="Phagspa"/>
+        <a:font script="Syrn" typeface="Estrangelo Edessa"/>
+        <a:font script="Syrj" typeface="Estrangelo Edessa"/>
+        <a:font script="Syre" typeface="Estrangelo Edessa"/>
+        <a:font script="Sora" typeface="Nirmala UI"/>
+        <a:font script="Tale" typeface="Microsoft Tai Le"/>
+        <a:font script="Talu" typeface="Microsoft New Tai Lue"/>
+        <a:font script="Tfng" typeface="Ebrima"/>
+      </a:majorFont>
+      <a:minorFont>
+        <a:latin typeface="Aptos" panose="02110004020202020204"/>
+        <a:ea typeface=""/>
+        <a:cs typeface=""/>
+        <a:font script="Jpan" typeface="游ゴシック"/>
+        <a:font script="Hang" typeface="맑은 고딕"/>
+        <a:font script="Hans" typeface="等线"/>
+        <a:font script="Hant" typeface="新細明體"/>
+        <a:font script="Arab" typeface="Arial"/>
+        <a:font script="Hebr" typeface="Arial"/>
+        <a:font script="Thai" typeface="Cordia New"/>
+        <a:font script="Ethi" typeface="Nyala"/>
+        <a:font script="Beng" typeface="Vrinda"/>
+        <a:font script="Gujr" typeface="Shruti"/>
+        <a:font script="Khmr" typeface="DaunPenh"/>
+        <a:font script="Knda" typeface="Tunga"/>
+        <a:font script="Guru" typeface="Raavi"/>
+        <a:font script="Cans" typeface="Euphemia"/>
+        <a:font script="Cher" typeface="Plantagenet Cherokee"/>
+        <a:font script="Yiii" typeface="Microsoft Yi Baiti"/>
+        <a:font script="Tibt" typeface="Microsoft Himalaya"/>
+        <a:font script="Thaa" typeface="MV Boli"/>
+        <a:font script="Deva" typeface="Mangal"/>
+        <a:font script="Telu" typeface="Gautami"/>
+        <a:font script="Taml" typeface="Latha"/>
+        <a:font script="Syrc" typeface="Estrangelo Edessa"/>
+        <a:font script="Orya" typeface="Kalinga"/>
+        <a:font script="Mlym" typeface="Kartika"/>
+        <a:font script="Laoo" typeface="DokChampa"/>
+        <a:font script="Sinh" typeface="Iskoola Pota"/>
+        <a:font script="Mong" typeface="Mongolian Baiti"/>
+        <a:font script="Viet" typeface="Arial"/>
+        <a:font script="Uigh" typeface="Microsoft Uighur"/>
+        <a:font script="Geor" typeface="Sylfaen"/>
+        <a:font script="Armn" typeface="Arial"/>
+        <a:font script="Bugi" typeface="Leelawadee UI"/>
+        <a:font script="Bopo" typeface="Microsoft JhengHei"/>
+        <a:font script="Java" typeface="Javanese Text"/>
+        <a:font script="Lisu" typeface="Segoe UI"/>
+        <a:font script="Mymr" typeface="Myanmar Text"/>
+        <a:font script="Nkoo" typeface="Ebrima"/>
+        <a:font script="Olck" typeface="Nirmala UI"/>
+        <a:font script="Osma" typeface="Ebrima"/>
+        <a:font script="Phag" typeface="Phagspa"/>
+        <a:font script="Syrn" typeface="Estrangelo Edessa"/>
+        <a:font script="Syrj" typeface="Estrangelo Edessa"/>
+        <a:font script="Syre" typeface="Estrangelo Edessa"/>
+        <a:font script="Sora" typeface="Nirmala UI"/>
+        <a:font script="Tale" typeface="Microsoft Tai Le"/>
+        <a:font script="Talu" typeface="Microsoft New Tai Lue"/>
+        <a:font script="Tfng" typeface="Ebrima"/>
+      </a:minorFont>
+    </a:fontScheme>
+    <a:fmtScheme name="Office">
+      <a:fillStyleLst>
+        <a:solidFill>
+          <a:schemeClr val="phClr"/>
+        </a:solidFill>
+        <a:gradFill rotWithShape="1">
+          <a:gsLst>
+            <a:gs pos="0">
+              <a:schemeClr val="phClr">
+                <a:lumMod val="110000"/>
+                <a:satMod val="105000"/>
+                <a:tint val="67000"/>
+              </a:schemeClr>
+            </a:gs>
+            <a:gs pos="50000">
+              <a:schemeClr val="phClr">
+                <a:lumMod val="105000"/>
+                <a:satMod val="103000"/>
+                <a:tint val="73000"/>
+              </a:schemeClr>
+            </a:gs>
+            <a:gs pos="100000">
+              <a:schemeClr val="phClr">
+                <a:lumMod val="105000"/>
+                <a:satMod val="109000"/>
+                <a:tint val="81000"/>
+              </a:schemeClr>
+            </a:gs>
+          </a:gsLst>
+          <a:lin ang="5400000" scaled="0"/>
+        </a:gradFill>
+        <a:gradFill rotWithShape="1">
+          <a:gsLst>
+            <a:gs pos="0">
+              <a:schemeClr val="phClr">
+                <a:satMod val="103000"/>
+                <a:lumMod val="102000"/>
+                <a:tint val="94000"/>
+              </a:schemeClr>
+            </a:gs>
+            <a:gs pos="50000">
+              <a:schemeClr val="phClr">
+                <a:satMod val="110000"/>
+                <a:lumMod val="100000"/>
+                <a:shade val="100000"/>
+              </a:schemeClr>
+            </a:gs>
+            <a:gs pos="100000">
+              <a:schemeClr val="phClr">
+                <a:lumMod val="99000"/>
+                <a:satMod val="120000"/>
+                <a:shade val="78000"/>
+              </a:schemeClr>
+            </a:gs>
+          </a:gsLst>
+          <a:lin ang="5400000" scaled="0"/>
+        </a:gradFill>
+      </a:fillStyleLst>
+      <a:lnStyleLst>
+        <a:ln w="12700" cap="flat" cmpd="sng" algn="ctr">
+          <a:solidFill>
+            <a:schemeClr val="phClr"/>
+          </a:solidFill>
+          <a:prstDash val="solid"/>
+          <a:miter lim="800000"/>
+        </a:ln>
+        <a:ln w="19050" cap="flat" cmpd="sng" algn="ctr">
+          <a:solidFill>
+            <a:schemeClr val="phClr"/>
+          </a:solidFill>
+          <a:prstDash val="solid"/>
+          <a:miter lim="800000"/>
+        </a:ln>
+        <a:ln w="25400" cap="flat" cmpd="sng" algn="ctr">
+          <a:solidFill>
+            <a:schemeClr val="phClr"/>
+          </a:solidFill>
+          <a:prstDash val="solid"/>
+          <a:miter lim="800000"/>
+        </a:ln>
+      </a:lnStyleLst>
+      <a:effectStyleLst>
+        <a:effectStyle>
+          <a:effectLst/>
+        </a:effectStyle>
+        <a:effectStyle>
+          <a:effectLst/>
+        </a:effectStyle>
+        <a:effectStyle>
+          <a:effectLst>
+            <a:outerShdw blurRad="57150" dist="19050" dir="5400000" algn="ctr" rotWithShape="0">
+              <a:srgbClr val="000000">
+                <a:alpha val="63000"/>
+              </a:srgbClr>
+            </a:outerShdw>
+          </a:effectLst>
+        </a:effectStyle>
+      </a:effectStyleLst>
+      <a:bgFillStyleLst>
+        <a:solidFill>
+          <a:schemeClr val="phClr"/>
+        </a:solidFill>
+        <a:solidFill>
+          <a:schemeClr val="phClr">
+            <a:tint val="95000"/>
+            <a:satMod val="170000"/>
+          </a:schemeClr>
+        </a:solidFill>
+        <a:gradFill rotWithShape="1">
+          <a:gsLst>
+            <a:gs pos="0">
+              <a:schemeClr val="phClr">
+                <a:tint val="93000"/>
+                <a:satMod val="150000"/>
+                <a:shade val="98000"/>
+                <a:lumMod val="102000"/>
+              </a:schemeClr>
+            </a:gs>
+            <a:gs pos="50000">
+              <a:schemeClr val="phClr">
+                <a:tint val="98000"/>
+                <a:satMod val="130000"/>
+                <a:shade val="90000"/>
+                <a:lumMod val="103000"/>
+              </a:schemeClr>
+            </a:gs>
+            <a:gs pos="100000">
+              <a:schemeClr val="phClr">
+                <a:shade val="63000"/>
+                <a:satMod val="120000"/>
+              </a:schemeClr>
+            </a:gs>
+          </a:gsLst>
+          <a:lin ang="5400000" scaled="0"/>
+        </a:gradFill>
+      </a:bgFillStyleLst>
+    </a:fmtScheme>
+  </a:themeElements>
+  <a:objectDefaults>
+    <a:lnDef>
+      <a:spPr/>
+      <a:bodyPr/>
+      <a:lstStyle/>
+      <a:style>
+        <a:lnRef idx="2">
+          <a:schemeClr val="accent1"/>
+        </a:lnRef>
+        <a:fillRef idx="0">
+          <a:schemeClr val="accent1"/>
+        </a:fillRef>
+        <a:effectRef idx="1">
+          <a:schemeClr val="accent1"/>
+        </a:effectRef>
+        <a:fontRef idx="minor">
+          <a:schemeClr val="tx1"/>
+        </a:fontRef>
+      </a:style>
+    </a:lnDef>
+  </a:objectDefaults>
+  <a:extraClrSchemeLst/>
+  <a:extLst>
+    <a:ext uri="{05A4C25C-085E-4340-85A3-A5531E510DB2}">
+      <thm15:themeFamily xmlns:thm15="http://schemas.microsoft.com/office/thememl/2012/main" name="Office Theme" id="{2E142A2C-CD16-42D6-873A-C26D2A0506FA}" vid="{1BDDFF52-6CD6-40A5-AB3C-68EB2F1E4D0A}"/>
+    </a:ext>
+  </a:extLst>
+</a:theme>
 </file>
 
-<file path=customXml/item2.xml><?xml version="1.0" encoding="utf-8"?>
+<file path=customXml/item1.xml><?xml version="1.0" encoding="utf-8"?>
 <?mso-contentType ?>
 <FormTemplates xmlns="http://schemas.microsoft.com/sharepoint/v3/contenttype/forms">
   <Display>DocumentLibraryForm</Display>
   <Edit>DocumentLibraryForm</Edit>
   <New>DocumentLibraryForm</New>
 </FormTemplates>
+</file>
+
+<file path=customXml/item2.xml><?xml version="1.0" encoding="utf-8"?>
+<p:properties xmlns:p="http://schemas.microsoft.com/office/2006/metadata/properties" xmlns:xsi="http://www.w3.org/2001/XMLSchema-instance" xmlns:pc="http://schemas.microsoft.com/office/infopath/2007/PartnerControls">
+  <documentManagement/>
+</p:properties>
 </file>
 
 <file path=customXml/item3.xml><?xml version="1.0" encoding="utf-8"?>
@@ -6562,25 +9497,25 @@
 </file>
 
 <file path=customXml/itemProps1.xml><?xml version="1.0" encoding="utf-8"?>
-<ds:datastoreItem xmlns:ds="http://schemas.openxmlformats.org/officeDocument/2006/customXml" ds:itemID="{B182822E-3179-497E-8964-1C0779B53339}">
+<ds:datastoreItem xmlns:ds="http://schemas.openxmlformats.org/officeDocument/2006/customXml" ds:itemID="{69EF6A2B-60F5-4035-9B8C-83BC032F5DF5}">
   <ds:schemaRefs>
-    <ds:schemaRef ds:uri="c4c4e6c1-1580-457f-8034-c126c8dee3c7"/>
-    <ds:schemaRef ds:uri="http://schemas.openxmlformats.org/package/2006/metadata/core-properties"/>
-    <ds:schemaRef ds:uri="http://schemas.microsoft.com/office/2006/documentManagement/types"/>
-    <ds:schemaRef ds:uri="http://schemas.microsoft.com/office/2006/metadata/properties"/>
-    <ds:schemaRef ds:uri="http://purl.org/dc/elements/1.1/"/>
-    <ds:schemaRef ds:uri="http://purl.org/dc/terms/"/>
-    <ds:schemaRef ds:uri="http://schemas.microsoft.com/office/infopath/2007/PartnerControls"/>
-    <ds:schemaRef ds:uri="http://www.w3.org/XML/1998/namespace"/>
-    <ds:schemaRef ds:uri="http://purl.org/dc/dcmitype/"/>
+    <ds:schemaRef ds:uri="http://schemas.microsoft.com/sharepoint/v3/contenttype/forms"/>
   </ds:schemaRefs>
 </ds:datastoreItem>
 </file>
 
 <file path=customXml/itemProps2.xml><?xml version="1.0" encoding="utf-8"?>
-<ds:datastoreItem xmlns:ds="http://schemas.openxmlformats.org/officeDocument/2006/customXml" ds:itemID="{69EF6A2B-60F5-4035-9B8C-83BC032F5DF5}">
+<ds:datastoreItem xmlns:ds="http://schemas.openxmlformats.org/officeDocument/2006/customXml" ds:itemID="{B182822E-3179-497E-8964-1C0779B53339}">
   <ds:schemaRefs>
-    <ds:schemaRef ds:uri="http://schemas.microsoft.com/sharepoint/v3/contenttype/forms"/>
+    <ds:schemaRef ds:uri="c4c4e6c1-1580-457f-8034-c126c8dee3c7"/>
+    <ds:schemaRef ds:uri="http://schemas.microsoft.com/office/2006/documentManagement/types"/>
+    <ds:schemaRef ds:uri="http://schemas.microsoft.com/office/infopath/2007/PartnerControls"/>
+    <ds:schemaRef ds:uri="http://purl.org/dc/elements/1.1/"/>
+    <ds:schemaRef ds:uri="http://www.w3.org/XML/1998/namespace"/>
+    <ds:schemaRef ds:uri="http://schemas.microsoft.com/office/2006/metadata/properties"/>
+    <ds:schemaRef ds:uri="http://purl.org/dc/terms/"/>
+    <ds:schemaRef ds:uri="http://schemas.openxmlformats.org/package/2006/metadata/core-properties"/>
+    <ds:schemaRef ds:uri="http://purl.org/dc/dcmitype/"/>
   </ds:schemaRefs>
 </ds:datastoreItem>
 </file>

--- a/static/downloads/dem.pptx
+++ b/static/downloads/dem.pptx
@@ -5,7 +5,7 @@
     <p:sldMasterId id="2147483648" r:id="rId4"/>
   </p:sldMasterIdLst>
   <p:notesMasterIdLst>
-    <p:notesMasterId r:id="rId41"/>
+    <p:notesMasterId r:id="rId42"/>
   </p:notesMasterIdLst>
   <p:sldIdLst>
     <p:sldId id="256" r:id="rId5"/>
@@ -38,17 +38,18 @@
     <p:sldId id="330" r:id="rId32"/>
     <p:sldId id="338" r:id="rId33"/>
     <p:sldId id="337" r:id="rId34"/>
-    <p:sldId id="288" r:id="rId35"/>
-    <p:sldId id="331" r:id="rId36"/>
-    <p:sldId id="285" r:id="rId37"/>
-    <p:sldId id="300" r:id="rId38"/>
-    <p:sldId id="314" r:id="rId39"/>
-    <p:sldId id="286" r:id="rId40"/>
+    <p:sldId id="339" r:id="rId35"/>
+    <p:sldId id="288" r:id="rId36"/>
+    <p:sldId id="331" r:id="rId37"/>
+    <p:sldId id="285" r:id="rId38"/>
+    <p:sldId id="300" r:id="rId39"/>
+    <p:sldId id="314" r:id="rId40"/>
+    <p:sldId id="286" r:id="rId41"/>
   </p:sldIdLst>
   <p:sldSz cx="9144000" cy="6858000" type="screen4x3"/>
   <p:notesSz cx="6797675" cy="9926638"/>
   <p:custDataLst>
-    <p:tags r:id="rId42"/>
+    <p:tags r:id="rId43"/>
   </p:custDataLst>
   <p:defaultTextStyle>
     <a:defPPr>
@@ -170,9 +171,91 @@
 <file path=ppt/revisionInfo.xml><?xml version="1.0" encoding="utf-8"?>
 <p1510:revInfo xmlns:a="http://schemas.openxmlformats.org/drawingml/2006/main" xmlns:r="http://schemas.openxmlformats.org/officeDocument/2006/relationships" xmlns:p1510="http://schemas.microsoft.com/office/powerpoint/2015/10/main">
   <p1510:revLst>
-    <p1510:client id="{155B7D8C-9164-4EC3-A0CA-14DD46E39129}" v="138" dt="2024-09-25T10:35:15.314"/>
+    <p1510:client id="{E2E59770-B7CC-4191-9A36-288E3436FBFF}" v="3" dt="2025-10-01T10:34:39.308"/>
   </p1510:revLst>
 </p1510:revInfo>
+</file>
+
+<file path=ppt/changesInfos/changesInfo1.xml><?xml version="1.0" encoding="utf-8"?>
+<pc:chgInfo xmlns:a="http://schemas.openxmlformats.org/drawingml/2006/main" xmlns:r="http://schemas.openxmlformats.org/officeDocument/2006/relationships" xmlns:ac="http://schemas.microsoft.com/office/drawing/2013/main/command" xmlns:pc="http://schemas.microsoft.com/office/powerpoint/2013/main/command">
+  <pc:docChgLst>
+    <pc:chgData name="James Finnis [jcf12] (Staff)" userId="faeb6a00-5959-429b-8da1-bc8a866eba94" providerId="ADAL" clId="{E2E59770-B7CC-4191-9A36-288E3436FBFF}"/>
+    <pc:docChg chg="undo custSel addSld modSld">
+      <pc:chgData name="James Finnis [jcf12] (Staff)" userId="faeb6a00-5959-429b-8da1-bc8a866eba94" providerId="ADAL" clId="{E2E59770-B7CC-4191-9A36-288E3436FBFF}" dt="2025-10-01T10:37:06.583" v="974" actId="20577"/>
+      <pc:docMkLst>
+        <pc:docMk/>
+      </pc:docMkLst>
+      <pc:sldChg chg="modSp mod">
+        <pc:chgData name="James Finnis [jcf12] (Staff)" userId="faeb6a00-5959-429b-8da1-bc8a866eba94" providerId="ADAL" clId="{E2E59770-B7CC-4191-9A36-288E3436FBFF}" dt="2025-09-30T16:23:14.852" v="2" actId="20577"/>
+        <pc:sldMkLst>
+          <pc:docMk/>
+          <pc:sldMk cId="0" sldId="256"/>
+        </pc:sldMkLst>
+        <pc:spChg chg="mod">
+          <ac:chgData name="James Finnis [jcf12] (Staff)" userId="faeb6a00-5959-429b-8da1-bc8a866eba94" providerId="ADAL" clId="{E2E59770-B7CC-4191-9A36-288E3436FBFF}" dt="2025-09-30T16:23:14.852" v="2" actId="20577"/>
+          <ac:spMkLst>
+            <pc:docMk/>
+            <pc:sldMk cId="0" sldId="256"/>
+            <ac:spMk id="2" creationId="{00000000-0000-0000-0000-000000000000}"/>
+          </ac:spMkLst>
+        </pc:spChg>
+      </pc:sldChg>
+      <pc:sldChg chg="modSp mod">
+        <pc:chgData name="James Finnis [jcf12] (Staff)" userId="faeb6a00-5959-429b-8da1-bc8a866eba94" providerId="ADAL" clId="{E2E59770-B7CC-4191-9A36-288E3436FBFF}" dt="2025-09-30T16:24:04.260" v="72" actId="20577"/>
+        <pc:sldMkLst>
+          <pc:docMk/>
+          <pc:sldMk cId="1743725458" sldId="332"/>
+        </pc:sldMkLst>
+        <pc:spChg chg="mod">
+          <ac:chgData name="James Finnis [jcf12] (Staff)" userId="faeb6a00-5959-429b-8da1-bc8a866eba94" providerId="ADAL" clId="{E2E59770-B7CC-4191-9A36-288E3436FBFF}" dt="2025-09-30T16:24:04.260" v="72" actId="20577"/>
+          <ac:spMkLst>
+            <pc:docMk/>
+            <pc:sldMk cId="1743725458" sldId="332"/>
+            <ac:spMk id="3" creationId="{00000000-0000-0000-0000-000000000000}"/>
+          </ac:spMkLst>
+        </pc:spChg>
+      </pc:sldChg>
+      <pc:sldChg chg="modSp mod">
+        <pc:chgData name="James Finnis [jcf12] (Staff)" userId="faeb6a00-5959-429b-8da1-bc8a866eba94" providerId="ADAL" clId="{E2E59770-B7CC-4191-9A36-288E3436FBFF}" dt="2025-09-30T16:24:37.729" v="164" actId="20577"/>
+        <pc:sldMkLst>
+          <pc:docMk/>
+          <pc:sldMk cId="4252872086" sldId="334"/>
+        </pc:sldMkLst>
+        <pc:spChg chg="mod">
+          <ac:chgData name="James Finnis [jcf12] (Staff)" userId="faeb6a00-5959-429b-8da1-bc8a866eba94" providerId="ADAL" clId="{E2E59770-B7CC-4191-9A36-288E3436FBFF}" dt="2025-09-30T16:24:37.729" v="164" actId="20577"/>
+          <ac:spMkLst>
+            <pc:docMk/>
+            <pc:sldMk cId="4252872086" sldId="334"/>
+            <ac:spMk id="3" creationId="{00000000-0000-0000-0000-000000000000}"/>
+          </ac:spMkLst>
+        </pc:spChg>
+      </pc:sldChg>
+      <pc:sldChg chg="modSp add mod">
+        <pc:chgData name="James Finnis [jcf12] (Staff)" userId="faeb6a00-5959-429b-8da1-bc8a866eba94" providerId="ADAL" clId="{E2E59770-B7CC-4191-9A36-288E3436FBFF}" dt="2025-10-01T10:37:06.583" v="974" actId="20577"/>
+        <pc:sldMkLst>
+          <pc:docMk/>
+          <pc:sldMk cId="656990717" sldId="339"/>
+        </pc:sldMkLst>
+        <pc:spChg chg="mod">
+          <ac:chgData name="James Finnis [jcf12] (Staff)" userId="faeb6a00-5959-429b-8da1-bc8a866eba94" providerId="ADAL" clId="{E2E59770-B7CC-4191-9A36-288E3436FBFF}" dt="2025-10-01T10:34:12.203" v="839" actId="313"/>
+          <ac:spMkLst>
+            <pc:docMk/>
+            <pc:sldMk cId="656990717" sldId="339"/>
+            <ac:spMk id="2" creationId="{41FFDF29-728A-CBC5-2E7C-823A7A925ADB}"/>
+          </ac:spMkLst>
+        </pc:spChg>
+        <pc:spChg chg="mod">
+          <ac:chgData name="James Finnis [jcf12] (Staff)" userId="faeb6a00-5959-429b-8da1-bc8a866eba94" providerId="ADAL" clId="{E2E59770-B7CC-4191-9A36-288E3436FBFF}" dt="2025-10-01T10:37:06.583" v="974" actId="20577"/>
+          <ac:spMkLst>
+            <pc:docMk/>
+            <pc:sldMk cId="656990717" sldId="339"/>
+            <ac:spMk id="3" creationId="{EDAFEE3C-FA31-AA88-EAC7-1D3E7833B2FA}"/>
+          </ac:spMkLst>
+        </pc:spChg>
+      </pc:sldChg>
+    </pc:docChg>
+  </pc:docChgLst>
+</pc:chgInfo>
 </file>
 
 <file path=ppt/notesMasters/notesMaster1.xml><?xml version="1.0" encoding="utf-8"?>
@@ -257,7 +340,7 @@
           <a:p>
             <a:fld id="{9577E772-4335-40B3-8D99-5219908BCAF5}" type="datetimeFigureOut">
               <a:rPr lang="en-GB" smtClean="0"/>
-              <a:t>02/10/2024</a:t>
+              <a:t>01/10/2025</a:t>
             </a:fld>
             <a:endParaRPr lang="en-GB"/>
           </a:p>
@@ -1054,7 +1137,7 @@
           <a:p>
             <a:fld id="{E6E61A80-AD3E-5043-BBBB-DD0D35B177C1}" type="datetimeFigureOut">
               <a:rPr lang="en-US" smtClean="0"/>
-              <a:t>10/2/2024</a:t>
+              <a:t>10/1/2025</a:t>
             </a:fld>
             <a:endParaRPr lang="en-US"/>
           </a:p>
@@ -1219,7 +1302,7 @@
           <a:p>
             <a:fld id="{E6E61A80-AD3E-5043-BBBB-DD0D35B177C1}" type="datetimeFigureOut">
               <a:rPr lang="en-US" smtClean="0"/>
-              <a:t>10/2/2024</a:t>
+              <a:t>10/1/2025</a:t>
             </a:fld>
             <a:endParaRPr lang="en-US"/>
           </a:p>
@@ -1394,7 +1477,7 @@
           <a:p>
             <a:fld id="{E6E61A80-AD3E-5043-BBBB-DD0D35B177C1}" type="datetimeFigureOut">
               <a:rPr lang="en-US" smtClean="0"/>
-              <a:t>10/2/2024</a:t>
+              <a:t>10/1/2025</a:t>
             </a:fld>
             <a:endParaRPr lang="en-US"/>
           </a:p>
@@ -1559,7 +1642,7 @@
           <a:p>
             <a:fld id="{E6E61A80-AD3E-5043-BBBB-DD0D35B177C1}" type="datetimeFigureOut">
               <a:rPr lang="en-US" smtClean="0"/>
-              <a:t>10/2/2024</a:t>
+              <a:t>10/1/2025</a:t>
             </a:fld>
             <a:endParaRPr lang="en-US"/>
           </a:p>
@@ -1800,7 +1883,7 @@
           <a:p>
             <a:fld id="{E6E61A80-AD3E-5043-BBBB-DD0D35B177C1}" type="datetimeFigureOut">
               <a:rPr lang="en-US" smtClean="0"/>
-              <a:t>10/2/2024</a:t>
+              <a:t>10/1/2025</a:t>
             </a:fld>
             <a:endParaRPr lang="en-US"/>
           </a:p>
@@ -2083,7 +2166,7 @@
           <a:p>
             <a:fld id="{E6E61A80-AD3E-5043-BBBB-DD0D35B177C1}" type="datetimeFigureOut">
               <a:rPr lang="en-US" smtClean="0"/>
-              <a:t>10/2/2024</a:t>
+              <a:t>10/1/2025</a:t>
             </a:fld>
             <a:endParaRPr lang="en-US"/>
           </a:p>
@@ -2500,7 +2583,7 @@
           <a:p>
             <a:fld id="{E6E61A80-AD3E-5043-BBBB-DD0D35B177C1}" type="datetimeFigureOut">
               <a:rPr lang="en-US" smtClean="0"/>
-              <a:t>10/2/2024</a:t>
+              <a:t>10/1/2025</a:t>
             </a:fld>
             <a:endParaRPr lang="en-US"/>
           </a:p>
@@ -2613,7 +2696,7 @@
           <a:p>
             <a:fld id="{E6E61A80-AD3E-5043-BBBB-DD0D35B177C1}" type="datetimeFigureOut">
               <a:rPr lang="en-US" smtClean="0"/>
-              <a:t>10/2/2024</a:t>
+              <a:t>10/1/2025</a:t>
             </a:fld>
             <a:endParaRPr lang="en-US"/>
           </a:p>
@@ -2703,7 +2786,7 @@
           <a:p>
             <a:fld id="{E6E61A80-AD3E-5043-BBBB-DD0D35B177C1}" type="datetimeFigureOut">
               <a:rPr lang="en-US" smtClean="0"/>
-              <a:t>10/2/2024</a:t>
+              <a:t>10/1/2025</a:t>
             </a:fld>
             <a:endParaRPr lang="en-US"/>
           </a:p>
@@ -2975,7 +3058,7 @@
           <a:p>
             <a:fld id="{E6E61A80-AD3E-5043-BBBB-DD0D35B177C1}" type="datetimeFigureOut">
               <a:rPr lang="en-US" smtClean="0"/>
-              <a:t>10/2/2024</a:t>
+              <a:t>10/1/2025</a:t>
             </a:fld>
             <a:endParaRPr lang="en-US"/>
           </a:p>
@@ -3223,7 +3306,7 @@
           <a:p>
             <a:fld id="{E6E61A80-AD3E-5043-BBBB-DD0D35B177C1}" type="datetimeFigureOut">
               <a:rPr lang="en-US" smtClean="0"/>
-              <a:t>10/2/2024</a:t>
+              <a:t>10/1/2025</a:t>
             </a:fld>
             <a:endParaRPr lang="en-US"/>
           </a:p>
@@ -3431,7 +3514,7 @@
           <a:p>
             <a:fld id="{E6E61A80-AD3E-5043-BBBB-DD0D35B177C1}" type="datetimeFigureOut">
               <a:rPr lang="en-US" smtClean="0"/>
-              <a:t>10/2/2024</a:t>
+              <a:t>10/1/2025</a:t>
             </a:fld>
             <a:endParaRPr lang="en-US"/>
           </a:p>
@@ -3821,7 +3904,7 @@
         <p:spPr>
           <a:xfrm>
             <a:off x="755576" y="1412776"/>
-            <a:ext cx="7776864" cy="5016758"/>
+            <a:ext cx="7776864" cy="4462760"/>
           </a:xfrm>
           <a:prstGeom prst="rect">
             <a:avLst/>
@@ -3854,7 +3937,7 @@
             <a:pPr algn="ctr"/>
             <a:r>
               <a:rPr lang="en-GB" sz="3600" b="1" dirty="0"/>
-              <a:t>October 2024</a:t>
+              <a:t>October 2025</a:t>
             </a:r>
           </a:p>
           <a:p>
@@ -3866,13 +3949,6 @@
             <a:r>
               <a:rPr lang="en-GB" sz="3600" b="1" dirty="0"/>
               <a:t>Jim Finnis</a:t>
-            </a:r>
-          </a:p>
-          <a:p>
-            <a:pPr algn="ctr"/>
-            <a:r>
-              <a:rPr lang="en-GB" sz="3600" b="1" dirty="0"/>
-              <a:t>Alan Macmillan</a:t>
             </a:r>
           </a:p>
           <a:p>
@@ -4762,13 +4838,8 @@
             </a:r>
             <a:r>
               <a:rPr lang="en-GB" sz="2800" dirty="0"/>
-              <a:t> to </a:t>
-            </a:r>
-            <a:r>
-              <a:rPr lang="en-GB" sz="2800" dirty="0" err="1"/>
-              <a:t>Glenwen</a:t>
-            </a:r>
-            <a:endParaRPr lang="en-GB" sz="2800" dirty="0"/>
+              <a:t> to Academic Operations (for the attention of Glenwen Morgans)</a:t>
+            </a:r>
           </a:p>
           <a:p>
             <a:r>
@@ -5006,20 +5077,23 @@
           <a:p>
             <a:pPr lvl="1"/>
             <a:r>
-              <a:rPr lang="en-GB" sz="2400" dirty="0" err="1"/>
-              <a:t>Glenwen</a:t>
-            </a:r>
-            <a:r>
               <a:rPr lang="en-GB" sz="2400" dirty="0"/>
-              <a:t> Morgans </a:t>
+              <a:t>Academic Operations </a:t>
             </a:r>
             <a:r>
               <a:rPr lang="en-GB" sz="2400" dirty="0">
                 <a:hlinkClick r:id="rId3"/>
               </a:rPr>
-              <a:t>gsm@aber.ac.uk</a:t>
+              <a:t>acadops@aber.ac.uk</a:t>
             </a:r>
             <a:endParaRPr lang="en-GB" sz="2400" dirty="0"/>
+          </a:p>
+          <a:p>
+            <a:pPr lvl="1"/>
+            <a:r>
+              <a:rPr lang="en-GB" sz="2400" dirty="0"/>
+              <a:t>Mark “FAO: Glenwen Morgans” (it’s a shared address)</a:t>
+            </a:r>
           </a:p>
           <a:p>
             <a:r>
@@ -6944,6 +7018,200 @@
 </file>
 
 <file path=ppt/slides/slide31.xml><?xml version="1.0" encoding="utf-8"?>
+<p:sld xmlns:a="http://schemas.openxmlformats.org/drawingml/2006/main" xmlns:r="http://schemas.openxmlformats.org/officeDocument/2006/relationships" xmlns:p="http://schemas.openxmlformats.org/presentationml/2006/main">
+  <p:cSld>
+    <p:bg>
+      <p:bgPr>
+        <a:blipFill rotWithShape="1">
+          <a:blip r:embed="rId2"/>
+          <a:stretch>
+            <a:fillRect/>
+          </a:stretch>
+        </a:blipFill>
+        <a:effectLst/>
+      </p:bgPr>
+    </p:bg>
+    <p:spTree>
+      <p:nvGrpSpPr>
+        <p:cNvPr id="1" name="">
+          <a:extLst>
+            <a:ext uri="{FF2B5EF4-FFF2-40B4-BE49-F238E27FC236}">
+              <a16:creationId xmlns:a16="http://schemas.microsoft.com/office/drawing/2014/main" id="{E8F31AD1-71E9-8FAA-7BB6-A1839D8625CB}"/>
+            </a:ext>
+          </a:extLst>
+        </p:cNvPr>
+        <p:cNvGrpSpPr/>
+        <p:nvPr/>
+      </p:nvGrpSpPr>
+      <p:grpSpPr>
+        <a:xfrm>
+          <a:off x="0" y="0"/>
+          <a:ext cx="0" cy="0"/>
+          <a:chOff x="0" y="0"/>
+          <a:chExt cx="0" cy="0"/>
+        </a:xfrm>
+      </p:grpSpPr>
+      <p:sp>
+        <p:nvSpPr>
+          <p:cNvPr id="2" name="Title 1">
+            <a:extLst>
+              <a:ext uri="{FF2B5EF4-FFF2-40B4-BE49-F238E27FC236}">
+                <a16:creationId xmlns:a16="http://schemas.microsoft.com/office/drawing/2014/main" id="{41FFDF29-728A-CBC5-2E7C-823A7A925ADB}"/>
+              </a:ext>
+            </a:extLst>
+          </p:cNvPr>
+          <p:cNvSpPr>
+            <a:spLocks noGrp="1"/>
+          </p:cNvSpPr>
+          <p:nvPr>
+            <p:ph type="title"/>
+          </p:nvPr>
+        </p:nvSpPr>
+        <p:spPr>
+          <a:xfrm>
+            <a:off x="457200" y="274638"/>
+            <a:ext cx="8229600" cy="634082"/>
+          </a:xfrm>
+        </p:spPr>
+        <p:txBody>
+          <a:bodyPr>
+            <a:normAutofit fontScale="90000"/>
+          </a:bodyPr>
+          <a:lstStyle/>
+          <a:p>
+            <a:br>
+              <a:rPr lang="en-GB" dirty="0"/>
+            </a:br>
+            <a:br>
+              <a:rPr lang="en-GB" dirty="0"/>
+            </a:br>
+            <a:r>
+              <a:rPr lang="en-GB" dirty="0"/>
+              <a:t>“</a:t>
+            </a:r>
+            <a:r>
+              <a:rPr lang="en-GB" b="1" dirty="0"/>
+              <a:t>AI”</a:t>
+            </a:r>
+          </a:p>
+        </p:txBody>
+      </p:sp>
+      <p:sp>
+        <p:nvSpPr>
+          <p:cNvPr id="3" name="Content Placeholder 2">
+            <a:extLst>
+              <a:ext uri="{FF2B5EF4-FFF2-40B4-BE49-F238E27FC236}">
+                <a16:creationId xmlns:a16="http://schemas.microsoft.com/office/drawing/2014/main" id="{EDAFEE3C-FA31-AA88-EAC7-1D3E7833B2FA}"/>
+              </a:ext>
+            </a:extLst>
+          </p:cNvPr>
+          <p:cNvSpPr>
+            <a:spLocks noGrp="1"/>
+          </p:cNvSpPr>
+          <p:nvPr>
+            <p:ph idx="1"/>
+          </p:nvPr>
+        </p:nvSpPr>
+        <p:spPr/>
+        <p:txBody>
+          <a:bodyPr>
+            <a:normAutofit lnSpcReduction="10000"/>
+          </a:bodyPr>
+          <a:lstStyle/>
+          <a:p>
+            <a:r>
+              <a:rPr lang="en-GB" sz="2400" dirty="0"/>
+              <a:t>(in the form of </a:t>
+            </a:r>
+            <a:r>
+              <a:rPr lang="en-GB" sz="2400"/>
+              <a:t>Generative AI / Large </a:t>
+            </a:r>
+            <a:r>
+              <a:rPr lang="en-GB" sz="2400" dirty="0"/>
+              <a:t>Language Models)</a:t>
+            </a:r>
+          </a:p>
+          <a:p>
+            <a:r>
+              <a:rPr lang="en-GB" sz="2400" dirty="0"/>
+              <a:t>If you see a student using an LLM make sure</a:t>
+            </a:r>
+          </a:p>
+          <a:p>
+            <a:pPr lvl="1"/>
+            <a:r>
+              <a:rPr lang="en-GB" sz="2000" dirty="0"/>
+              <a:t>They are aware that LLMs aren’t a database of facts, they’re a statistical model of the most likely way to complete a prompt given a big, blurry snapshot of the internet and loads of books.</a:t>
+            </a:r>
+          </a:p>
+          <a:p>
+            <a:pPr lvl="1"/>
+            <a:r>
+              <a:rPr lang="en-GB" sz="2000" dirty="0"/>
+              <a:t>The internet is full of lies. The LLM doesn’t know the difference.</a:t>
+            </a:r>
+          </a:p>
+          <a:p>
+            <a:pPr lvl="1"/>
+            <a:r>
+              <a:rPr lang="en-GB" sz="2000" dirty="0"/>
+              <a:t>The blurry nature of the snapshot means it’s very far from perfect.</a:t>
+            </a:r>
+          </a:p>
+          <a:p>
+            <a:r>
+              <a:rPr lang="en-GB" sz="2400" dirty="0"/>
+              <a:t>They should be able to understand and explain what the LLM is telling them.</a:t>
+            </a:r>
+          </a:p>
+          <a:p>
+            <a:r>
+              <a:rPr lang="en-GB" sz="2400" b="1" dirty="0"/>
+              <a:t>Otherwise, they aren’t learning.</a:t>
+            </a:r>
+          </a:p>
+          <a:p>
+            <a:r>
+              <a:rPr lang="en-GB" sz="2400" dirty="0"/>
+              <a:t>Blackboard course on generative AI and using it ethically:</a:t>
+            </a:r>
+          </a:p>
+          <a:p>
+            <a:pPr lvl="1"/>
+            <a:r>
+              <a:rPr lang="en-GB" sz="1800" dirty="0">
+                <a:hlinkClick r:id="rId3"/>
+              </a:rPr>
+              <a:t>https://blackboard.aber.ac.uk/ultra/organizations/_54998_1/outline</a:t>
+            </a:r>
+            <a:endParaRPr lang="en-GB" sz="1800" dirty="0"/>
+          </a:p>
+          <a:p>
+            <a:endParaRPr lang="en-GB" sz="2400" dirty="0"/>
+          </a:p>
+          <a:p>
+            <a:pPr marL="0" indent="0">
+              <a:buNone/>
+            </a:pPr>
+            <a:endParaRPr lang="en-GB" sz="2400" dirty="0"/>
+          </a:p>
+        </p:txBody>
+      </p:sp>
+    </p:spTree>
+    <p:extLst>
+      <p:ext uri="{BB962C8B-B14F-4D97-AF65-F5344CB8AC3E}">
+        <p14:creationId xmlns:p14="http://schemas.microsoft.com/office/powerpoint/2010/main" val="656990717"/>
+      </p:ext>
+    </p:extLst>
+  </p:cSld>
+  <p:clrMapOvr>
+    <a:masterClrMapping/>
+  </p:clrMapOvr>
+</p:sld>
+</file>
+
+<file path=ppt/slides/slide32.xml><?xml version="1.0" encoding="utf-8"?>
 <p:sld xmlns:a="http://schemas.openxmlformats.org/drawingml/2006/main" xmlns:r="http://schemas.openxmlformats.org/officeDocument/2006/relationships" xmlns:p="http://schemas.openxmlformats.org/presentationml/2006/main">
   <p:cSld>
     <p:bg>
@@ -7132,120 +7400,6 @@
 </p:sld>
 </file>
 
-<file path=ppt/slides/slide32.xml><?xml version="1.0" encoding="utf-8"?>
-<p:sld xmlns:a="http://schemas.openxmlformats.org/drawingml/2006/main" xmlns:r="http://schemas.openxmlformats.org/officeDocument/2006/relationships" xmlns:p="http://schemas.openxmlformats.org/presentationml/2006/main">
-  <p:cSld>
-    <p:bg>
-      <p:bgPr>
-        <a:blipFill rotWithShape="1">
-          <a:blip r:embed="rId2"/>
-          <a:stretch>
-            <a:fillRect/>
-          </a:stretch>
-        </a:blipFill>
-        <a:effectLst/>
-      </p:bgPr>
-    </p:bg>
-    <p:spTree>
-      <p:nvGrpSpPr>
-        <p:cNvPr id="1" name=""/>
-        <p:cNvGrpSpPr/>
-        <p:nvPr/>
-      </p:nvGrpSpPr>
-      <p:grpSpPr>
-        <a:xfrm>
-          <a:off x="0" y="0"/>
-          <a:ext cx="0" cy="0"/>
-          <a:chOff x="0" y="0"/>
-          <a:chExt cx="0" cy="0"/>
-        </a:xfrm>
-      </p:grpSpPr>
-      <p:sp>
-        <p:nvSpPr>
-          <p:cNvPr id="2" name="Title 1"/>
-          <p:cNvSpPr>
-            <a:spLocks noGrp="1"/>
-          </p:cNvSpPr>
-          <p:nvPr>
-            <p:ph type="title"/>
-          </p:nvPr>
-        </p:nvSpPr>
-        <p:spPr>
-          <a:xfrm>
-            <a:off x="457200" y="274638"/>
-            <a:ext cx="8229600" cy="634082"/>
-          </a:xfrm>
-        </p:spPr>
-        <p:txBody>
-          <a:bodyPr>
-            <a:normAutofit fontScale="90000"/>
-          </a:bodyPr>
-          <a:lstStyle/>
-          <a:p>
-            <a:br>
-              <a:rPr lang="en-GB" dirty="0"/>
-            </a:br>
-            <a:br>
-              <a:rPr lang="en-GB" dirty="0"/>
-            </a:br>
-            <a:r>
-              <a:rPr lang="en-GB" b="1" dirty="0"/>
-              <a:t>Good for you too!</a:t>
-            </a:r>
-          </a:p>
-        </p:txBody>
-      </p:sp>
-      <p:sp>
-        <p:nvSpPr>
-          <p:cNvPr id="3" name="Content Placeholder 2"/>
-          <p:cNvSpPr>
-            <a:spLocks noGrp="1"/>
-          </p:cNvSpPr>
-          <p:nvPr>
-            <p:ph idx="1"/>
-          </p:nvPr>
-        </p:nvSpPr>
-        <p:spPr/>
-        <p:txBody>
-          <a:bodyPr>
-            <a:normAutofit/>
-          </a:bodyPr>
-          <a:lstStyle/>
-          <a:p>
-            <a:r>
-              <a:rPr lang="en-GB" dirty="0"/>
-              <a:t>This is a great opportunity for you to learn</a:t>
-            </a:r>
-          </a:p>
-          <a:p>
-            <a:pPr lvl="1"/>
-            <a:r>
-              <a:rPr lang="en-GB" dirty="0"/>
-              <a:t>Technical stuff</a:t>
-            </a:r>
-          </a:p>
-          <a:p>
-            <a:pPr lvl="1"/>
-            <a:r>
-              <a:rPr lang="en-GB" dirty="0"/>
-              <a:t>How to explain things</a:t>
-            </a:r>
-          </a:p>
-        </p:txBody>
-      </p:sp>
-    </p:spTree>
-    <p:extLst>
-      <p:ext uri="{BB962C8B-B14F-4D97-AF65-F5344CB8AC3E}">
-        <p14:creationId xmlns:p14="http://schemas.microsoft.com/office/powerpoint/2010/main" val="3752275959"/>
-      </p:ext>
-    </p:extLst>
-  </p:cSld>
-  <p:clrMapOvr>
-    <a:masterClrMapping/>
-  </p:clrMapOvr>
-</p:sld>
-</file>
-
 <file path=ppt/slides/slide33.xml><?xml version="1.0" encoding="utf-8"?>
 <p:sld xmlns:a="http://schemas.openxmlformats.org/drawingml/2006/main" xmlns:r="http://schemas.openxmlformats.org/officeDocument/2006/relationships" xmlns:p="http://schemas.openxmlformats.org/presentationml/2006/main">
   <p:cSld>
@@ -7284,7 +7438,12 @@
             <p:ph type="title"/>
           </p:nvPr>
         </p:nvSpPr>
-        <p:spPr/>
+        <p:spPr>
+          <a:xfrm>
+            <a:off x="457200" y="274638"/>
+            <a:ext cx="8229600" cy="634082"/>
+          </a:xfrm>
+        </p:spPr>
         <p:txBody>
           <a:bodyPr>
             <a:normAutofit fontScale="90000"/>
@@ -7299,7 +7458,7 @@
             </a:br>
             <a:r>
               <a:rPr lang="en-GB" b="1" dirty="0"/>
-              <a:t>End of session</a:t>
+              <a:t>Good for you too!</a:t>
             </a:r>
           </a:p>
         </p:txBody>
@@ -7321,39 +7480,31 @@
           </a:bodyPr>
           <a:lstStyle/>
           <a:p>
-            <a:pPr marL="0" lvl="0" indent="0">
-              <a:buNone/>
-            </a:pPr>
-            <a:endParaRPr lang="en-GB" sz="2800" dirty="0"/>
-          </a:p>
-          <a:p>
-            <a:pPr lvl="0"/>
-            <a:r>
-              <a:rPr lang="en-GB" sz="2800" dirty="0"/>
-              <a:t>Try to make sure student work is reasonable before sign-off</a:t>
-            </a:r>
-          </a:p>
-          <a:p>
-            <a:r>
-              <a:rPr lang="en-GB" sz="2800" dirty="0"/>
-              <a:t>You need to know what the requirements are</a:t>
-            </a:r>
-          </a:p>
-          <a:p>
-            <a:r>
-              <a:rPr lang="en-GB" sz="2800" dirty="0"/>
-              <a:t>Feedback any issues to module coordinator</a:t>
-            </a:r>
-          </a:p>
-          <a:p>
-            <a:endParaRPr lang="en-GB" sz="2800" dirty="0"/>
+            <a:r>
+              <a:rPr lang="en-GB" dirty="0"/>
+              <a:t>This is a great opportunity for you to learn</a:t>
+            </a:r>
+          </a:p>
+          <a:p>
+            <a:pPr lvl="1"/>
+            <a:r>
+              <a:rPr lang="en-GB" dirty="0"/>
+              <a:t>Technical stuff</a:t>
+            </a:r>
+          </a:p>
+          <a:p>
+            <a:pPr lvl="1"/>
+            <a:r>
+              <a:rPr lang="en-GB" dirty="0"/>
+              <a:t>How to explain things</a:t>
+            </a:r>
           </a:p>
         </p:txBody>
       </p:sp>
     </p:spTree>
     <p:extLst>
       <p:ext uri="{BB962C8B-B14F-4D97-AF65-F5344CB8AC3E}">
-        <p14:creationId xmlns:p14="http://schemas.microsoft.com/office/powerpoint/2010/main" val="4244559619"/>
+        <p14:creationId xmlns:p14="http://schemas.microsoft.com/office/powerpoint/2010/main" val="3752275959"/>
       </p:ext>
     </p:extLst>
   </p:cSld>
@@ -7409,14 +7560,14 @@
           <a:lstStyle/>
           <a:p>
             <a:br>
-              <a:rPr lang="en-GB" u="sng" dirty="0"/>
+              <a:rPr lang="en-GB" dirty="0"/>
             </a:br>
             <a:br>
-              <a:rPr lang="en-GB" u="sng" dirty="0"/>
+              <a:rPr lang="en-GB" dirty="0"/>
             </a:br>
             <a:r>
-              <a:rPr lang="en-GB" b="1" u="sng" dirty="0"/>
-              <a:t>Please turn up.</a:t>
+              <a:rPr lang="en-GB" b="1" dirty="0"/>
+              <a:t>End of session</a:t>
             </a:r>
           </a:p>
         </p:txBody>
@@ -7431,54 +7582,46 @@
             <p:ph idx="1"/>
           </p:nvPr>
         </p:nvSpPr>
-        <p:spPr>
-          <a:xfrm>
-            <a:off x="457200" y="1772816"/>
-            <a:ext cx="8229600" cy="4353347"/>
-          </a:xfrm>
-        </p:spPr>
+        <p:spPr/>
         <p:txBody>
           <a:bodyPr>
             <a:normAutofit/>
           </a:bodyPr>
           <a:lstStyle/>
           <a:p>
+            <a:pPr marL="0" lvl="0" indent="0">
+              <a:buNone/>
+            </a:pPr>
+            <a:endParaRPr lang="en-GB" sz="2800" dirty="0"/>
+          </a:p>
+          <a:p>
+            <a:pPr lvl="0"/>
             <a:r>
               <a:rPr lang="en-GB" sz="2800" dirty="0"/>
-              <a:t>If you don’t come to a session you’re supposed to attend, it puts an unfair load on the other demonstrators and the lecturer.</a:t>
+              <a:t>Try to make sure student work is reasonable before sign-off</a:t>
             </a:r>
           </a:p>
           <a:p>
             <a:r>
               <a:rPr lang="en-GB" sz="2800" dirty="0"/>
-              <a:t>Students might not get seen. They might start to fall behind.</a:t>
+              <a:t>You need to know what the requirements are</a:t>
             </a:r>
           </a:p>
           <a:p>
             <a:r>
               <a:rPr lang="en-GB" sz="2800" dirty="0"/>
-              <a:t>If you can’t come, </a:t>
-            </a:r>
-            <a:r>
-              <a:rPr lang="en-GB" sz="2800" b="1" u="sng" dirty="0">
-                <a:solidFill>
-                  <a:srgbClr val="CC0000"/>
-                </a:solidFill>
-              </a:rPr>
-              <a:t>tell us in good time.</a:t>
-            </a:r>
-            <a:endParaRPr lang="en-GB" sz="2800" u="sng" dirty="0">
-              <a:solidFill>
-                <a:srgbClr val="CC0000"/>
-              </a:solidFill>
-            </a:endParaRPr>
+              <a:t>Feedback any issues to module coordinator</a:t>
+            </a:r>
+          </a:p>
+          <a:p>
+            <a:endParaRPr lang="en-GB" sz="2800" dirty="0"/>
           </a:p>
         </p:txBody>
       </p:sp>
     </p:spTree>
     <p:extLst>
       <p:ext uri="{BB962C8B-B14F-4D97-AF65-F5344CB8AC3E}">
-        <p14:creationId xmlns:p14="http://schemas.microsoft.com/office/powerpoint/2010/main" val="550045699"/>
+        <p14:creationId xmlns:p14="http://schemas.microsoft.com/office/powerpoint/2010/main" val="4244559619"/>
       </p:ext>
     </p:extLst>
   </p:cSld>
@@ -7534,6 +7677,131 @@
           <a:lstStyle/>
           <a:p>
             <a:br>
+              <a:rPr lang="en-GB" u="sng" dirty="0"/>
+            </a:br>
+            <a:br>
+              <a:rPr lang="en-GB" u="sng" dirty="0"/>
+            </a:br>
+            <a:r>
+              <a:rPr lang="en-GB" b="1" u="sng" dirty="0"/>
+              <a:t>Please turn up.</a:t>
+            </a:r>
+          </a:p>
+        </p:txBody>
+      </p:sp>
+      <p:sp>
+        <p:nvSpPr>
+          <p:cNvPr id="3" name="Content Placeholder 2"/>
+          <p:cNvSpPr>
+            <a:spLocks noGrp="1"/>
+          </p:cNvSpPr>
+          <p:nvPr>
+            <p:ph idx="1"/>
+          </p:nvPr>
+        </p:nvSpPr>
+        <p:spPr>
+          <a:xfrm>
+            <a:off x="457200" y="1772816"/>
+            <a:ext cx="8229600" cy="4353347"/>
+          </a:xfrm>
+        </p:spPr>
+        <p:txBody>
+          <a:bodyPr>
+            <a:normAutofit/>
+          </a:bodyPr>
+          <a:lstStyle/>
+          <a:p>
+            <a:r>
+              <a:rPr lang="en-GB" sz="2800" dirty="0"/>
+              <a:t>If you don’t come to a session you’re supposed to attend, it puts an unfair load on the other demonstrators and the lecturer.</a:t>
+            </a:r>
+          </a:p>
+          <a:p>
+            <a:r>
+              <a:rPr lang="en-GB" sz="2800" dirty="0"/>
+              <a:t>Students might not get seen. They might start to fall behind.</a:t>
+            </a:r>
+          </a:p>
+          <a:p>
+            <a:r>
+              <a:rPr lang="en-GB" sz="2800" dirty="0"/>
+              <a:t>If you can’t come, </a:t>
+            </a:r>
+            <a:r>
+              <a:rPr lang="en-GB" sz="2800" b="1" u="sng" dirty="0">
+                <a:solidFill>
+                  <a:srgbClr val="CC0000"/>
+                </a:solidFill>
+              </a:rPr>
+              <a:t>tell us in good time.</a:t>
+            </a:r>
+            <a:endParaRPr lang="en-GB" sz="2800" u="sng" dirty="0">
+              <a:solidFill>
+                <a:srgbClr val="CC0000"/>
+              </a:solidFill>
+            </a:endParaRPr>
+          </a:p>
+        </p:txBody>
+      </p:sp>
+    </p:spTree>
+    <p:extLst>
+      <p:ext uri="{BB962C8B-B14F-4D97-AF65-F5344CB8AC3E}">
+        <p14:creationId xmlns:p14="http://schemas.microsoft.com/office/powerpoint/2010/main" val="550045699"/>
+      </p:ext>
+    </p:extLst>
+  </p:cSld>
+  <p:clrMapOvr>
+    <a:masterClrMapping/>
+  </p:clrMapOvr>
+</p:sld>
+</file>
+
+<file path=ppt/slides/slide36.xml><?xml version="1.0" encoding="utf-8"?>
+<p:sld xmlns:a="http://schemas.openxmlformats.org/drawingml/2006/main" xmlns:r="http://schemas.openxmlformats.org/officeDocument/2006/relationships" xmlns:p="http://schemas.openxmlformats.org/presentationml/2006/main">
+  <p:cSld>
+    <p:bg>
+      <p:bgPr>
+        <a:blipFill rotWithShape="1">
+          <a:blip r:embed="rId2"/>
+          <a:stretch>
+            <a:fillRect/>
+          </a:stretch>
+        </a:blipFill>
+        <a:effectLst/>
+      </p:bgPr>
+    </p:bg>
+    <p:spTree>
+      <p:nvGrpSpPr>
+        <p:cNvPr id="1" name=""/>
+        <p:cNvGrpSpPr/>
+        <p:nvPr/>
+      </p:nvGrpSpPr>
+      <p:grpSpPr>
+        <a:xfrm>
+          <a:off x="0" y="0"/>
+          <a:ext cx="0" cy="0"/>
+          <a:chOff x="0" y="0"/>
+          <a:chExt cx="0" cy="0"/>
+        </a:xfrm>
+      </p:grpSpPr>
+      <p:sp>
+        <p:nvSpPr>
+          <p:cNvPr id="2" name="Title 1"/>
+          <p:cNvSpPr>
+            <a:spLocks noGrp="1"/>
+          </p:cNvSpPr>
+          <p:nvPr>
+            <p:ph type="title"/>
+          </p:nvPr>
+        </p:nvSpPr>
+        <p:spPr/>
+        <p:txBody>
+          <a:bodyPr>
+            <a:normAutofit fontScale="90000"/>
+          </a:bodyPr>
+          <a:lstStyle/>
+          <a:p>
+            <a:br>
               <a:rPr lang="en-GB" dirty="0"/>
             </a:br>
             <a:br>
@@ -7613,7 +7881,7 @@
 </p:sld>
 </file>
 
-<file path=ppt/slides/slide36.xml><?xml version="1.0" encoding="utf-8"?>
+<file path=ppt/slides/slide37.xml><?xml version="1.0" encoding="utf-8"?>
 <p:sld xmlns:a="http://schemas.openxmlformats.org/drawingml/2006/main" xmlns:r="http://schemas.openxmlformats.org/officeDocument/2006/relationships" xmlns:p="http://schemas.openxmlformats.org/presentationml/2006/main">
   <p:cSld>
     <p:bg>
@@ -8696,7 +8964,7 @@
 
 <file path=ppt/tags/tag1.xml><?xml version="1.0" encoding="utf-8"?>
 <p:tagLst xmlns:a="http://schemas.openxmlformats.org/drawingml/2006/main" xmlns:r="http://schemas.openxmlformats.org/officeDocument/2006/relationships" xmlns:p="http://schemas.openxmlformats.org/presentationml/2006/main">
-  <p:tag name="PRESGUID" val="48099f3e-cae3-4f6c-b4a4-19d34d79f1fd"/>
+  <p:tag name="PRESGUID" val="5b11d73b-542f-4fe2-9140-cdbf2d95bccf"/>
 </p:tagLst>
 </file>
 
@@ -9334,21 +9602,6 @@
 </file>
 
 <file path=customXml/item1.xml><?xml version="1.0" encoding="utf-8"?>
-<?mso-contentType ?>
-<FormTemplates xmlns="http://schemas.microsoft.com/sharepoint/v3/contenttype/forms">
-  <Display>DocumentLibraryForm</Display>
-  <Edit>DocumentLibraryForm</Edit>
-  <New>DocumentLibraryForm</New>
-</FormTemplates>
-</file>
-
-<file path=customXml/item2.xml><?xml version="1.0" encoding="utf-8"?>
-<p:properties xmlns:p="http://schemas.microsoft.com/office/2006/metadata/properties" xmlns:xsi="http://www.w3.org/2001/XMLSchema-instance" xmlns:pc="http://schemas.microsoft.com/office/infopath/2007/PartnerControls">
-  <documentManagement/>
-</p:properties>
-</file>
-
-<file path=customXml/item3.xml><?xml version="1.0" encoding="utf-8"?>
 <ct:contentTypeSchema xmlns:ct="http://schemas.microsoft.com/office/2006/metadata/contentType" xmlns:ma="http://schemas.microsoft.com/office/2006/metadata/properties/metaAttributes" ct:_="" ma:_="" ma:contentTypeName="Document" ma:contentTypeID="0x0101000022C0F3E70E2843B4EBC25B06EAA660" ma:contentTypeVersion="2" ma:contentTypeDescription="Create a new document." ma:contentTypeScope="" ma:versionID="516b2a4a130b5d5d7b3627b0830cafc9">
   <xsd:schema xmlns:xsd="http://www.w3.org/2001/XMLSchema" xmlns:xs="http://www.w3.org/2001/XMLSchema" xmlns:p="http://schemas.microsoft.com/office/2006/metadata/properties" xmlns:ns2="c4c4e6c1-1580-457f-8034-c126c8dee3c7" targetNamespace="http://schemas.microsoft.com/office/2006/metadata/properties" ma:root="true" ma:fieldsID="2968804d95356638d73bef96bc18660e" ns2:_="">
     <xsd:import namespace="c4c4e6c1-1580-457f-8034-c126c8dee3c7"/>
@@ -9496,31 +9749,22 @@
 </ct:contentTypeSchema>
 </file>
 
-<file path=customXml/itemProps1.xml><?xml version="1.0" encoding="utf-8"?>
-<ds:datastoreItem xmlns:ds="http://schemas.openxmlformats.org/officeDocument/2006/customXml" ds:itemID="{69EF6A2B-60F5-4035-9B8C-83BC032F5DF5}">
-  <ds:schemaRefs>
-    <ds:schemaRef ds:uri="http://schemas.microsoft.com/sharepoint/v3/contenttype/forms"/>
-  </ds:schemaRefs>
-</ds:datastoreItem>
+<file path=customXml/item2.xml><?xml version="1.0" encoding="utf-8"?>
+<?mso-contentType ?>
+<FormTemplates xmlns="http://schemas.microsoft.com/sharepoint/v3/contenttype/forms">
+  <Display>DocumentLibraryForm</Display>
+  <Edit>DocumentLibraryForm</Edit>
+  <New>DocumentLibraryForm</New>
+</FormTemplates>
 </file>
 
-<file path=customXml/itemProps2.xml><?xml version="1.0" encoding="utf-8"?>
-<ds:datastoreItem xmlns:ds="http://schemas.openxmlformats.org/officeDocument/2006/customXml" ds:itemID="{B182822E-3179-497E-8964-1C0779B53339}">
-  <ds:schemaRefs>
-    <ds:schemaRef ds:uri="c4c4e6c1-1580-457f-8034-c126c8dee3c7"/>
-    <ds:schemaRef ds:uri="http://schemas.microsoft.com/office/2006/documentManagement/types"/>
-    <ds:schemaRef ds:uri="http://schemas.microsoft.com/office/infopath/2007/PartnerControls"/>
-    <ds:schemaRef ds:uri="http://purl.org/dc/elements/1.1/"/>
-    <ds:schemaRef ds:uri="http://www.w3.org/XML/1998/namespace"/>
-    <ds:schemaRef ds:uri="http://schemas.microsoft.com/office/2006/metadata/properties"/>
-    <ds:schemaRef ds:uri="http://purl.org/dc/terms/"/>
-    <ds:schemaRef ds:uri="http://schemas.openxmlformats.org/package/2006/metadata/core-properties"/>
-    <ds:schemaRef ds:uri="http://purl.org/dc/dcmitype/"/>
-  </ds:schemaRefs>
-</ds:datastoreItem>
+<file path=customXml/item3.xml><?xml version="1.0" encoding="utf-8"?>
+<p:properties xmlns:p="http://schemas.microsoft.com/office/2006/metadata/properties" xmlns:xsi="http://www.w3.org/2001/XMLSchema-instance" xmlns:pc="http://schemas.microsoft.com/office/infopath/2007/PartnerControls">
+  <documentManagement/>
+</p:properties>
 </file>
 
-<file path=customXml/itemProps3.xml><?xml version="1.0" encoding="utf-8"?>
+<file path=customXml/itemProps1.xml><?xml version="1.0" encoding="utf-8"?>
 <ds:datastoreItem xmlns:ds="http://schemas.openxmlformats.org/officeDocument/2006/customXml" ds:itemID="{4FB6B691-6050-4BE3-B605-137196AFE281}">
   <ds:schemaRefs>
     <ds:schemaRef ds:uri="http://schemas.microsoft.com/office/2006/metadata/contentType"/>
@@ -9536,4 +9780,28 @@
     <ds:schemaRef ds:uri="http://schemas.microsoft.com/internal/obd"/>
   </ds:schemaRefs>
 </ds:datastoreItem>
+</file>
+
+<file path=customXml/itemProps2.xml><?xml version="1.0" encoding="utf-8"?>
+<ds:datastoreItem xmlns:ds="http://schemas.openxmlformats.org/officeDocument/2006/customXml" ds:itemID="{69EF6A2B-60F5-4035-9B8C-83BC032F5DF5}">
+  <ds:schemaRefs>
+    <ds:schemaRef ds:uri="http://schemas.microsoft.com/sharepoint/v3/contenttype/forms"/>
+  </ds:schemaRefs>
+</ds:datastoreItem>
+</file>
+
+<file path=customXml/itemProps3.xml><?xml version="1.0" encoding="utf-8"?>
+<ds:datastoreItem xmlns:ds="http://schemas.openxmlformats.org/officeDocument/2006/customXml" ds:itemID="{B182822E-3179-497E-8964-1C0779B53339}">
+  <ds:schemaRefs>
+    <ds:schemaRef ds:uri="c4c4e6c1-1580-457f-8034-c126c8dee3c7"/>
+    <ds:schemaRef ds:uri="http://schemas.microsoft.com/office/2006/documentManagement/types"/>
+    <ds:schemaRef ds:uri="http://schemas.microsoft.com/office/infopath/2007/PartnerControls"/>
+    <ds:schemaRef ds:uri="http://purl.org/dc/elements/1.1/"/>
+    <ds:schemaRef ds:uri="http://www.w3.org/XML/1998/namespace"/>
+    <ds:schemaRef ds:uri="http://schemas.microsoft.com/office/2006/metadata/properties"/>
+    <ds:schemaRef ds:uri="http://purl.org/dc/terms/"/>
+    <ds:schemaRef ds:uri="http://schemas.openxmlformats.org/package/2006/metadata/core-properties"/>
+    <ds:schemaRef ds:uri="http://purl.org/dc/dcmitype/"/>
+  </ds:schemaRefs>
+</ds:datastoreItem>
 </file>